--- a/Basics_of_Fluid_Mechanics/Basics_of_Fluid_Mechanics.pptx
+++ b/Basics_of_Fluid_Mechanics/Basics_of_Fluid_Mechanics.pptx
@@ -18,6 +18,11 @@
     <p:sldId id="266" r:id="rId12"/>
     <p:sldId id="267" r:id="rId13"/>
     <p:sldId id="268" r:id="rId14"/>
+    <p:sldId id="269" r:id="rId15"/>
+    <p:sldId id="270" r:id="rId16"/>
+    <p:sldId id="271" r:id="rId17"/>
+    <p:sldId id="272" r:id="rId18"/>
+    <p:sldId id="273" r:id="rId19"/>
   </p:sldIdLst>
   <p:sldSz cx="9144000" cy="5143500" type="screen16x9"/>
   <p:notesSz cx="6858000" cy="9144000"/>
@@ -4624,7 +4629,7 @@
       </mc:AlternateContent>
       <p:pic>
         <p:nvPicPr>
-          <p:cNvPr descr="Basics_of_Fluid_Mechanics/1-3.png" id="0" name="Picture 1"/>
+          <p:cNvPr descr="Basics_of_Fluid_Mechanics/images/1-3.png" id="0" name="Picture 1"/>
           <p:cNvPicPr>
             <a:picLocks noGrp="1" noChangeAspect="1"/>
           </p:cNvPicPr>
@@ -5082,7 +5087,7 @@
       </mc:AlternateContent>
       <p:pic>
         <p:nvPicPr>
-          <p:cNvPr descr="Basics_of_Fluid_Mechanics/1-4.png" id="0" name="Picture 1"/>
+          <p:cNvPr descr="Basics_of_Fluid_Mechanics/images/1-4.png" id="0" name="Picture 1"/>
           <p:cNvPicPr>
             <a:picLocks noGrp="1" noChangeAspect="1"/>
           </p:cNvPicPr>
@@ -5143,6 +5148,1715 @@
       <p:sp>
         <p:nvSpPr>
           <p:cNvPr id="7" name="スライド番号プレースホルダー 6"/>
+          <p:cNvSpPr>
+            <a:spLocks noGrp="1"/>
+          </p:cNvSpPr>
+          <p:nvPr>
+            <p:ph idx="12" sz="quarter" type="sldNum"/>
+          </p:nvPr>
+        </p:nvSpPr>
+        <p:spPr/>
+        <p:txBody>
+          <a:bodyPr/>
+          <a:lstStyle/>
+          <a:p>
+            <a:fld id="{D6591E97-2355-4C5F-BA98-15BCC4DBE61A}" type="slidenum">
+              <a:rPr altLang="en-US" kumimoji="1" lang="ja-JP" smtClean="0"/>
+              <a:t>‹#›</a:t>
+            </a:fld>
+            <a:endParaRPr altLang="en-US" kumimoji="1" lang="ja-JP"/>
+          </a:p>
+        </p:txBody>
+      </p:sp>
+    </p:spTree>
+  </p:cSld>
+</p:sld>
+</file>
+
+<file path=ppt/slides/slide14.xml><?xml version="1.0" encoding="utf-8"?>
+<p:sld xmlns:a="http://schemas.openxmlformats.org/drawingml/2006/main" xmlns:r="http://schemas.openxmlformats.org/officeDocument/2006/relationships" xmlns:p="http://schemas.openxmlformats.org/presentationml/2006/main">
+  <p:cSld>
+    <p:spTree>
+      <p:nvGrpSpPr>
+        <p:cNvPr id="1" name=""/>
+        <p:cNvGrpSpPr/>
+        <p:nvPr/>
+      </p:nvGrpSpPr>
+      <p:grpSpPr>
+        <a:xfrm>
+          <a:off x="0" y="0"/>
+          <a:ext cx="0" cy="0"/>
+          <a:chOff x="0" y="0"/>
+          <a:chExt cx="0" cy="0"/>
+        </a:xfrm>
+      </p:grpSpPr>
+      <p:sp>
+        <p:nvSpPr>
+          <p:cNvPr id="2" name="タイトル 1"/>
+          <p:cNvSpPr>
+            <a:spLocks noGrp="1"/>
+          </p:cNvSpPr>
+          <p:nvPr>
+            <p:ph type="title"/>
+          </p:nvPr>
+        </p:nvSpPr>
+        <p:spPr>
+          <a:xfrm>
+            <a:off x="860400" y="1098000"/>
+            <a:ext cx="3470400" cy="345600"/>
+          </a:xfrm>
+        </p:spPr>
+        <p:txBody>
+          <a:bodyPr/>
+          <a:lstStyle/>
+          <a:p>
+            <a:pPr lvl="0" indent="0" marL="0">
+              <a:buNone/>
+            </a:pPr>
+            <a:r>
+              <a:rPr/>
+              <a:t>静止流体の力学</a:t>
+            </a:r>
+          </a:p>
+        </p:txBody>
+      </p:sp>
+      <p:sp>
+        <p:nvSpPr>
+          <p:cNvPr id="6" name="スライド番号プレースホルダー 5"/>
+          <p:cNvSpPr>
+            <a:spLocks noGrp="1"/>
+          </p:cNvSpPr>
+          <p:nvPr>
+            <p:ph idx="12" sz="quarter" type="sldNum"/>
+          </p:nvPr>
+        </p:nvSpPr>
+        <p:spPr/>
+        <p:txBody>
+          <a:bodyPr/>
+          <a:lstStyle/>
+          <a:p>
+            <a:fld id="{D6591E97-2355-4C5F-BA98-15BCC4DBE61A}" type="slidenum">
+              <a:rPr altLang="en-US" kumimoji="1" lang="ja-JP" smtClean="0"/>
+              <a:t>‹#›</a:t>
+            </a:fld>
+            <a:endParaRPr altLang="en-US" kumimoji="1" lang="ja-JP"/>
+          </a:p>
+        </p:txBody>
+      </p:sp>
+    </p:spTree>
+  </p:cSld>
+</p:sld>
+</file>
+
+<file path=ppt/slides/slide15.xml><?xml version="1.0" encoding="utf-8"?>
+<p:sld xmlns:a="http://schemas.openxmlformats.org/drawingml/2006/main" xmlns:r="http://schemas.openxmlformats.org/officeDocument/2006/relationships" xmlns:p="http://schemas.openxmlformats.org/presentationml/2006/main">
+  <p:cSld>
+    <p:spTree>
+      <p:nvGrpSpPr>
+        <p:cNvPr id="1" name=""/>
+        <p:cNvGrpSpPr/>
+        <p:nvPr/>
+      </p:nvGrpSpPr>
+      <p:grpSpPr>
+        <a:xfrm>
+          <a:off x="0" y="0"/>
+          <a:ext cx="0" cy="0"/>
+          <a:chOff x="0" y="0"/>
+          <a:chExt cx="0" cy="0"/>
+        </a:xfrm>
+      </p:grpSpPr>
+      <p:sp>
+        <p:nvSpPr>
+          <p:cNvPr id="2" name="タイトル 1"/>
+          <p:cNvSpPr>
+            <a:spLocks noGrp="1"/>
+          </p:cNvSpPr>
+          <p:nvPr>
+            <p:ph type="title"/>
+          </p:nvPr>
+        </p:nvSpPr>
+        <p:spPr/>
+        <p:txBody>
+          <a:bodyPr/>
+          <a:lstStyle/>
+          <a:p>
+            <a:pPr lvl="0" indent="0" marL="0">
+              <a:buNone/>
+            </a:pPr>
+            <a:r>
+              <a:rPr/>
+              <a:t>静止流体の力学1</a:t>
+            </a:r>
+          </a:p>
+        </p:txBody>
+      </p:sp>
+      <mc:AlternateContent xmlns:mc="http://schemas.openxmlformats.org/markup-compatibility/2006">
+        <mc:Choice xmlns:a14="http://schemas.microsoft.com/office/drawing/2010/main" Requires="a14">
+          <p:sp>
+            <p:nvSpPr>
+              <p:cNvPr id="3" name="コンテンツ プレースホルダー 2"/>
+              <p:cNvSpPr>
+                <a:spLocks noGrp="1"/>
+              </p:cNvSpPr>
+              <p:nvPr>
+                <p:ph idx="1"/>
+              </p:nvPr>
+            </p:nvSpPr>
+            <p:spPr/>
+            <p:txBody>
+              <a:bodyPr/>
+              <a:lstStyle/>
+              <a:p>
+                <a:pPr lvl="0" indent="-342900" marL="342900">
+                  <a:buAutoNum type="arabicPeriod"/>
+                </a:pPr>
+                <a:r>
+                  <a:rPr/>
+                  <a:t>圧力の等方性</a:t>
+                </a:r>
+              </a:p>
+              <a:p>
+                <a:pPr lvl="0"/>
+                <a:r>
+                  <a:rPr/>
+                  <a:t>静止流体中では任意の1点における圧力はあらゆる方向に等しい</a:t>
+                </a:r>
+              </a:p>
+              <a:p>
+                <a:pPr lvl="0"/>
+                <a:r>
+                  <a:rPr/>
+                  <a:t>流体中の1点を通る微小平面 </a:t>
+                </a:r>
+                <a14:m>
+                  <m:oMath xmlns:m="http://schemas.openxmlformats.org/officeDocument/2006/math">
+                    <m:r>
+                      <m:t>Δ</m:t>
+                    </m:r>
+                    <m:r>
+                      <m:t>A</m:t>
+                    </m:r>
+                  </m:oMath>
+                </a14:m>
+                <a:r>
+                  <a:rPr/>
+                  <a:t> の圧力は以下の式で定義される</a:t>
+                </a:r>
+              </a:p>
+              <a:p>
+                <a:pPr lvl="0"/>
+                <a14:m>
+                  <m:oMathPara xmlns:m="http://schemas.openxmlformats.org/officeDocument/2006/math">
+                    <m:oMathParaPr>
+                      <m:jc m:val="center"/>
+                    </m:oMathParaPr>
+                    <m:oMath>
+                      <m:r>
+                        <m:t>p</m:t>
+                      </m:r>
+                      <m:r>
+                        <m:rPr>
+                          <m:sty m:val="p"/>
+                        </m:rPr>
+                        <m:t>≡</m:t>
+                      </m:r>
+                      <m:limLow>
+                        <m:e>
+                          <m:r>
+                            <m:rPr>
+                              <m:sty m:val="p"/>
+                            </m:rPr>
+                            <m:t>lim</m:t>
+                          </m:r>
+                        </m:e>
+                        <m:lim>
+                          <m:r>
+                            <m:t>Δ</m:t>
+                          </m:r>
+                          <m:r>
+                            <m:t>A</m:t>
+                          </m:r>
+                          <m:r>
+                            <m:rPr>
+                              <m:sty m:val="p"/>
+                            </m:rPr>
+                            <m:t>→</m:t>
+                          </m:r>
+                          <m:r>
+                            <m:t>0</m:t>
+                          </m:r>
+                        </m:lim>
+                      </m:limLow>
+                      <m:f>
+                        <m:fPr>
+                          <m:type m:val="bar"/>
+                        </m:fPr>
+                        <m:num>
+                          <m:r>
+                            <m:t>Δ</m:t>
+                          </m:r>
+                          <m:r>
+                            <m:t>F</m:t>
+                          </m:r>
+                        </m:num>
+                        <m:den>
+                          <m:r>
+                            <m:t>Δ</m:t>
+                          </m:r>
+                          <m:r>
+                            <m:t>A</m:t>
+                          </m:r>
+                        </m:den>
+                      </m:f>
+                    </m:oMath>
+                  </m:oMathPara>
+                </a14:m>
+              </a:p>
+              <a:p>
+                <a:pPr lvl="1"/>
+                <a:r>
+                  <a:rPr/>
+                  <a:t>圧力の単位</a:t>
+                </a:r>
+              </a:p>
+              <a:p>
+                <a:pPr lvl="2"/>
+                <a14:m>
+                  <m:oMath xmlns:m="http://schemas.openxmlformats.org/officeDocument/2006/math">
+                    <m:d>
+                      <m:dPr>
+                        <m:begChr m:val="["/>
+                        <m:endChr m:val="]"/>
+                        <m:sepChr m:val=""/>
+                        <m:grow/>
+                      </m:dPr>
+                      <m:e>
+                        <m:r>
+                          <m:t>N</m:t>
+                        </m:r>
+                        <m:r>
+                          <m:rPr>
+                            <m:sty m:val="p"/>
+                          </m:rPr>
+                          <m:t>/</m:t>
+                        </m:r>
+                        <m:sSup>
+                          <m:e>
+                            <m:r>
+                              <m:t>m</m:t>
+                            </m:r>
+                          </m:e>
+                          <m:sup>
+                            <m:r>
+                              <m:t>2</m:t>
+                            </m:r>
+                          </m:sup>
+                        </m:sSup>
+                      </m:e>
+                    </m:d>
+                    <m:r>
+                      <m:rPr>
+                        <m:sty m:val="p"/>
+                      </m:rPr>
+                      <m:t>=</m:t>
+                    </m:r>
+                    <m:d>
+                      <m:dPr>
+                        <m:begChr m:val="["/>
+                        <m:endChr m:val="]"/>
+                        <m:sepChr m:val=""/>
+                        <m:grow/>
+                      </m:dPr>
+                      <m:e>
+                        <m:r>
+                          <m:t>P</m:t>
+                        </m:r>
+                        <m:r>
+                          <m:t>a</m:t>
+                        </m:r>
+                      </m:e>
+                    </m:d>
+                  </m:oMath>
+                </a14:m>
+              </a:p>
+              <a:p>
+                <a:pPr lvl="2"/>
+                <a14:m>
+                  <m:oMath xmlns:m="http://schemas.openxmlformats.org/officeDocument/2006/math">
+                    <m:d>
+                      <m:dPr>
+                        <m:begChr m:val="["/>
+                        <m:endChr m:val="]"/>
+                        <m:sepChr m:val=""/>
+                        <m:grow/>
+                      </m:dPr>
+                      <m:e>
+                        <m:r>
+                          <m:t>k</m:t>
+                        </m:r>
+                        <m:r>
+                          <m:t>g</m:t>
+                        </m:r>
+                        <m:r>
+                          <m:t>f</m:t>
+                        </m:r>
+                        <m:r>
+                          <m:rPr>
+                            <m:sty m:val="p"/>
+                          </m:rPr>
+                          <m:t>/</m:t>
+                        </m:r>
+                        <m:r>
+                          <m:t>c</m:t>
+                        </m:r>
+                        <m:sSup>
+                          <m:e>
+                            <m:r>
+                              <m:t>m</m:t>
+                            </m:r>
+                          </m:e>
+                          <m:sup>
+                            <m:r>
+                              <m:t>2</m:t>
+                            </m:r>
+                          </m:sup>
+                        </m:sSup>
+                      </m:e>
+                    </m:d>
+                    <m:r>
+                      <m:rPr>
+                        <m:sty m:val="p"/>
+                      </m:rPr>
+                      <m:t>,</m:t>
+                    </m:r>
+                    <m:d>
+                      <m:dPr>
+                        <m:begChr m:val="["/>
+                        <m:endChr m:val="]"/>
+                        <m:sepChr m:val=""/>
+                        <m:grow/>
+                      </m:dPr>
+                      <m:e>
+                        <m:r>
+                          <m:t>m</m:t>
+                        </m:r>
+                        <m:r>
+                          <m:t>m</m:t>
+                        </m:r>
+                        <m:r>
+                          <m:t>A</m:t>
+                        </m:r>
+                        <m:r>
+                          <m:t>g</m:t>
+                        </m:r>
+                      </m:e>
+                    </m:d>
+                    <m:r>
+                      <m:rPr>
+                        <m:sty m:val="p"/>
+                      </m:rPr>
+                      <m:t>,</m:t>
+                    </m:r>
+                    <m:d>
+                      <m:dPr>
+                        <m:begChr m:val="["/>
+                        <m:endChr m:val="]"/>
+                        <m:sepChr m:val=""/>
+                        <m:grow/>
+                      </m:dPr>
+                      <m:e>
+                        <m:r>
+                          <m:t>m</m:t>
+                        </m:r>
+                        <m:r>
+                          <m:t>m</m:t>
+                        </m:r>
+                        <m:r>
+                          <m:t>H</m:t>
+                        </m:r>
+                        <m:r>
+                          <m:t>g</m:t>
+                        </m:r>
+                      </m:e>
+                    </m:d>
+                    <m:r>
+                      <m:rPr>
+                        <m:sty m:val="p"/>
+                      </m:rPr>
+                      <m:t>,</m:t>
+                    </m:r>
+                    <m:d>
+                      <m:dPr>
+                        <m:begChr m:val="["/>
+                        <m:endChr m:val="]"/>
+                        <m:sepChr m:val=""/>
+                        <m:grow/>
+                      </m:dPr>
+                      <m:e>
+                        <m:r>
+                          <m:t>b</m:t>
+                        </m:r>
+                        <m:r>
+                          <m:t>a</m:t>
+                        </m:r>
+                        <m:r>
+                          <m:t>r</m:t>
+                        </m:r>
+                      </m:e>
+                    </m:d>
+                  </m:oMath>
+                </a14:m>
+              </a:p>
+              <a:p>
+                <a:pPr lvl="1"/>
+                <a:r>
+                  <a:rPr/>
+                  <a:t>圧力の表し方</a:t>
+                </a:r>
+              </a:p>
+              <a:p>
+                <a:pPr lvl="2"/>
+                <a:r>
+                  <a:rPr/>
+                  <a:t>絶対圧 : 絶対真空（完全真空）を基準として表した圧力</a:t>
+                </a:r>
+              </a:p>
+              <a:p>
+                <a:pPr lvl="2"/>
+                <a:r>
+                  <a:rPr/>
+                  <a:t>ゲージ圧 : 周囲の圧力を基準として表し、通常大気圧が基準で </a:t>
+                </a:r>
+                <a14:m>
+                  <m:oMath xmlns:m="http://schemas.openxmlformats.org/officeDocument/2006/math">
+                    <m:r>
+                      <m:t>1.013</m:t>
+                    </m:r>
+                    <m:r>
+                      <m:rPr>
+                        <m:sty m:val="p"/>
+                      </m:rPr>
+                      <m:t>×</m:t>
+                    </m:r>
+                    <m:sSup>
+                      <m:e>
+                        <m:r>
+                          <m:t>10</m:t>
+                        </m:r>
+                      </m:e>
+                      <m:sup>
+                        <m:r>
+                          <m:t>5</m:t>
+                        </m:r>
+                      </m:sup>
+                    </m:sSup>
+                  </m:oMath>
+                </a14:m>
+              </a:p>
+            </p:txBody>
+          </p:sp>
+        </mc:Choice>
+      </mc:AlternateContent>
+      <p:sp>
+        <p:nvSpPr>
+          <p:cNvPr id="6" name="スライド番号プレースホルダー 5"/>
+          <p:cNvSpPr>
+            <a:spLocks noGrp="1"/>
+          </p:cNvSpPr>
+          <p:nvPr>
+            <p:ph idx="12" sz="quarter" type="sldNum"/>
+          </p:nvPr>
+        </p:nvSpPr>
+        <p:spPr/>
+        <p:txBody>
+          <a:bodyPr/>
+          <a:lstStyle/>
+          <a:p>
+            <a:fld id="{D6591E97-2355-4C5F-BA98-15BCC4DBE61A}" type="slidenum">
+              <a:rPr altLang="en-US" kumimoji="1" lang="ja-JP" smtClean="0"/>
+              <a:t>‹#›</a:t>
+            </a:fld>
+            <a:endParaRPr altLang="en-US" kumimoji="1" lang="ja-JP"/>
+          </a:p>
+        </p:txBody>
+      </p:sp>
+    </p:spTree>
+  </p:cSld>
+</p:sld>
+</file>
+
+<file path=ppt/slides/slide16.xml><?xml version="1.0" encoding="utf-8"?>
+<p:sld xmlns:a="http://schemas.openxmlformats.org/drawingml/2006/main" xmlns:r="http://schemas.openxmlformats.org/officeDocument/2006/relationships" xmlns:p="http://schemas.openxmlformats.org/presentationml/2006/main">
+  <p:cSld>
+    <p:spTree>
+      <p:nvGrpSpPr>
+        <p:cNvPr id="1" name=""/>
+        <p:cNvGrpSpPr/>
+        <p:nvPr/>
+      </p:nvGrpSpPr>
+      <p:grpSpPr>
+        <a:xfrm>
+          <a:off x="0" y="0"/>
+          <a:ext cx="0" cy="0"/>
+          <a:chOff x="0" y="0"/>
+          <a:chExt cx="0" cy="0"/>
+        </a:xfrm>
+      </p:grpSpPr>
+      <p:sp>
+        <p:nvSpPr>
+          <p:cNvPr id="2" name="タイトル 1"/>
+          <p:cNvSpPr>
+            <a:spLocks noGrp="1"/>
+          </p:cNvSpPr>
+          <p:nvPr>
+            <p:ph type="title"/>
+          </p:nvPr>
+        </p:nvSpPr>
+        <p:spPr/>
+        <p:txBody>
+          <a:bodyPr/>
+          <a:lstStyle/>
+          <a:p>
+            <a:pPr lvl="0" indent="0" marL="0">
+              <a:buNone/>
+            </a:pPr>
+            <a:r>
+              <a:rPr/>
+              <a:t>静止流体の力学2</a:t>
+            </a:r>
+          </a:p>
+        </p:txBody>
+      </p:sp>
+      <mc:AlternateContent xmlns:mc="http://schemas.openxmlformats.org/markup-compatibility/2006">
+        <mc:Choice xmlns:a14="http://schemas.microsoft.com/office/drawing/2010/main" Requires="a14">
+          <p:sp>
+            <p:nvSpPr>
+              <p:cNvPr id="3" name="コンテンツ プレースホルダー 2"/>
+              <p:cNvSpPr>
+                <a:spLocks noGrp="1"/>
+              </p:cNvSpPr>
+              <p:nvPr>
+                <p:ph idx="1"/>
+              </p:nvPr>
+            </p:nvSpPr>
+            <p:spPr/>
+            <p:txBody>
+              <a:bodyPr/>
+              <a:lstStyle/>
+              <a:p>
+                <a:pPr lvl="0"/>
+                <a:r>
+                  <a:rPr/>
+                  <a:t>密度 </a:t>
+                </a:r>
+                <a14:m>
+                  <m:oMath xmlns:m="http://schemas.openxmlformats.org/officeDocument/2006/math">
+                    <m:r>
+                      <m:t>ρ</m:t>
+                    </m:r>
+                  </m:oMath>
+                </a14:m>
+                <a:r>
+                  <a:rPr/>
+                  <a:t> の流体中に微小四面体 </a:t>
+                </a:r>
+                <a14:m>
+                  <m:oMath xmlns:m="http://schemas.openxmlformats.org/officeDocument/2006/math">
+                    <m:r>
+                      <m:t>O</m:t>
+                    </m:r>
+                    <m:r>
+                      <m:t>A</m:t>
+                    </m:r>
+                    <m:r>
+                      <m:t>B</m:t>
+                    </m:r>
+                    <m:r>
+                      <m:t>C</m:t>
+                    </m:r>
+                  </m:oMath>
+                </a14:m>
+                <a:r>
+                  <a:rPr/>
+                  <a:t> を考える</a:t>
+                </a:r>
+              </a:p>
+              <a:p>
+                <a:pPr lvl="1"/>
+                <a:r>
+                  <a:rPr/>
+                  <a:t>斜面 </a:t>
+                </a:r>
+                <a14:m>
+                  <m:oMath xmlns:m="http://schemas.openxmlformats.org/officeDocument/2006/math">
+                    <m:r>
+                      <m:t>A</m:t>
+                    </m:r>
+                    <m:r>
+                      <m:t>B</m:t>
+                    </m:r>
+                    <m:r>
+                      <m:t>C</m:t>
+                    </m:r>
+                  </m:oMath>
+                </a14:m>
+                <a:r>
+                  <a:rPr/>
+                  <a:t> の法制が </a:t>
+                </a:r>
+                <a14:m>
+                  <m:oMath xmlns:m="http://schemas.openxmlformats.org/officeDocument/2006/math">
+                    <m:r>
+                      <m:t>x</m:t>
+                    </m:r>
+                    <m:r>
+                      <m:rPr>
+                        <m:sty m:val="p"/>
+                      </m:rPr>
+                      <m:t>,</m:t>
+                    </m:r>
+                    <m:r>
+                      <m:t>y</m:t>
+                    </m:r>
+                    <m:r>
+                      <m:rPr>
+                        <m:sty m:val="p"/>
+                      </m:rPr>
+                      <m:t>,</m:t>
+                    </m:r>
+                    <m:r>
+                      <m:t>z</m:t>
+                    </m:r>
+                  </m:oMath>
+                </a14:m>
+                <a:r>
+                  <a:rPr/>
+                  <a:t> 軸となす角度を </a:t>
+                </a:r>
+                <a14:m>
+                  <m:oMath xmlns:m="http://schemas.openxmlformats.org/officeDocument/2006/math">
+                    <m:r>
+                      <m:t>α</m:t>
+                    </m:r>
+                    <m:r>
+                      <m:rPr>
+                        <m:sty m:val="p"/>
+                      </m:rPr>
+                      <m:t>,</m:t>
+                    </m:r>
+                    <m:r>
+                      <m:t>β</m:t>
+                    </m:r>
+                    <m:r>
+                      <m:rPr>
+                        <m:sty m:val="p"/>
+                      </m:rPr>
+                      <m:t>,</m:t>
+                    </m:r>
+                    <m:r>
+                      <m:t>γ</m:t>
+                    </m:r>
+                  </m:oMath>
+                </a14:m>
+                <a:r>
+                  <a:rPr/>
+                  <a:t>、</a:t>
+                </a:r>
+                <a14:m>
+                  <m:oMath xmlns:m="http://schemas.openxmlformats.org/officeDocument/2006/math">
+                    <m:r>
+                      <m:rPr>
+                        <m:sty m:val="p"/>
+                      </m:rPr>
+                      <m:t>△</m:t>
+                    </m:r>
+                    <m:r>
+                      <m:t>A</m:t>
+                    </m:r>
+                    <m:r>
+                      <m:t>B</m:t>
+                    </m:r>
+                    <m:r>
+                      <m:t>C</m:t>
+                    </m:r>
+                  </m:oMath>
+                </a14:m>
+                <a:r>
+                  <a:rPr/>
+                  <a:t> の面積を </a:t>
+                </a:r>
+                <a14:m>
+                  <m:oMath xmlns:m="http://schemas.openxmlformats.org/officeDocument/2006/math">
+                    <m:r>
+                      <m:t>d</m:t>
+                    </m:r>
+                    <m:r>
+                      <m:t>A</m:t>
+                    </m:r>
+                  </m:oMath>
+                </a14:m>
+                <a:r>
+                  <a:rPr/>
+                  <a:t> とする</a:t>
+                </a:r>
+              </a:p>
+              <a:p>
+                <a:pPr lvl="1"/>
+                <a14:m>
+                  <m:oMathPara xmlns:m="http://schemas.openxmlformats.org/officeDocument/2006/math">
+                    <m:oMathParaPr>
+                      <m:jc m:val="center"/>
+                    </m:oMathParaPr>
+                    <m:oMath>
+                      <m:r>
+                        <m:rPr>
+                          <m:sty m:val="p"/>
+                        </m:rPr>
+                        <m:t>△</m:t>
+                      </m:r>
+                      <m:r>
+                        <m:t>O</m:t>
+                      </m:r>
+                      <m:r>
+                        <m:t>B</m:t>
+                      </m:r>
+                      <m:r>
+                        <m:t>C</m:t>
+                      </m:r>
+                      <m:r>
+                        <m:rPr>
+                          <m:sty m:val="p"/>
+                        </m:rPr>
+                        <m:t>=</m:t>
+                      </m:r>
+                      <m:f>
+                        <m:fPr>
+                          <m:type m:val="bar"/>
+                        </m:fPr>
+                        <m:num>
+                          <m:r>
+                            <m:t>1</m:t>
+                          </m:r>
+                        </m:num>
+                        <m:den>
+                          <m:r>
+                            <m:t>2</m:t>
+                          </m:r>
+                        </m:den>
+                      </m:f>
+                      <m:r>
+                        <m:t>d</m:t>
+                      </m:r>
+                      <m:r>
+                        <m:t>y</m:t>
+                      </m:r>
+                      <m:r>
+                        <m:t>d</m:t>
+                      </m:r>
+                      <m:r>
+                        <m:t>z</m:t>
+                      </m:r>
+                      <m:r>
+                        <m:rPr>
+                          <m:sty m:val="p"/>
+                        </m:rPr>
+                        <m:t>=</m:t>
+                      </m:r>
+                      <m:r>
+                        <m:t>d</m:t>
+                      </m:r>
+                      <m:r>
+                        <m:t>A</m:t>
+                      </m:r>
+                      <m:r>
+                        <m:rPr>
+                          <m:sty m:val="p"/>
+                        </m:rPr>
+                        <m:t>cos</m:t>
+                      </m:r>
+                      <m:r>
+                        <m:t>α</m:t>
+                      </m:r>
+                    </m:oMath>
+                  </m:oMathPara>
+                </a14:m>
+              </a:p>
+              <a:p>
+                <a:pPr lvl="1"/>
+                <a14:m>
+                  <m:oMathPara xmlns:m="http://schemas.openxmlformats.org/officeDocument/2006/math">
+                    <m:oMathParaPr>
+                      <m:jc m:val="center"/>
+                    </m:oMathParaPr>
+                    <m:oMath>
+                      <m:r>
+                        <m:rPr>
+                          <m:sty m:val="p"/>
+                        </m:rPr>
+                        <m:t>△</m:t>
+                      </m:r>
+                      <m:r>
+                        <m:t>O</m:t>
+                      </m:r>
+                      <m:r>
+                        <m:t>A</m:t>
+                      </m:r>
+                      <m:r>
+                        <m:t>C</m:t>
+                      </m:r>
+                      <m:r>
+                        <m:rPr>
+                          <m:sty m:val="p"/>
+                        </m:rPr>
+                        <m:t>=</m:t>
+                      </m:r>
+                      <m:f>
+                        <m:fPr>
+                          <m:type m:val="bar"/>
+                        </m:fPr>
+                        <m:num>
+                          <m:r>
+                            <m:t>1</m:t>
+                          </m:r>
+                        </m:num>
+                        <m:den>
+                          <m:r>
+                            <m:t>2</m:t>
+                          </m:r>
+                        </m:den>
+                      </m:f>
+                      <m:r>
+                        <m:t>d</m:t>
+                      </m:r>
+                      <m:r>
+                        <m:t>x</m:t>
+                      </m:r>
+                      <m:r>
+                        <m:t>d</m:t>
+                      </m:r>
+                      <m:r>
+                        <m:t>z</m:t>
+                      </m:r>
+                      <m:r>
+                        <m:rPr>
+                          <m:sty m:val="p"/>
+                        </m:rPr>
+                        <m:t>=</m:t>
+                      </m:r>
+                      <m:r>
+                        <m:t>d</m:t>
+                      </m:r>
+                      <m:r>
+                        <m:t>A</m:t>
+                      </m:r>
+                      <m:r>
+                        <m:rPr>
+                          <m:sty m:val="p"/>
+                        </m:rPr>
+                        <m:t>cos</m:t>
+                      </m:r>
+                      <m:r>
+                        <m:t>β</m:t>
+                      </m:r>
+                    </m:oMath>
+                  </m:oMathPara>
+                </a14:m>
+              </a:p>
+              <a:p>
+                <a:pPr lvl="1"/>
+                <a14:m>
+                  <m:oMathPara xmlns:m="http://schemas.openxmlformats.org/officeDocument/2006/math">
+                    <m:oMathParaPr>
+                      <m:jc m:val="center"/>
+                    </m:oMathParaPr>
+                    <m:oMath>
+                      <m:r>
+                        <m:rPr>
+                          <m:sty m:val="p"/>
+                        </m:rPr>
+                        <m:t>△</m:t>
+                      </m:r>
+                      <m:r>
+                        <m:t>O</m:t>
+                      </m:r>
+                      <m:r>
+                        <m:t>A</m:t>
+                      </m:r>
+                      <m:r>
+                        <m:t>B</m:t>
+                      </m:r>
+                      <m:r>
+                        <m:rPr>
+                          <m:sty m:val="p"/>
+                        </m:rPr>
+                        <m:t>=</m:t>
+                      </m:r>
+                      <m:f>
+                        <m:fPr>
+                          <m:type m:val="bar"/>
+                        </m:fPr>
+                        <m:num>
+                          <m:r>
+                            <m:t>1</m:t>
+                          </m:r>
+                        </m:num>
+                        <m:den>
+                          <m:r>
+                            <m:t>2</m:t>
+                          </m:r>
+                        </m:den>
+                      </m:f>
+                      <m:r>
+                        <m:t>d</m:t>
+                      </m:r>
+                      <m:r>
+                        <m:t>x</m:t>
+                      </m:r>
+                      <m:r>
+                        <m:t>d</m:t>
+                      </m:r>
+                      <m:r>
+                        <m:t>y</m:t>
+                      </m:r>
+                      <m:r>
+                        <m:rPr>
+                          <m:sty m:val="p"/>
+                        </m:rPr>
+                        <m:t>=</m:t>
+                      </m:r>
+                      <m:r>
+                        <m:t>d</m:t>
+                      </m:r>
+                      <m:r>
+                        <m:t>A</m:t>
+                      </m:r>
+                      <m:r>
+                        <m:rPr>
+                          <m:sty m:val="p"/>
+                        </m:rPr>
+                        <m:t>cos</m:t>
+                      </m:r>
+                      <m:r>
+                        <m:t>γ</m:t>
+                      </m:r>
+                    </m:oMath>
+                  </m:oMathPara>
+                </a14:m>
+              </a:p>
+              <a:p>
+                <a:pPr lvl="1"/>
+                <a14:m>
+                  <m:oMath xmlns:m="http://schemas.openxmlformats.org/officeDocument/2006/math">
+                    <m:r>
+                      <m:t>x</m:t>
+                    </m:r>
+                    <m:r>
+                      <m:rPr>
+                        <m:sty m:val="p"/>
+                      </m:rPr>
+                      <m:t>,</m:t>
+                    </m:r>
+                    <m:r>
+                      <m:t>y</m:t>
+                    </m:r>
+                  </m:oMath>
+                </a14:m>
+                <a:r>
+                  <a:rPr/>
+                  <a:t> 方向の力のつり合いより</a:t>
+                </a:r>
+              </a:p>
+              <a:p>
+                <a:pPr lvl="1"/>
+                <a14:m>
+                  <m:oMathPara xmlns:m="http://schemas.openxmlformats.org/officeDocument/2006/math">
+                    <m:oMathParaPr>
+                      <m:jc m:val="center"/>
+                    </m:oMathParaPr>
+                    <m:oMath>
+                      <m:sSub>
+                        <m:e>
+                          <m:r>
+                            <m:t>p</m:t>
+                          </m:r>
+                        </m:e>
+                        <m:sub>
+                          <m:r>
+                            <m:t>x</m:t>
+                          </m:r>
+                        </m:sub>
+                      </m:sSub>
+                      <m:f>
+                        <m:fPr>
+                          <m:type m:val="bar"/>
+                        </m:fPr>
+                        <m:num>
+                          <m:r>
+                            <m:t>1</m:t>
+                          </m:r>
+                        </m:num>
+                        <m:den>
+                          <m:r>
+                            <m:t>2</m:t>
+                          </m:r>
+                        </m:den>
+                      </m:f>
+                      <m:r>
+                        <m:t>d</m:t>
+                      </m:r>
+                      <m:r>
+                        <m:t>y</m:t>
+                      </m:r>
+                      <m:r>
+                        <m:t>d</m:t>
+                      </m:r>
+                      <m:r>
+                        <m:t>z</m:t>
+                      </m:r>
+                      <m:r>
+                        <m:rPr>
+                          <m:sty m:val="p"/>
+                        </m:rPr>
+                        <m:t>−</m:t>
+                      </m:r>
+                      <m:sSub>
+                        <m:e>
+                          <m:r>
+                            <m:t>p</m:t>
+                          </m:r>
+                        </m:e>
+                        <m:sub>
+                          <m:r>
+                            <m:t>n</m:t>
+                          </m:r>
+                        </m:sub>
+                      </m:sSub>
+                      <m:r>
+                        <m:t>d</m:t>
+                      </m:r>
+                      <m:r>
+                        <m:t>A</m:t>
+                      </m:r>
+                      <m:r>
+                        <m:rPr>
+                          <m:sty m:val="p"/>
+                        </m:rPr>
+                        <m:t>cos</m:t>
+                      </m:r>
+                      <m:r>
+                        <m:t>α</m:t>
+                      </m:r>
+                      <m:r>
+                        <m:rPr>
+                          <m:sty m:val="p"/>
+                        </m:rPr>
+                        <m:t>=</m:t>
+                      </m:r>
+                      <m:r>
+                        <m:t>0</m:t>
+                      </m:r>
+                      <m:r>
+                        <m:rPr>
+                          <m:sty m:val="p"/>
+                        </m:rPr>
+                        <m:t>∴</m:t>
+                      </m:r>
+                      <m:sSub>
+                        <m:e>
+                          <m:r>
+                            <m:t>p</m:t>
+                          </m:r>
+                        </m:e>
+                        <m:sub>
+                          <m:r>
+                            <m:t>x</m:t>
+                          </m:r>
+                        </m:sub>
+                      </m:sSub>
+                      <m:r>
+                        <m:rPr>
+                          <m:sty m:val="p"/>
+                        </m:rPr>
+                        <m:t>=</m:t>
+                      </m:r>
+                      <m:sSub>
+                        <m:e>
+                          <m:r>
+                            <m:t>p</m:t>
+                          </m:r>
+                        </m:e>
+                        <m:sub>
+                          <m:r>
+                            <m:t>n</m:t>
+                          </m:r>
+                        </m:sub>
+                      </m:sSub>
+                    </m:oMath>
+                  </m:oMathPara>
+                </a14:m>
+              </a:p>
+              <a:p>
+                <a:pPr lvl="1"/>
+                <a14:m>
+                  <m:oMathPara xmlns:m="http://schemas.openxmlformats.org/officeDocument/2006/math">
+                    <m:oMathParaPr>
+                      <m:jc m:val="center"/>
+                    </m:oMathParaPr>
+                    <m:oMath>
+                      <m:sSub>
+                        <m:e>
+                          <m:r>
+                            <m:t>p</m:t>
+                          </m:r>
+                        </m:e>
+                        <m:sub>
+                          <m:r>
+                            <m:t>x</m:t>
+                          </m:r>
+                        </m:sub>
+                      </m:sSub>
+                      <m:f>
+                        <m:fPr>
+                          <m:type m:val="bar"/>
+                        </m:fPr>
+                        <m:num>
+                          <m:r>
+                            <m:t>1</m:t>
+                          </m:r>
+                        </m:num>
+                        <m:den>
+                          <m:r>
+                            <m:t>2</m:t>
+                          </m:r>
+                        </m:den>
+                      </m:f>
+                      <m:r>
+                        <m:t>d</m:t>
+                      </m:r>
+                      <m:r>
+                        <m:t>x</m:t>
+                      </m:r>
+                      <m:r>
+                        <m:t>d</m:t>
+                      </m:r>
+                      <m:r>
+                        <m:t>z</m:t>
+                      </m:r>
+                      <m:r>
+                        <m:rPr>
+                          <m:sty m:val="p"/>
+                        </m:rPr>
+                        <m:t>−</m:t>
+                      </m:r>
+                      <m:sSub>
+                        <m:e>
+                          <m:r>
+                            <m:t>p</m:t>
+                          </m:r>
+                        </m:e>
+                        <m:sub>
+                          <m:r>
+                            <m:t>n</m:t>
+                          </m:r>
+                        </m:sub>
+                      </m:sSub>
+                      <m:r>
+                        <m:t>d</m:t>
+                      </m:r>
+                      <m:r>
+                        <m:t>A</m:t>
+                      </m:r>
+                      <m:r>
+                        <m:rPr>
+                          <m:sty m:val="p"/>
+                        </m:rPr>
+                        <m:t>cos</m:t>
+                      </m:r>
+                      <m:r>
+                        <m:t>β</m:t>
+                      </m:r>
+                      <m:r>
+                        <m:rPr>
+                          <m:sty m:val="p"/>
+                        </m:rPr>
+                        <m:t>=</m:t>
+                      </m:r>
+                      <m:r>
+                        <m:t>0</m:t>
+                      </m:r>
+                      <m:r>
+                        <m:rPr>
+                          <m:sty m:val="p"/>
+                        </m:rPr>
+                        <m:t>∴</m:t>
+                      </m:r>
+                      <m:sSub>
+                        <m:e>
+                          <m:r>
+                            <m:t>p</m:t>
+                          </m:r>
+                        </m:e>
+                        <m:sub>
+                          <m:r>
+                            <m:t>y</m:t>
+                          </m:r>
+                        </m:sub>
+                      </m:sSub>
+                      <m:r>
+                        <m:rPr>
+                          <m:sty m:val="p"/>
+                        </m:rPr>
+                        <m:t>=</m:t>
+                      </m:r>
+                      <m:sSub>
+                        <m:e>
+                          <m:r>
+                            <m:t>p</m:t>
+                          </m:r>
+                        </m:e>
+                        <m:sub>
+                          <m:r>
+                            <m:t>n</m:t>
+                          </m:r>
+                        </m:sub>
+                      </m:sSub>
+                    </m:oMath>
+                  </m:oMathPara>
+                </a14:m>
+              </a:p>
+              <a:p>
+                <a:pPr lvl="1"/>
+                <a14:m>
+                  <m:oMath xmlns:m="http://schemas.openxmlformats.org/officeDocument/2006/math">
+                    <m:r>
+                      <m:t>z</m:t>
+                    </m:r>
+                  </m:oMath>
+                </a14:m>
+                <a:r>
+                  <a:rPr/>
+                  <a:t> 方向は流体の自重を考慮する</a:t>
+                </a:r>
+              </a:p>
+              <a:p>
+                <a:pPr lvl="1"/>
+                <a14:m>
+                  <m:oMathPara xmlns:m="http://schemas.openxmlformats.org/officeDocument/2006/math">
+                    <m:oMathParaPr>
+                      <m:jc m:val="center"/>
+                    </m:oMathParaPr>
+                    <m:oMath>
+                      <m:sSub>
+                        <m:e>
+                          <m:r>
+                            <m:t>p</m:t>
+                          </m:r>
+                        </m:e>
+                        <m:sub>
+                          <m:r>
+                            <m:t>x</m:t>
+                          </m:r>
+                        </m:sub>
+                      </m:sSub>
+                      <m:f>
+                        <m:fPr>
+                          <m:type m:val="bar"/>
+                        </m:fPr>
+                        <m:num>
+                          <m:r>
+                            <m:t>1</m:t>
+                          </m:r>
+                        </m:num>
+                        <m:den>
+                          <m:r>
+                            <m:t>2</m:t>
+                          </m:r>
+                        </m:den>
+                      </m:f>
+                      <m:r>
+                        <m:t>d</m:t>
+                      </m:r>
+                      <m:r>
+                        <m:t>x</m:t>
+                      </m:r>
+                      <m:r>
+                        <m:t>d</m:t>
+                      </m:r>
+                      <m:r>
+                        <m:t>y</m:t>
+                      </m:r>
+                      <m:r>
+                        <m:rPr>
+                          <m:sty m:val="p"/>
+                        </m:rPr>
+                        <m:t>−</m:t>
+                      </m:r>
+                      <m:sSub>
+                        <m:e>
+                          <m:r>
+                            <m:t>p</m:t>
+                          </m:r>
+                        </m:e>
+                        <m:sub>
+                          <m:r>
+                            <m:t>n</m:t>
+                          </m:r>
+                        </m:sub>
+                      </m:sSub>
+                      <m:r>
+                        <m:t>d</m:t>
+                      </m:r>
+                      <m:r>
+                        <m:t>A</m:t>
+                      </m:r>
+                      <m:r>
+                        <m:rPr>
+                          <m:sty m:val="p"/>
+                        </m:rPr>
+                        <m:t>cos</m:t>
+                      </m:r>
+                      <m:r>
+                        <m:t>γ</m:t>
+                      </m:r>
+                      <m:r>
+                        <m:rPr>
+                          <m:sty m:val="p"/>
+                        </m:rPr>
+                        <m:t>−</m:t>
+                      </m:r>
+                      <m:r>
+                        <m:t>ρ</m:t>
+                      </m:r>
+                      <m:r>
+                        <m:t>g</m:t>
+                      </m:r>
+                      <m:f>
+                        <m:fPr>
+                          <m:type m:val="bar"/>
+                        </m:fPr>
+                        <m:num>
+                          <m:r>
+                            <m:t>1</m:t>
+                          </m:r>
+                        </m:num>
+                        <m:den>
+                          <m:r>
+                            <m:t>6</m:t>
+                          </m:r>
+                        </m:den>
+                      </m:f>
+                      <m:r>
+                        <m:t>d</m:t>
+                      </m:r>
+                      <m:r>
+                        <m:t>x</m:t>
+                      </m:r>
+                      <m:r>
+                        <m:t>d</m:t>
+                      </m:r>
+                      <m:r>
+                        <m:t>y</m:t>
+                      </m:r>
+                      <m:r>
+                        <m:t>d</m:t>
+                      </m:r>
+                      <m:r>
+                        <m:t>z</m:t>
+                      </m:r>
+                      <m:r>
+                        <m:rPr>
+                          <m:sty m:val="p"/>
+                        </m:rPr>
+                        <m:t>=</m:t>
+                      </m:r>
+                      <m:r>
+                        <m:t>0</m:t>
+                      </m:r>
+                      <m:r>
+                        <m:rPr>
+                          <m:sty m:val="p"/>
+                        </m:rPr>
+                        <m:t>∴</m:t>
+                      </m:r>
+                      <m:sSub>
+                        <m:e>
+                          <m:r>
+                            <m:t>p</m:t>
+                          </m:r>
+                        </m:e>
+                        <m:sub>
+                          <m:r>
+                            <m:t>z</m:t>
+                          </m:r>
+                        </m:sub>
+                      </m:sSub>
+                      <m:r>
+                        <m:rPr>
+                          <m:sty m:val="p"/>
+                        </m:rPr>
+                        <m:t>=</m:t>
+                      </m:r>
+                      <m:sSub>
+                        <m:e>
+                          <m:r>
+                            <m:t>p</m:t>
+                          </m:r>
+                        </m:e>
+                        <m:sub>
+                          <m:r>
+                            <m:t>n</m:t>
+                          </m:r>
+                        </m:sub>
+                      </m:sSub>
+                      <m:r>
+                        <m:rPr>
+                          <m:sty m:val="p"/>
+                        </m:rPr>
+                        <m:t>+</m:t>
+                      </m:r>
+                      <m:r>
+                        <m:t>ρ</m:t>
+                      </m:r>
+                      <m:r>
+                        <m:t>g</m:t>
+                      </m:r>
+                      <m:f>
+                        <m:fPr>
+                          <m:type m:val="bar"/>
+                        </m:fPr>
+                        <m:num>
+                          <m:r>
+                            <m:t>1</m:t>
+                          </m:r>
+                        </m:num>
+                        <m:den>
+                          <m:r>
+                            <m:t>3</m:t>
+                          </m:r>
+                        </m:den>
+                      </m:f>
+                      <m:r>
+                        <m:t>d</m:t>
+                      </m:r>
+                      <m:r>
+                        <m:t>z</m:t>
+                      </m:r>
+                    </m:oMath>
+                  </m:oMathPara>
+                </a14:m>
+              </a:p>
+            </p:txBody>
+          </p:sp>
+        </mc:Choice>
+      </mc:AlternateContent>
+      <p:sp>
+        <p:nvSpPr>
+          <p:cNvPr id="6" name="スライド番号プレースホルダー 5"/>
+          <p:cNvSpPr>
+            <a:spLocks noGrp="1"/>
+          </p:cNvSpPr>
+          <p:nvPr>
+            <p:ph idx="12" sz="quarter" type="sldNum"/>
+          </p:nvPr>
+        </p:nvSpPr>
+        <p:spPr/>
+        <p:txBody>
+          <a:bodyPr/>
+          <a:lstStyle/>
+          <a:p>
+            <a:fld id="{D6591E97-2355-4C5F-BA98-15BCC4DBE61A}" type="slidenum">
+              <a:rPr altLang="en-US" kumimoji="1" lang="ja-JP" smtClean="0"/>
+              <a:t>‹#›</a:t>
+            </a:fld>
+            <a:endParaRPr altLang="en-US" kumimoji="1" lang="ja-JP"/>
+          </a:p>
+        </p:txBody>
+      </p:sp>
+    </p:spTree>
+  </p:cSld>
+</p:sld>
+</file>
+
+<file path=ppt/slides/slide17.xml><?xml version="1.0" encoding="utf-8"?>
+<p:sld xmlns:a="http://schemas.openxmlformats.org/drawingml/2006/main" xmlns:r="http://schemas.openxmlformats.org/officeDocument/2006/relationships" xmlns:p="http://schemas.openxmlformats.org/presentationml/2006/main">
+  <p:cSld>
+    <p:spTree>
+      <p:nvGrpSpPr>
+        <p:cNvPr id="1" name=""/>
+        <p:cNvGrpSpPr/>
+        <p:nvPr/>
+      </p:nvGrpSpPr>
+      <p:grpSpPr>
+        <a:xfrm>
+          <a:off x="0" y="0"/>
+          <a:ext cx="0" cy="0"/>
+          <a:chOff x="0" y="0"/>
+          <a:chExt cx="0" cy="0"/>
+        </a:xfrm>
+      </p:grpSpPr>
+      <p:sp>
+        <p:nvSpPr>
+          <p:cNvPr id="2" name="タイトル 1"/>
+          <p:cNvSpPr>
+            <a:spLocks noGrp="1"/>
+          </p:cNvSpPr>
+          <p:nvPr>
+            <p:ph type="title"/>
+          </p:nvPr>
+        </p:nvSpPr>
+        <p:spPr>
+          <a:xfrm>
+            <a:off x="629841" y="342900"/>
+            <a:ext cx="2949178" cy="1200150"/>
+          </a:xfrm>
+        </p:spPr>
+        <p:txBody>
+          <a:bodyPr/>
+          <a:lstStyle/>
+          <a:p>
+            <a:pPr lvl="0" indent="0" marL="0">
+              <a:buNone/>
+            </a:pPr>
+            <a:r>
+              <a:rPr/>
+              <a:t>静止流体の力学2</a:t>
+            </a:r>
+          </a:p>
+        </p:txBody>
+      </p:sp>
+      <p:pic>
+        <p:nvPicPr>
+          <p:cNvPr descr="Basics_of_Fluid_Mechanics/images/2-1.png" id="0" name="Picture 1"/>
+          <p:cNvPicPr>
+            <a:picLocks noGrp="1" noChangeAspect="1"/>
+          </p:cNvPicPr>
+          <p:nvPr/>
+        </p:nvPicPr>
+        <p:blipFill>
+          <a:blip r:embed="rId2"/>
+          <a:stretch>
+            <a:fillRect/>
+          </a:stretch>
+        </p:blipFill>
+        <p:spPr bwMode="auto">
+          <a:xfrm>
+            <a:off x="2349500" y="0"/>
+            <a:ext cx="4457700" cy="4635500"/>
+          </a:xfrm>
+          <a:prstGeom prst="rect">
+            <a:avLst/>
+          </a:prstGeom>
+          <a:noFill/>
+          <a:ln w="9525">
+            <a:noFill/>
+            <a:headEnd/>
+            <a:tailEnd/>
+          </a:ln>
+        </p:spPr>
+      </p:pic>
+      <p:sp>
+        <p:nvSpPr>
+          <p:cNvPr id="1" name="TextBox 3"/>
+          <p:cNvSpPr txBox="1"/>
+          <p:nvPr/>
+        </p:nvSpPr>
+        <p:spPr>
+          <a:xfrm>
+            <a:off x="0" y="4635500"/>
+            <a:ext cx="9144000" cy="508000"/>
+          </a:xfrm>
+          <a:prstGeom prst="rect">
+            <a:avLst/>
+          </a:prstGeom>
+          <a:noFill/>
+        </p:spPr>
+        <p:txBody>
+          <a:bodyPr/>
+          <a:lstStyle/>
+          <a:p>
+            <a:pPr lvl="0" indent="0" marL="0" algn="ctr">
+              <a:buNone/>
+            </a:pPr>
+            <a:r>
+              <a:rPr/>
+              <a:t>alt text</a:t>
+            </a:r>
+          </a:p>
+        </p:txBody>
+      </p:sp>
+      <p:sp>
+        <p:nvSpPr>
+          <p:cNvPr id="7" name="スライド番号プレースホルダー 6"/>
+          <p:cNvSpPr>
+            <a:spLocks noGrp="1"/>
+          </p:cNvSpPr>
+          <p:nvPr>
+            <p:ph idx="12" sz="quarter" type="sldNum"/>
+          </p:nvPr>
+        </p:nvSpPr>
+        <p:spPr/>
+        <p:txBody>
+          <a:bodyPr/>
+          <a:lstStyle/>
+          <a:p>
+            <a:fld id="{D6591E97-2355-4C5F-BA98-15BCC4DBE61A}" type="slidenum">
+              <a:rPr altLang="en-US" kumimoji="1" lang="ja-JP" smtClean="0"/>
+              <a:t>‹#›</a:t>
+            </a:fld>
+            <a:endParaRPr altLang="en-US" kumimoji="1" lang="ja-JP"/>
+          </a:p>
+        </p:txBody>
+      </p:sp>
+    </p:spTree>
+  </p:cSld>
+</p:sld>
+</file>
+
+<file path=ppt/slides/slide18.xml><?xml version="1.0" encoding="utf-8"?>
+<p:sld xmlns:a="http://schemas.openxmlformats.org/drawingml/2006/main" xmlns:r="http://schemas.openxmlformats.org/officeDocument/2006/relationships" xmlns:p="http://schemas.openxmlformats.org/presentationml/2006/main">
+  <p:cSld>
+    <p:spTree>
+      <p:nvGrpSpPr>
+        <p:cNvPr id="1" name=""/>
+        <p:cNvGrpSpPr/>
+        <p:nvPr/>
+      </p:nvGrpSpPr>
+      <p:grpSpPr>
+        <a:xfrm>
+          <a:off x="0" y="0"/>
+          <a:ext cx="0" cy="0"/>
+          <a:chOff x="0" y="0"/>
+          <a:chExt cx="0" cy="0"/>
+        </a:xfrm>
+      </p:grpSpPr>
+      <p:sp>
+        <p:nvSpPr>
+          <p:cNvPr id="3" name="コンテンツ プレースホルダー 2"/>
+          <p:cNvSpPr>
+            <a:spLocks noGrp="1"/>
+          </p:cNvSpPr>
+          <p:nvPr>
+            <p:ph idx="1"/>
+          </p:nvPr>
+        </p:nvSpPr>
+        <p:spPr/>
+        <p:txBody>
+          <a:bodyPr/>
+          <a:lstStyle/>
+          <a:p>
+            <a:pPr lvl="0" indent="0" marL="0">
+              <a:buNone/>
+            </a:pPr>
+            <a:r>
+              <a:rPr/>
+              <a:t> 1. 圧力分布 2. 液中圧力計の原理 3. 静止流体中の壁面に働く力 1. 平面壁に働く力 2. 局面壁に働く力 4. 浮揚体の安定 5. 相対的静止状態の液面形状 1. 等加速度直線運動 2. 回転運動</a:t>
+            </a:r>
+          </a:p>
+        </p:txBody>
+      </p:sp>
+      <p:sp>
+        <p:nvSpPr>
+          <p:cNvPr id="6" name="スライド番号プレースホルダー 5"/>
           <p:cNvSpPr>
             <a:spLocks noGrp="1"/>
           </p:cNvSpPr>
@@ -7216,7 +8930,7 @@
       </mc:AlternateContent>
       <p:pic>
         <p:nvPicPr>
-          <p:cNvPr descr="Basics_of_Fluid_Mechanics/1-1.png" id="0" name="Picture 1"/>
+          <p:cNvPr descr="Basics_of_Fluid_Mechanics/images/1-1.png" id="0" name="Picture 1"/>
           <p:cNvPicPr>
             <a:picLocks noGrp="1" noChangeAspect="1"/>
           </p:cNvPicPr>

--- a/Basics_of_Fluid_Mechanics/Basics_of_Fluid_Mechanics.pptx
+++ b/Basics_of_Fluid_Mechanics/Basics_of_Fluid_Mechanics.pptx
@@ -21,8 +21,6 @@
     <p:sldId id="269" r:id="rId15"/>
     <p:sldId id="270" r:id="rId16"/>
     <p:sldId id="271" r:id="rId17"/>
-    <p:sldId id="272" r:id="rId18"/>
-    <p:sldId id="273" r:id="rId19"/>
   </p:sldIdLst>
   <p:sldSz cx="9144000" cy="5143500" type="screen16x9"/>
   <p:notesSz cx="6858000" cy="9144000"/>
@@ -3734,10 +3732,6 @@
             <a:pPr lvl="0" indent="0" marL="0">
               <a:buNone/>
             </a:pPr>
-            <a:r>
-              <a:rPr/>
-              <a:t>Makoto.Yaugchi@motherson.com</a:t>
-            </a:r>
             <a:br/>
             <a:br/>
           </a:p>
@@ -3808,159 +3802,104 @@
             </a:pPr>
             <a:r>
               <a:rPr/>
-              <a:t>流体の諸性質6</a:t>
-            </a:r>
-          </a:p>
-        </p:txBody>
-      </p:sp>
-      <mc:AlternateContent xmlns:mc="http://schemas.openxmlformats.org/markup-compatibility/2006">
-        <mc:Choice xmlns:a14="http://schemas.microsoft.com/office/drawing/2010/main" Requires="a14">
-          <p:sp>
-            <p:nvSpPr>
-              <p:cNvPr id="3" name="コンテンツ プレースホルダー 2"/>
-              <p:cNvSpPr>
-                <a:spLocks noGrp="1"/>
-              </p:cNvSpPr>
-              <p:nvPr>
-                <p:ph idx="1"/>
-              </p:nvPr>
-            </p:nvSpPr>
-            <p:spPr/>
-            <p:txBody>
-              <a:bodyPr/>
-              <a:lstStyle/>
-              <a:p>
-                <a:pPr lvl="0"/>
-                <a:r>
-                  <a:rPr/>
-                  <a:t>標準大気圧における水と空気の粘度 </a:t>
-                </a:r>
-                <a14:m>
-                  <m:oMath xmlns:m="http://schemas.openxmlformats.org/officeDocument/2006/math">
-                    <m:r>
-                      <m:t>μ</m:t>
-                    </m:r>
-                  </m:oMath>
-                </a14:m>
-                <a:r>
-                  <a:rPr/>
-                  <a:t> 、動粘度 </a:t>
-                </a:r>
-                <a14:m>
-                  <m:oMath xmlns:m="http://schemas.openxmlformats.org/officeDocument/2006/math">
-                    <m:r>
-                      <m:t>ν</m:t>
-                    </m:r>
-                  </m:oMath>
-                </a14:m>
-              </a:p>
-              <a:p>
-                <a:pPr lvl="1"/>
-                <a:r>
-                  <a:rPr/>
-                  <a:t>粘度および動粘度の温度上昇による変化</a:t>
-                </a:r>
-              </a:p>
-              <a:p>
-                <a:pPr lvl="2"/>
-                <a:r>
-                  <a:rPr/>
-                  <a:t>液体 : 減少 柔らかくなる</a:t>
-                </a:r>
-              </a:p>
-              <a:p>
-                <a:pPr lvl="2"/>
-                <a:r>
-                  <a:rPr/>
-                  <a:t>気体 : 増加 硬くなる</a:t>
-                </a:r>
-              </a:p>
-              <a:p>
-                <a:pPr lvl="0" indent="0" marL="0">
-                  <a:buNone/>
-                </a:pPr>
-                <a:r>
-                  <a:rPr/>
-                  <a:t>温度℃ | 水 粘度</a:t>
-                </a:r>
-                <a14:m>
-                  <m:oMath xmlns:m="http://schemas.openxmlformats.org/officeDocument/2006/math">
-                    <m:r>
-                      <m:t>μ</m:t>
-                    </m:r>
-                  </m:oMath>
-                </a14:m>
-                <a:r>
-                  <a:rPr/>
-                  <a:t> | 水 動粘度</a:t>
-                </a:r>
-                <a14:m>
-                  <m:oMath xmlns:m="http://schemas.openxmlformats.org/officeDocument/2006/math">
-                    <m:r>
-                      <m:t>ν</m:t>
-                    </m:r>
-                  </m:oMath>
-                </a14:m>
-                <a:r>
-                  <a:rPr/>
-                  <a:t> | 空気 粘度</a:t>
-                </a:r>
-                <a14:m>
-                  <m:oMath xmlns:m="http://schemas.openxmlformats.org/officeDocument/2006/math">
-                    <m:r>
-                      <m:t>μ</m:t>
-                    </m:r>
-                  </m:oMath>
-                </a14:m>
-                <a:r>
-                  <a:rPr/>
-                  <a:t> | 空気 動粘度</a:t>
-                </a:r>
-                <a14:m>
-                  <m:oMath xmlns:m="http://schemas.openxmlformats.org/officeDocument/2006/math">
-                    <m:r>
-                      <m:t>ν</m:t>
-                    </m:r>
-                  </m:oMath>
-                </a14:m>
-                <a:r>
-                  <a:rPr/>
-                  <a:t> |</a:t>
-                </a:r>
-              </a:p>
-              <a:p>
-                <a:pPr lvl="0" indent="0" marL="0">
-                  <a:buNone/>
-                </a:pPr>
-                <a:r>
-                  <a:rPr/>
-                  <a:t>  0 | 1.792e-03 | 1.792e-03 | 1.724e-05 | 13.33e-6 |</a:t>
-                </a:r>
-                <a:br/>
-                <a:r>
-                  <a:rPr/>
-                  <a:t> 10 | 1.307e-03 | 1.307e-03 | 1.773e-05 | 14.21e-6 |</a:t>
-                </a:r>
-                <a:br/>
-                <a:r>
-                  <a:rPr/>
-                  <a:t> 20 | 1.002e-03 | 1.004e-03 | 1.822e-05 | 15.12e-6 |</a:t>
-                </a:r>
-                <a:br/>
-                <a:r>
-                  <a:rPr/>
-                  <a:t> 30 | 0.797e-03 | 0.801e-03 | 1.869e-05 | 16.04e-6 |</a:t>
-                </a:r>
-                <a:br/>
-                <a:r>
-                  <a:rPr/>
-                  <a:t> 40 | 0.653e-03 | 0.658e-03 | 1.915e-05 | 16.98e-6 |</a:t>
-                </a:r>
-              </a:p>
-            </p:txBody>
-          </p:sp>
-        </mc:Choice>
-      </mc:AlternateContent>
+              <a:t>流体の諸性質8</a:t>
+            </a:r>
+          </a:p>
+        </p:txBody>
+      </p:sp>
+      <p:sp>
+        <p:nvSpPr>
+          <p:cNvPr id="3" name="コンテンツ プレースホルダー 2"/>
+          <p:cNvSpPr>
+            <a:spLocks noGrp="1"/>
+          </p:cNvSpPr>
+          <p:nvPr>
+            <p:ph idx="1"/>
+          </p:nvPr>
+        </p:nvSpPr>
+        <p:spPr/>
+        <p:txBody>
+          <a:bodyPr/>
+          <a:lstStyle/>
+          <a:p>
+            <a:pPr lvl="0"/>
+            <a:r>
+              <a:rPr/>
+              <a:t>粘性による流体の分類</a:t>
+            </a:r>
+          </a:p>
+          <a:p>
+            <a:pPr lvl="1"/>
+            <a:r>
+              <a:rPr/>
+              <a:t>ニュートン流体</a:t>
+            </a:r>
+          </a:p>
+          <a:p>
+            <a:pPr lvl="1"/>
+            <a:r>
+              <a:rPr/>
+              <a:t>非ニュートン流体</a:t>
+            </a:r>
+          </a:p>
+          <a:p>
+            <a:pPr lvl="2"/>
+            <a:r>
+              <a:rPr/>
+              <a:t>ニュートンの粘性法則に従わない流体</a:t>
+            </a:r>
+          </a:p>
+          <a:p>
+            <a:pPr lvl="2"/>
+            <a:r>
+              <a:rPr/>
+              <a:t>速度勾配により粘度が異なる</a:t>
+            </a:r>
+          </a:p>
+          <a:p>
+            <a:pPr lvl="1"/>
+            <a:r>
+              <a:rPr/>
+              <a:t>ダイタラント流体</a:t>
+            </a:r>
+          </a:p>
+          <a:p>
+            <a:pPr lvl="2"/>
+            <a:r>
+              <a:rPr/>
+              <a:t>下に凸 ミルクチョコレート、波打ち際の砂など</a:t>
+            </a:r>
+          </a:p>
+          <a:p>
+            <a:pPr lvl="1"/>
+            <a:r>
+              <a:rPr/>
+              <a:t>擬塑性流体</a:t>
+            </a:r>
+          </a:p>
+          <a:p>
+            <a:pPr lvl="2"/>
+            <a:r>
+              <a:rPr/>
+              <a:t>上に凸 濃縮ジュース、マヨネーズなど</a:t>
+            </a:r>
+          </a:p>
+          <a:p>
+            <a:pPr lvl="1"/>
+            <a:r>
+              <a:rPr/>
+              <a:t>ビンガム流体</a:t>
+            </a:r>
+          </a:p>
+          <a:p>
+            <a:pPr lvl="2"/>
+            <a:r>
+              <a:rPr/>
+              <a:t>ケチャップなど  w:100</a:t>
+            </a:r>
+          </a:p>
+        </p:txBody>
+      </p:sp>
       <p:sp>
         <p:nvSpPr>
           <p:cNvPr id="6" name="スライド番号プレースホルダー 5"/>
@@ -3990,169 +3929,6 @@
 </file>
 
 <file path=ppt/slides/slide11.xml><?xml version="1.0" encoding="utf-8"?>
-<p:sld xmlns:a="http://schemas.openxmlformats.org/drawingml/2006/main" xmlns:r="http://schemas.openxmlformats.org/officeDocument/2006/relationships" xmlns:p="http://schemas.openxmlformats.org/presentationml/2006/main">
-  <p:cSld>
-    <p:spTree>
-      <p:nvGrpSpPr>
-        <p:cNvPr id="1" name=""/>
-        <p:cNvGrpSpPr/>
-        <p:nvPr/>
-      </p:nvGrpSpPr>
-      <p:grpSpPr>
-        <a:xfrm>
-          <a:off x="0" y="0"/>
-          <a:ext cx="0" cy="0"/>
-          <a:chOff x="0" y="0"/>
-          <a:chExt cx="0" cy="0"/>
-        </a:xfrm>
-      </p:grpSpPr>
-      <p:sp>
-        <p:nvSpPr>
-          <p:cNvPr id="2" name="タイトル 1"/>
-          <p:cNvSpPr>
-            <a:spLocks noGrp="1"/>
-          </p:cNvSpPr>
-          <p:nvPr>
-            <p:ph type="title"/>
-          </p:nvPr>
-        </p:nvSpPr>
-        <p:spPr/>
-        <p:txBody>
-          <a:bodyPr/>
-          <a:lstStyle/>
-          <a:p>
-            <a:pPr lvl="0" indent="0" marL="0">
-              <a:buNone/>
-            </a:pPr>
-            <a:r>
-              <a:rPr/>
-              <a:t>流体の諸性質8</a:t>
-            </a:r>
-          </a:p>
-        </p:txBody>
-      </p:sp>
-      <p:sp>
-        <p:nvSpPr>
-          <p:cNvPr id="3" name="コンテンツ プレースホルダー 2"/>
-          <p:cNvSpPr>
-            <a:spLocks noGrp="1"/>
-          </p:cNvSpPr>
-          <p:nvPr>
-            <p:ph idx="1"/>
-          </p:nvPr>
-        </p:nvSpPr>
-        <p:spPr/>
-        <p:txBody>
-          <a:bodyPr/>
-          <a:lstStyle/>
-          <a:p>
-            <a:pPr lvl="0"/>
-            <a:r>
-              <a:rPr/>
-              <a:t>粘性による流体の分類</a:t>
-            </a:r>
-          </a:p>
-          <a:p>
-            <a:pPr lvl="1"/>
-            <a:r>
-              <a:rPr/>
-              <a:t>ニュートン流体</a:t>
-            </a:r>
-          </a:p>
-          <a:p>
-            <a:pPr lvl="1"/>
-            <a:r>
-              <a:rPr/>
-              <a:t>非ニュートン流体</a:t>
-            </a:r>
-          </a:p>
-          <a:p>
-            <a:pPr lvl="2"/>
-            <a:r>
-              <a:rPr/>
-              <a:t>ニュートンの粘性法則に従わない流体</a:t>
-            </a:r>
-          </a:p>
-          <a:p>
-            <a:pPr lvl="2"/>
-            <a:r>
-              <a:rPr/>
-              <a:t>速度勾配により粘度が異なる</a:t>
-            </a:r>
-          </a:p>
-          <a:p>
-            <a:pPr lvl="1"/>
-            <a:r>
-              <a:rPr/>
-              <a:t>ダイタラント流体</a:t>
-            </a:r>
-          </a:p>
-          <a:p>
-            <a:pPr lvl="2"/>
-            <a:r>
-              <a:rPr/>
-              <a:t>下に凸 ミルクチョコレート、波打ち際の砂など</a:t>
-            </a:r>
-          </a:p>
-          <a:p>
-            <a:pPr lvl="1"/>
-            <a:r>
-              <a:rPr/>
-              <a:t>擬塑性流体</a:t>
-            </a:r>
-          </a:p>
-          <a:p>
-            <a:pPr lvl="2"/>
-            <a:r>
-              <a:rPr/>
-              <a:t>上に凸 濃縮ジュース、マヨネーズなど</a:t>
-            </a:r>
-          </a:p>
-          <a:p>
-            <a:pPr lvl="1"/>
-            <a:r>
-              <a:rPr/>
-              <a:t>ビンガム流体</a:t>
-            </a:r>
-          </a:p>
-          <a:p>
-            <a:pPr lvl="2"/>
-            <a:r>
-              <a:rPr/>
-              <a:t>ケチャップなど  w:100</a:t>
-            </a:r>
-          </a:p>
-        </p:txBody>
-      </p:sp>
-      <p:sp>
-        <p:nvSpPr>
-          <p:cNvPr id="6" name="スライド番号プレースホルダー 5"/>
-          <p:cNvSpPr>
-            <a:spLocks noGrp="1"/>
-          </p:cNvSpPr>
-          <p:nvPr>
-            <p:ph idx="12" sz="quarter" type="sldNum"/>
-          </p:nvPr>
-        </p:nvSpPr>
-        <p:spPr/>
-        <p:txBody>
-          <a:bodyPr/>
-          <a:lstStyle/>
-          <a:p>
-            <a:fld id="{D6591E97-2355-4C5F-BA98-15BCC4DBE61A}" type="slidenum">
-              <a:rPr altLang="en-US" kumimoji="1" lang="ja-JP" smtClean="0"/>
-              <a:t>‹#›</a:t>
-            </a:fld>
-            <a:endParaRPr altLang="en-US" kumimoji="1" lang="ja-JP"/>
-          </a:p>
-        </p:txBody>
-      </p:sp>
-    </p:spTree>
-  </p:cSld>
-</p:sld>
-</file>
-
-<file path=ppt/slides/slide12.xml><?xml version="1.0" encoding="utf-8"?>
 <p:sld xmlns:a="http://schemas.openxmlformats.org/drawingml/2006/main" xmlns:r="http://schemas.openxmlformats.org/officeDocument/2006/relationships" xmlns:p="http://schemas.openxmlformats.org/presentationml/2006/main">
   <p:cSld>
     <p:spTree>
@@ -4715,7 +4491,7 @@
 </p:sld>
 </file>
 
-<file path=ppt/slides/slide13.xml><?xml version="1.0" encoding="utf-8"?>
+<file path=ppt/slides/slide12.xml><?xml version="1.0" encoding="utf-8"?>
 <p:sld xmlns:a="http://schemas.openxmlformats.org/drawingml/2006/main" xmlns:r="http://schemas.openxmlformats.org/officeDocument/2006/relationships" xmlns:p="http://schemas.openxmlformats.org/presentationml/2006/main">
   <p:cSld>
     <p:spTree>
@@ -5173,7 +4949,7 @@
 </p:sld>
 </file>
 
-<file path=ppt/slides/slide14.xml><?xml version="1.0" encoding="utf-8"?>
+<file path=ppt/slides/slide13.xml><?xml version="1.0" encoding="utf-8"?>
 <p:sld xmlns:a="http://schemas.openxmlformats.org/drawingml/2006/main" xmlns:r="http://schemas.openxmlformats.org/officeDocument/2006/relationships" xmlns:p="http://schemas.openxmlformats.org/presentationml/2006/main">
   <p:cSld>
     <p:spTree>
@@ -5248,7 +5024,7 @@
 </p:sld>
 </file>
 
-<file path=ppt/slides/slide15.xml><?xml version="1.0" encoding="utf-8"?>
+<file path=ppt/slides/slide14.xml><?xml version="1.0" encoding="utf-8"?>
 <p:sld xmlns:a="http://schemas.openxmlformats.org/drawingml/2006/main" xmlns:r="http://schemas.openxmlformats.org/officeDocument/2006/relationships" xmlns:p="http://schemas.openxmlformats.org/presentationml/2006/main">
   <p:cSld>
     <p:spTree>
@@ -5685,7 +5461,7 @@
 </p:sld>
 </file>
 
-<file path=ppt/slides/slide16.xml><?xml version="1.0" encoding="utf-8"?>
+<file path=ppt/slides/slide15.xml><?xml version="1.0" encoding="utf-8"?>
 <p:sld xmlns:a="http://schemas.openxmlformats.org/drawingml/2006/main" xmlns:r="http://schemas.openxmlformats.org/officeDocument/2006/relationships" xmlns:p="http://schemas.openxmlformats.org/presentationml/2006/main">
   <p:cSld>
     <p:spTree>
@@ -5712,7 +5488,12 @@
             <p:ph type="title"/>
           </p:nvPr>
         </p:nvSpPr>
-        <p:spPr/>
+        <p:spPr>
+          <a:xfrm>
+            <a:off x="629841" y="342900"/>
+            <a:ext cx="2949178" cy="1200150"/>
+          </a:xfrm>
+        </p:spPr>
         <p:txBody>
           <a:bodyPr/>
           <a:lstStyle/>
@@ -5731,12 +5512,12 @@
         <mc:Choice xmlns:a14="http://schemas.microsoft.com/office/drawing/2010/main" Requires="a14">
           <p:sp>
             <p:nvSpPr>
-              <p:cNvPr id="3" name="コンテンツ プレースホルダー 2"/>
+              <p:cNvPr id="4" name="テキスト プレースホルダー 3"/>
               <p:cNvSpPr>
                 <a:spLocks noGrp="1"/>
               </p:cNvSpPr>
               <p:nvPr>
-                <p:ph idx="1"/>
+                <p:ph idx="2" sz="half" type="body"/>
               </p:nvPr>
             </p:nvSpPr>
             <p:spPr/>
@@ -6649,81 +6430,6 @@
           </p:sp>
         </mc:Choice>
       </mc:AlternateContent>
-      <p:sp>
-        <p:nvSpPr>
-          <p:cNvPr id="6" name="スライド番号プレースホルダー 5"/>
-          <p:cNvSpPr>
-            <a:spLocks noGrp="1"/>
-          </p:cNvSpPr>
-          <p:nvPr>
-            <p:ph idx="12" sz="quarter" type="sldNum"/>
-          </p:nvPr>
-        </p:nvSpPr>
-        <p:spPr/>
-        <p:txBody>
-          <a:bodyPr/>
-          <a:lstStyle/>
-          <a:p>
-            <a:fld id="{D6591E97-2355-4C5F-BA98-15BCC4DBE61A}" type="slidenum">
-              <a:rPr altLang="en-US" kumimoji="1" lang="ja-JP" smtClean="0"/>
-              <a:t>‹#›</a:t>
-            </a:fld>
-            <a:endParaRPr altLang="en-US" kumimoji="1" lang="ja-JP"/>
-          </a:p>
-        </p:txBody>
-      </p:sp>
-    </p:spTree>
-  </p:cSld>
-</p:sld>
-</file>
-
-<file path=ppt/slides/slide17.xml><?xml version="1.0" encoding="utf-8"?>
-<p:sld xmlns:a="http://schemas.openxmlformats.org/drawingml/2006/main" xmlns:r="http://schemas.openxmlformats.org/officeDocument/2006/relationships" xmlns:p="http://schemas.openxmlformats.org/presentationml/2006/main">
-  <p:cSld>
-    <p:spTree>
-      <p:nvGrpSpPr>
-        <p:cNvPr id="1" name=""/>
-        <p:cNvGrpSpPr/>
-        <p:nvPr/>
-      </p:nvGrpSpPr>
-      <p:grpSpPr>
-        <a:xfrm>
-          <a:off x="0" y="0"/>
-          <a:ext cx="0" cy="0"/>
-          <a:chOff x="0" y="0"/>
-          <a:chExt cx="0" cy="0"/>
-        </a:xfrm>
-      </p:grpSpPr>
-      <p:sp>
-        <p:nvSpPr>
-          <p:cNvPr id="2" name="タイトル 1"/>
-          <p:cNvSpPr>
-            <a:spLocks noGrp="1"/>
-          </p:cNvSpPr>
-          <p:nvPr>
-            <p:ph type="title"/>
-          </p:nvPr>
-        </p:nvSpPr>
-        <p:spPr>
-          <a:xfrm>
-            <a:off x="629841" y="342900"/>
-            <a:ext cx="2949178" cy="1200150"/>
-          </a:xfrm>
-        </p:spPr>
-        <p:txBody>
-          <a:bodyPr/>
-          <a:lstStyle/>
-          <a:p>
-            <a:pPr lvl="0" indent="0" marL="0">
-              <a:buNone/>
-            </a:pPr>
-            <a:r>
-              <a:rPr/>
-              <a:t>静止流体の力学2</a:t>
-            </a:r>
-          </a:p>
-        </p:txBody>
-      </p:sp>
       <p:pic>
         <p:nvPicPr>
           <p:cNvPr descr="Basics_of_Fluid_Mechanics/images/2-1.png" id="0" name="Picture 1"/>
@@ -6779,7 +6485,7 @@
             </a:pPr>
             <a:r>
               <a:rPr/>
-              <a:t>alt text</a:t>
+              <a:t>2-1</a:t>
             </a:r>
           </a:p>
         </p:txBody>
@@ -6812,7 +6518,7 @@
 </p:sld>
 </file>
 
-<file path=ppt/slides/slide18.xml><?xml version="1.0" encoding="utf-8"?>
+<file path=ppt/slides/slide16.xml><?xml version="1.0" encoding="utf-8"?>
 <p:sld xmlns:a="http://schemas.openxmlformats.org/drawingml/2006/main" xmlns:r="http://schemas.openxmlformats.org/officeDocument/2006/relationships" xmlns:p="http://schemas.openxmlformats.org/presentationml/2006/main">
   <p:cSld>
     <p:spTree>
@@ -6831,12 +6537,12 @@
       </p:grpSpPr>
       <p:sp>
         <p:nvSpPr>
-          <p:cNvPr id="3" name="コンテンツ プレースホルダー 2"/>
-          <p:cNvSpPr>
-            <a:spLocks noGrp="1"/>
-          </p:cNvSpPr>
-          <p:nvPr>
-            <p:ph idx="1"/>
+          <p:cNvPr id="2" name="タイトル 1"/>
+          <p:cNvSpPr>
+            <a:spLocks noGrp="1"/>
+          </p:cNvSpPr>
+          <p:nvPr>
+            <p:ph type="title"/>
           </p:nvPr>
         </p:nvSpPr>
         <p:spPr/>
@@ -6849,7 +6555,104 @@
             </a:pPr>
             <a:r>
               <a:rPr/>
-              <a:t> 1. 圧力分布 2. 液中圧力計の原理 3. 静止流体中の壁面に働く力 1. 平面壁に働く力 2. 局面壁に働く力 4. 浮揚体の安定 5. 相対的静止状態の液面形状 1. 等加速度直線運動 2. 回転運動</a:t>
+              <a:t>静止流体の力学2</a:t>
+            </a:r>
+          </a:p>
+        </p:txBody>
+      </p:sp>
+      <p:sp>
+        <p:nvSpPr>
+          <p:cNvPr id="3" name="コンテンツ プレースホルダー 2"/>
+          <p:cNvSpPr>
+            <a:spLocks noGrp="1"/>
+          </p:cNvSpPr>
+          <p:nvPr>
+            <p:ph idx="1"/>
+          </p:nvPr>
+        </p:nvSpPr>
+        <p:spPr/>
+        <p:txBody>
+          <a:bodyPr/>
+          <a:lstStyle/>
+          <a:p>
+            <a:pPr lvl="0" indent="-342900" marL="342900">
+              <a:buAutoNum type="arabicPeriod"/>
+            </a:pPr>
+            <a:r>
+              <a:rPr/>
+              <a:t>圧力分布</a:t>
+            </a:r>
+          </a:p>
+          <a:p>
+            <a:pPr lvl="0" indent="-342900" marL="342900">
+              <a:buAutoNum type="arabicPeriod"/>
+            </a:pPr>
+            <a:r>
+              <a:rPr/>
+              <a:t>液中圧力計の原理</a:t>
+            </a:r>
+          </a:p>
+          <a:p>
+            <a:pPr lvl="0" indent="-342900" marL="342900">
+              <a:buAutoNum type="arabicPeriod"/>
+            </a:pPr>
+            <a:r>
+              <a:rPr/>
+              <a:t>静止流体中の壁面に働く力</a:t>
+            </a:r>
+          </a:p>
+          <a:p>
+            <a:pPr lvl="1" indent="-342900" marL="685800">
+              <a:buAutoNum type="arabicPeriod"/>
+            </a:pPr>
+            <a:r>
+              <a:rPr/>
+              <a:t>平面壁に働く力</a:t>
+            </a:r>
+          </a:p>
+          <a:p>
+            <a:pPr lvl="1" indent="-342900" marL="685800">
+              <a:buAutoNum type="arabicPeriod"/>
+            </a:pPr>
+            <a:r>
+              <a:rPr/>
+              <a:t>局面壁に働く力</a:t>
+            </a:r>
+          </a:p>
+          <a:p>
+            <a:pPr lvl="0" indent="-342900" marL="342900">
+              <a:buAutoNum type="arabicPeriod"/>
+            </a:pPr>
+            <a:r>
+              <a:rPr/>
+              <a:t>浮揚体の安定</a:t>
+            </a:r>
+          </a:p>
+          <a:p>
+            <a:pPr lvl="0" indent="-342900" marL="342900">
+              <a:buAutoNum type="arabicPeriod"/>
+            </a:pPr>
+            <a:r>
+              <a:rPr/>
+              <a:t>相対的静止状態の液面形状</a:t>
+            </a:r>
+          </a:p>
+          <a:p>
+            <a:pPr lvl="1" indent="-342900" marL="685800">
+              <a:buAutoNum type="arabicPeriod"/>
+            </a:pPr>
+            <a:r>
+              <a:rPr/>
+              <a:t>等加速度直線運動</a:t>
+            </a:r>
+          </a:p>
+          <a:p>
+            <a:pPr lvl="1" indent="-342900" marL="685800">
+              <a:buAutoNum type="arabicPeriod"/>
+            </a:pPr>
+            <a:r>
+              <a:rPr/>
+              <a:t>回転運動</a:t>
             </a:r>
           </a:p>
         </p:txBody>
@@ -6909,12 +6712,7 @@
             <p:ph type="title"/>
           </p:nvPr>
         </p:nvSpPr>
-        <p:spPr>
-          <a:xfrm>
-            <a:off x="860400" y="1098000"/>
-            <a:ext cx="3470400" cy="345600"/>
-          </a:xfrm>
-        </p:spPr>
+        <p:spPr/>
         <p:txBody>
           <a:bodyPr/>
           <a:lstStyle/>
@@ -6924,7 +6722,113 @@
             </a:pPr>
             <a:r>
               <a:rPr/>
-              <a:t>流体力学の基礎</a:t>
+              <a:t>Table of Contents</a:t>
+            </a:r>
+          </a:p>
+        </p:txBody>
+      </p:sp>
+      <p:sp>
+        <p:nvSpPr>
+          <p:cNvPr id="3" name="コンテンツ プレースホルダー 2"/>
+          <p:cNvSpPr>
+            <a:spLocks noGrp="1"/>
+          </p:cNvSpPr>
+          <p:nvPr>
+            <p:ph idx="1"/>
+          </p:nvPr>
+        </p:nvSpPr>
+        <p:spPr/>
+        <p:txBody>
+          <a:bodyPr/>
+          <a:lstStyle/>
+          <a:p>
+            <a:pPr lvl="0" indent="-342900" marL="342900">
+              <a:buAutoNum type="arabicPeriod"/>
+            </a:pPr>
+            <a:r>
+              <a:rPr/>
+              <a:t>流体の諸性質</a:t>
+            </a:r>
+          </a:p>
+          <a:p>
+            <a:pPr lvl="0" indent="-342900" marL="342900">
+              <a:buAutoNum type="arabicPeriod"/>
+            </a:pPr>
+            <a:r>
+              <a:rPr/>
+              <a:t>静止流体の力学</a:t>
+            </a:r>
+          </a:p>
+          <a:p>
+            <a:pPr lvl="0" indent="-342900" marL="342900">
+              <a:buAutoNum type="arabicPeriod"/>
+            </a:pPr>
+            <a:r>
+              <a:rPr/>
+              <a:t>定常1次流れ</a:t>
+            </a:r>
+          </a:p>
+          <a:p>
+            <a:pPr lvl="0" indent="-342900" marL="342900">
+              <a:buAutoNum type="arabicPeriod"/>
+            </a:pPr>
+            <a:r>
+              <a:rPr/>
+              <a:t>流量・流速測定の原理</a:t>
+            </a:r>
+          </a:p>
+          <a:p>
+            <a:pPr lvl="0" indent="-342900" marL="342900">
+              <a:buAutoNum type="arabicPeriod"/>
+            </a:pPr>
+            <a:r>
+              <a:rPr/>
+              <a:t>運動量理論</a:t>
+            </a:r>
+          </a:p>
+          <a:p>
+            <a:pPr lvl="0" indent="-342900" marL="342900">
+              <a:buAutoNum type="arabicPeriod"/>
+            </a:pPr>
+            <a:r>
+              <a:rPr/>
+              <a:t>次元解析と相似則</a:t>
+            </a:r>
+          </a:p>
+          <a:p>
+            <a:pPr lvl="0" indent="-342900" marL="342900">
+              <a:buAutoNum type="arabicPeriod"/>
+            </a:pPr>
+            <a:r>
+              <a:rPr/>
+              <a:t>管路の流れ</a:t>
+            </a:r>
+          </a:p>
+          <a:p>
+            <a:pPr lvl="0" indent="-342900" marL="342900">
+              <a:buAutoNum type="arabicPeriod"/>
+            </a:pPr>
+            <a:r>
+              <a:rPr/>
+              <a:t>流体力学の基礎式</a:t>
+            </a:r>
+          </a:p>
+          <a:p>
+            <a:pPr lvl="0" indent="-342900" marL="342900">
+              <a:buAutoNum type="arabicPeriod"/>
+            </a:pPr>
+            <a:r>
+              <a:rPr/>
+              <a:t>層流の理論的解析</a:t>
+            </a:r>
+          </a:p>
+          <a:p>
+            <a:pPr lvl="0" indent="-342900" marL="342900">
+              <a:buAutoNum type="arabicPeriod"/>
+            </a:pPr>
+            <a:r>
+              <a:rPr/>
+              <a:t>2次元ポテンシャル流の基礎</a:t>
             </a:r>
           </a:p>
         </p:txBody>
@@ -6984,7 +6888,12 @@
             <p:ph type="title"/>
           </p:nvPr>
         </p:nvSpPr>
-        <p:spPr/>
+        <p:spPr>
+          <a:xfrm>
+            <a:off x="860400" y="1098000"/>
+            <a:ext cx="3470400" cy="345600"/>
+          </a:xfrm>
+        </p:spPr>
         <p:txBody>
           <a:bodyPr/>
           <a:lstStyle/>
@@ -6994,113 +6903,7 @@
             </a:pPr>
             <a:r>
               <a:rPr/>
-              <a:t>Table of Contents</a:t>
-            </a:r>
-          </a:p>
-        </p:txBody>
-      </p:sp>
-      <p:sp>
-        <p:nvSpPr>
-          <p:cNvPr id="3" name="コンテンツ プレースホルダー 2"/>
-          <p:cNvSpPr>
-            <a:spLocks noGrp="1"/>
-          </p:cNvSpPr>
-          <p:nvPr>
-            <p:ph idx="1"/>
-          </p:nvPr>
-        </p:nvSpPr>
-        <p:spPr/>
-        <p:txBody>
-          <a:bodyPr/>
-          <a:lstStyle/>
-          <a:p>
-            <a:pPr lvl="0" indent="-342900" marL="342900">
-              <a:buAutoNum type="arabicPeriod"/>
-            </a:pPr>
-            <a:r>
-              <a:rPr/>
               <a:t>流体の諸性質</a:t>
-            </a:r>
-          </a:p>
-          <a:p>
-            <a:pPr lvl="0" indent="-342900" marL="342900">
-              <a:buAutoNum type="arabicPeriod"/>
-            </a:pPr>
-            <a:r>
-              <a:rPr/>
-              <a:t>静止流体の力学</a:t>
-            </a:r>
-          </a:p>
-          <a:p>
-            <a:pPr lvl="0" indent="-342900" marL="342900">
-              <a:buAutoNum type="arabicPeriod"/>
-            </a:pPr>
-            <a:r>
-              <a:rPr/>
-              <a:t>定常1次流れ</a:t>
-            </a:r>
-          </a:p>
-          <a:p>
-            <a:pPr lvl="0" indent="-342900" marL="342900">
-              <a:buAutoNum type="arabicPeriod"/>
-            </a:pPr>
-            <a:r>
-              <a:rPr/>
-              <a:t>流量・流速測定の原理</a:t>
-            </a:r>
-          </a:p>
-          <a:p>
-            <a:pPr lvl="0" indent="-342900" marL="342900">
-              <a:buAutoNum type="arabicPeriod"/>
-            </a:pPr>
-            <a:r>
-              <a:rPr/>
-              <a:t>運動量理論</a:t>
-            </a:r>
-          </a:p>
-          <a:p>
-            <a:pPr lvl="0" indent="-342900" marL="342900">
-              <a:buAutoNum type="arabicPeriod"/>
-            </a:pPr>
-            <a:r>
-              <a:rPr/>
-              <a:t>次元解析と相似則</a:t>
-            </a:r>
-          </a:p>
-          <a:p>
-            <a:pPr lvl="0" indent="-342900" marL="342900">
-              <a:buAutoNum type="arabicPeriod"/>
-            </a:pPr>
-            <a:r>
-              <a:rPr/>
-              <a:t>管路の流れ</a:t>
-            </a:r>
-          </a:p>
-          <a:p>
-            <a:pPr lvl="0" indent="-342900" marL="342900">
-              <a:buAutoNum type="arabicPeriod"/>
-            </a:pPr>
-            <a:r>
-              <a:rPr/>
-              <a:t>流体力学の基礎式</a:t>
-            </a:r>
-          </a:p>
-          <a:p>
-            <a:pPr lvl="0" indent="-342900" marL="342900">
-              <a:buAutoNum type="arabicPeriod"/>
-            </a:pPr>
-            <a:r>
-              <a:rPr/>
-              <a:t>層流の理論的解析</a:t>
-            </a:r>
-          </a:p>
-          <a:p>
-            <a:pPr lvl="0" indent="-342900" marL="342900">
-              <a:buAutoNum type="arabicPeriod"/>
-            </a:pPr>
-            <a:r>
-              <a:rPr/>
-              <a:t>2次元ポテンシャル流の基礎</a:t>
             </a:r>
           </a:p>
         </p:txBody>
@@ -7160,12 +6963,7 @@
             <p:ph type="title"/>
           </p:nvPr>
         </p:nvSpPr>
-        <p:spPr>
-          <a:xfrm>
-            <a:off x="860400" y="1098000"/>
-            <a:ext cx="3470400" cy="345600"/>
-          </a:xfrm>
-        </p:spPr>
+        <p:spPr/>
         <p:txBody>
           <a:bodyPr/>
           <a:lstStyle/>
@@ -7180,6 +6978,146 @@
           </a:p>
         </p:txBody>
       </p:sp>
+      <mc:AlternateContent xmlns:mc="http://schemas.openxmlformats.org/markup-compatibility/2006">
+        <mc:Choice xmlns:a14="http://schemas.microsoft.com/office/drawing/2010/main" Requires="a14">
+          <p:sp>
+            <p:nvSpPr>
+              <p:cNvPr id="3" name="コンテンツ プレースホルダー 2"/>
+              <p:cNvSpPr>
+                <a:spLocks noGrp="1"/>
+              </p:cNvSpPr>
+              <p:nvPr>
+                <p:ph idx="1"/>
+              </p:nvPr>
+            </p:nvSpPr>
+            <p:spPr/>
+            <p:txBody>
+              <a:bodyPr/>
+              <a:lstStyle/>
+              <a:p>
+                <a:pPr lvl="0" indent="-342900" marL="342900">
+                  <a:buAutoNum type="arabicPeriod"/>
+                </a:pPr>
+                <a:r>
+                  <a:rPr/>
+                  <a:t>はじめに</a:t>
+                </a:r>
+              </a:p>
+              <a:p>
+                <a:pPr lvl="0"/>
+                <a:r>
+                  <a:rPr/>
+                  <a:t>物質の状態 : 固体・液体・気体</a:t>
+                </a:r>
+              </a:p>
+              <a:p>
+                <a:pPr lvl="0"/>
+                <a:r>
+                  <a:rPr/>
+                  <a:t>流体 : 液体・気体のように形状に応じて自在に変形</a:t>
+                </a:r>
+              </a:p>
+              <a:p>
+                <a:pPr lvl="0"/>
+                <a:r>
+                  <a:rPr/>
+                  <a:t>連続体の仮定 𝐾𝑛 : クヌーセン数</a:t>
+                </a:r>
+              </a:p>
+              <a:p>
+                <a:pPr lvl="1"/>
+                <a14:m>
+                  <m:oMath xmlns:m="http://schemas.openxmlformats.org/officeDocument/2006/math">
+                    <m:r>
+                      <m:t>λ</m:t>
+                    </m:r>
+                  </m:oMath>
+                </a14:m>
+                <a:r>
+                  <a:rPr/>
+                  <a:t> 分子の平均自由工程 </a:t>
+                </a:r>
+                <a14:m>
+                  <m:oMath xmlns:m="http://schemas.openxmlformats.org/officeDocument/2006/math">
+                    <m:r>
+                      <m:t>𝐿</m:t>
+                    </m:r>
+                  </m:oMath>
+                </a14:m>
+                <a:r>
+                  <a:rPr/>
+                  <a:t>: 物体の代表長さ</a:t>
+                </a:r>
+              </a:p>
+              <a:p>
+                <a:pPr lvl="1"/>
+                <a14:m>
+                  <m:oMathPara xmlns:m="http://schemas.openxmlformats.org/officeDocument/2006/math">
+                    <m:oMathParaPr>
+                      <m:jc m:val="center"/>
+                    </m:oMathParaPr>
+                    <m:oMath>
+                      <m:sSub>
+                        <m:e>
+                          <m:r>
+                            <m:t>K</m:t>
+                          </m:r>
+                        </m:e>
+                        <m:sub>
+                          <m:r>
+                            <m:t>n</m:t>
+                          </m:r>
+                        </m:sub>
+                      </m:sSub>
+                      <m:r>
+                        <m:rPr>
+                          <m:sty m:val="p"/>
+                        </m:rPr>
+                        <m:t>≡</m:t>
+                      </m:r>
+                      <m:r>
+                        <m:t>λ</m:t>
+                      </m:r>
+                      <m:r>
+                        <m:rPr>
+                          <m:sty m:val="p"/>
+                        </m:rPr>
+                        <m:t>/</m:t>
+                      </m:r>
+                      <m:r>
+                        <m:t>L</m:t>
+                      </m:r>
+                      <m:r>
+                        <m:rPr>
+                          <m:sty m:val="p"/>
+                        </m:rPr>
+                        <m:t>&lt;</m:t>
+                      </m:r>
+                      <m:r>
+                        <m:t>0.01</m:t>
+                      </m:r>
+                    </m:oMath>
+                  </m:oMathPara>
+                </a14:m>
+              </a:p>
+              <a:p>
+                <a:pPr lvl="1"/>
+                <a:r>
+                  <a:rPr/>
+                  <a:t>平均自由行程</a:t>
+                </a:r>
+              </a:p>
+              <a:p>
+                <a:pPr lvl="2"/>
+                <a:r>
+                  <a:rPr/>
+                  <a:t>「気体分子運動論」という学問的な取り扱いの中だけでいえる話で、理論上の計算値として求められ、圧力が低いほど、分子の数が少ないほど気体分子はまっすぐ飛べるので、平均自由行程は長くなる</a:t>
+                </a:r>
+              </a:p>
+            </p:txBody>
+          </p:sp>
+        </mc:Choice>
+      </mc:AlternateContent>
       <p:sp>
         <p:nvSpPr>
           <p:cNvPr id="6" name="スライド番号プレースホルダー 5"/>
@@ -7250,146 +7188,100 @@
           </a:p>
         </p:txBody>
       </p:sp>
-      <mc:AlternateContent xmlns:mc="http://schemas.openxmlformats.org/markup-compatibility/2006">
-        <mc:Choice xmlns:a14="http://schemas.microsoft.com/office/drawing/2010/main" Requires="a14">
-          <p:sp>
-            <p:nvSpPr>
-              <p:cNvPr id="3" name="コンテンツ プレースホルダー 2"/>
-              <p:cNvSpPr>
-                <a:spLocks noGrp="1"/>
-              </p:cNvSpPr>
-              <p:nvPr>
-                <p:ph idx="1"/>
-              </p:nvPr>
-            </p:nvSpPr>
-            <p:spPr/>
-            <p:txBody>
-              <a:bodyPr/>
-              <a:lstStyle/>
-              <a:p>
-                <a:pPr lvl="0" indent="-342900" marL="342900">
-                  <a:buAutoNum type="arabicPeriod"/>
-                </a:pPr>
-                <a:r>
-                  <a:rPr/>
-                  <a:t>はじめに</a:t>
-                </a:r>
-              </a:p>
-              <a:p>
-                <a:pPr lvl="0"/>
-                <a:r>
-                  <a:rPr/>
-                  <a:t>物質の状態 : 固体・液体・気体</a:t>
-                </a:r>
-              </a:p>
-              <a:p>
-                <a:pPr lvl="0"/>
-                <a:r>
-                  <a:rPr/>
-                  <a:t>流体 : 液体・気体のように形状に応じて自在に変形</a:t>
-                </a:r>
-              </a:p>
-              <a:p>
-                <a:pPr lvl="0"/>
-                <a:r>
-                  <a:rPr/>
-                  <a:t>連続体の仮定 𝐾𝑛 : クヌーセン数</a:t>
-                </a:r>
-              </a:p>
-              <a:p>
-                <a:pPr lvl="1"/>
-                <a14:m>
-                  <m:oMath xmlns:m="http://schemas.openxmlformats.org/officeDocument/2006/math">
-                    <m:r>
-                      <m:t>λ</m:t>
-                    </m:r>
-                  </m:oMath>
-                </a14:m>
-                <a:r>
-                  <a:rPr/>
-                  <a:t> 分子の平均自由工程 </a:t>
-                </a:r>
-                <a14:m>
-                  <m:oMath xmlns:m="http://schemas.openxmlformats.org/officeDocument/2006/math">
-                    <m:r>
-                      <m:t>𝐿</m:t>
-                    </m:r>
-                  </m:oMath>
-                </a14:m>
-                <a:r>
-                  <a:rPr/>
-                  <a:t>: 物体の代表長さ</a:t>
-                </a:r>
-              </a:p>
-              <a:p>
-                <a:pPr lvl="1"/>
-                <a14:m>
-                  <m:oMathPara xmlns:m="http://schemas.openxmlformats.org/officeDocument/2006/math">
-                    <m:oMathParaPr>
-                      <m:jc m:val="center"/>
-                    </m:oMathParaPr>
-                    <m:oMath>
-                      <m:sSub>
-                        <m:e>
-                          <m:r>
-                            <m:t>K</m:t>
-                          </m:r>
-                        </m:e>
-                        <m:sub>
-                          <m:r>
-                            <m:t>n</m:t>
-                          </m:r>
-                        </m:sub>
-                      </m:sSub>
-                      <m:r>
-                        <m:rPr>
-                          <m:sty m:val="p"/>
-                        </m:rPr>
-                        <m:t>≡</m:t>
-                      </m:r>
-                      <m:r>
-                        <m:t>λ</m:t>
-                      </m:r>
-                      <m:r>
-                        <m:rPr>
-                          <m:sty m:val="p"/>
-                        </m:rPr>
-                        <m:t>/</m:t>
-                      </m:r>
-                      <m:r>
-                        <m:t>L</m:t>
-                      </m:r>
-                      <m:r>
-                        <m:rPr>
-                          <m:sty m:val="p"/>
-                        </m:rPr>
-                        <m:t>&lt;</m:t>
-                      </m:r>
-                      <m:r>
-                        <m:t>0.01</m:t>
-                      </m:r>
-                    </m:oMath>
-                  </m:oMathPara>
-                </a14:m>
-              </a:p>
-              <a:p>
-                <a:pPr lvl="1"/>
-                <a:r>
-                  <a:rPr/>
-                  <a:t>平均自由行程</a:t>
-                </a:r>
-              </a:p>
-              <a:p>
-                <a:pPr lvl="2"/>
-                <a:r>
-                  <a:rPr/>
-                  <a:t>「気体分子運動論」という学問的な取り扱いの中だけでいえる話で、理論上の計算値として求められ、圧力が低いほど、分子の数が少ないほど気体分子はまっすぐ飛べるので、平均自由行程は長くなる</a:t>
-                </a:r>
-              </a:p>
-            </p:txBody>
-          </p:sp>
-        </mc:Choice>
-      </mc:AlternateContent>
+      <p:sp>
+        <p:nvSpPr>
+          <p:cNvPr id="3" name="コンテンツ プレースホルダー 2"/>
+          <p:cNvSpPr>
+            <a:spLocks noGrp="1"/>
+          </p:cNvSpPr>
+          <p:nvPr>
+            <p:ph idx="1"/>
+          </p:nvPr>
+        </p:nvSpPr>
+        <p:spPr/>
+        <p:txBody>
+          <a:bodyPr/>
+          <a:lstStyle/>
+          <a:p>
+            <a:pPr lvl="0" indent="-342900" marL="342900">
+              <a:buAutoNum startAt="2" type="arabicPeriod"/>
+            </a:pPr>
+            <a:r>
+              <a:rPr/>
+              <a:t>単位系</a:t>
+            </a:r>
+          </a:p>
+          <a:p>
+            <a:pPr lvl="1" indent="-342900" marL="685800">
+              <a:buAutoNum type="arabicPeriod"/>
+            </a:pPr>
+            <a:r>
+              <a:rPr/>
+              <a:t>国際単位系(SI) 七つの基本単位で構成</a:t>
+            </a:r>
+          </a:p>
+          <a:p>
+            <a:pPr lvl="1"/>
+            <a:r>
+              <a:rPr/>
+              <a:t>長さ 𝑚 (メートル)、質量 𝑘𝑔 (キログラム)、時間 𝑠𝑒𝑐 (秒)</a:t>
+            </a:r>
+          </a:p>
+          <a:p>
+            <a:pPr lvl="1"/>
+            <a:r>
+              <a:rPr/>
+              <a:t>電流 𝐴 (アンペア)、熱力学温度 𝐾 (ケルビン)、物質量 𝑚𝑜𝑙 (モル)、光度 𝑐𝑑 (カンデラ)</a:t>
+            </a:r>
+          </a:p>
+          <a:p>
+            <a:pPr lvl="1"/>
+            <a:r>
+              <a:rPr/>
+              <a:t>𝑁 (ニュートン) 組立単位 1𝑁=1𝑘𝑔×1𝑚/𝑠^2</a:t>
+            </a:r>
+          </a:p>
+          <a:p>
+            <a:pPr lvl="1" indent="-342900" marL="685800">
+              <a:buAutoNum startAt="2" type="arabicPeriod"/>
+            </a:pPr>
+            <a:r>
+              <a:rPr/>
+              <a:t>工学単位系(重力単位系)</a:t>
+            </a:r>
+          </a:p>
+          <a:p>
+            <a:pPr lvl="1"/>
+            <a:r>
+              <a:rPr/>
+              <a:t>長さ、力、時間の三つを基本量としている</a:t>
+            </a:r>
+          </a:p>
+          <a:p>
+            <a:pPr lvl="1"/>
+            <a:r>
+              <a:rPr/>
+              <a:t>質量の物体に働く重力の大きさ 1𝑘𝑔𝑓=1𝑘𝑔×9.8𝑚/𝑠^2=9.8𝑁</a:t>
+            </a:r>
+          </a:p>
+          <a:p>
+            <a:pPr lvl="1" indent="-342900" marL="685800">
+              <a:buAutoNum startAt="3" type="arabicPeriod"/>
+            </a:pPr>
+            <a:r>
+              <a:rPr/>
+              <a:t>CGS単位系</a:t>
+            </a:r>
+          </a:p>
+          <a:p>
+            <a:pPr lvl="1"/>
+            <a:r>
+              <a:rPr/>
+              <a:t>長さ、力、時間に 𝑐𝑚,𝑔,𝑠 を用いる単位系</a:t>
+            </a:r>
+          </a:p>
+        </p:txBody>
+      </p:sp>
       <p:sp>
         <p:nvSpPr>
           <p:cNvPr id="6" name="スライド番号プレースホルダー 5"/>
@@ -7455,170 +7347,6 @@
             </a:pPr>
             <a:r>
               <a:rPr/>
-              <a:t>流体の諸性質</a:t>
-            </a:r>
-          </a:p>
-        </p:txBody>
-      </p:sp>
-      <p:sp>
-        <p:nvSpPr>
-          <p:cNvPr id="3" name="コンテンツ プレースホルダー 2"/>
-          <p:cNvSpPr>
-            <a:spLocks noGrp="1"/>
-          </p:cNvSpPr>
-          <p:nvPr>
-            <p:ph idx="1"/>
-          </p:nvPr>
-        </p:nvSpPr>
-        <p:spPr/>
-        <p:txBody>
-          <a:bodyPr/>
-          <a:lstStyle/>
-          <a:p>
-            <a:pPr lvl="0" indent="-342900" marL="342900">
-              <a:buAutoNum startAt="2" type="arabicPeriod"/>
-            </a:pPr>
-            <a:r>
-              <a:rPr/>
-              <a:t>単位系</a:t>
-            </a:r>
-          </a:p>
-          <a:p>
-            <a:pPr lvl="1" indent="-342900" marL="685800">
-              <a:buAutoNum type="arabicPeriod"/>
-            </a:pPr>
-            <a:r>
-              <a:rPr/>
-              <a:t>国際単位系(SI) 七つの基本単位で構成</a:t>
-            </a:r>
-          </a:p>
-          <a:p>
-            <a:pPr lvl="1"/>
-            <a:r>
-              <a:rPr/>
-              <a:t>長さ 𝑚 (メートル)、質量 𝑘𝑔 (キログラム)、時間 𝑠𝑒𝑐 (秒)</a:t>
-            </a:r>
-          </a:p>
-          <a:p>
-            <a:pPr lvl="1"/>
-            <a:r>
-              <a:rPr/>
-              <a:t>電流 𝐴 (アンペア)、熱力学温度 𝐾 (ケルビン)、物質量 𝑚𝑜𝑙 (モル)、光度 𝑐𝑑 (カンデラ)</a:t>
-            </a:r>
-          </a:p>
-          <a:p>
-            <a:pPr lvl="1"/>
-            <a:r>
-              <a:rPr/>
-              <a:t>𝑁 (ニュートン) 組立単位 1𝑁=1𝑘𝑔×1𝑚/𝑠^2</a:t>
-            </a:r>
-          </a:p>
-          <a:p>
-            <a:pPr lvl="1" indent="-342900" marL="685800">
-              <a:buAutoNum startAt="2" type="arabicPeriod"/>
-            </a:pPr>
-            <a:r>
-              <a:rPr/>
-              <a:t>工学単位系(重力単位系)</a:t>
-            </a:r>
-          </a:p>
-          <a:p>
-            <a:pPr lvl="1"/>
-            <a:r>
-              <a:rPr/>
-              <a:t>長さ、力、時間の三つを基本量としている</a:t>
-            </a:r>
-          </a:p>
-          <a:p>
-            <a:pPr lvl="1"/>
-            <a:r>
-              <a:rPr/>
-              <a:t>質量の物体に働く重力の大きさ 1𝑘𝑔𝑓=1𝑘𝑔×9.8𝑚/𝑠^2=9.8𝑁</a:t>
-            </a:r>
-          </a:p>
-          <a:p>
-            <a:pPr lvl="1" indent="-342900" marL="685800">
-              <a:buAutoNum startAt="3" type="arabicPeriod"/>
-            </a:pPr>
-            <a:r>
-              <a:rPr/>
-              <a:t>CGS単位系</a:t>
-            </a:r>
-          </a:p>
-          <a:p>
-            <a:pPr lvl="1"/>
-            <a:r>
-              <a:rPr/>
-              <a:t>長さ、力、時間に 𝑐𝑚,𝑔,𝑠 を用いる単位系</a:t>
-            </a:r>
-          </a:p>
-        </p:txBody>
-      </p:sp>
-      <p:sp>
-        <p:nvSpPr>
-          <p:cNvPr id="6" name="スライド番号プレースホルダー 5"/>
-          <p:cNvSpPr>
-            <a:spLocks noGrp="1"/>
-          </p:cNvSpPr>
-          <p:nvPr>
-            <p:ph idx="12" sz="quarter" type="sldNum"/>
-          </p:nvPr>
-        </p:nvSpPr>
-        <p:spPr/>
-        <p:txBody>
-          <a:bodyPr/>
-          <a:lstStyle/>
-          <a:p>
-            <a:fld id="{D6591E97-2355-4C5F-BA98-15BCC4DBE61A}" type="slidenum">
-              <a:rPr altLang="en-US" kumimoji="1" lang="ja-JP" smtClean="0"/>
-              <a:t>‹#›</a:t>
-            </a:fld>
-            <a:endParaRPr altLang="en-US" kumimoji="1" lang="ja-JP"/>
-          </a:p>
-        </p:txBody>
-      </p:sp>
-    </p:spTree>
-  </p:cSld>
-</p:sld>
-</file>
-
-<file path=ppt/slides/slide7.xml><?xml version="1.0" encoding="utf-8"?>
-<p:sld xmlns:a="http://schemas.openxmlformats.org/drawingml/2006/main" xmlns:r="http://schemas.openxmlformats.org/officeDocument/2006/relationships" xmlns:p="http://schemas.openxmlformats.org/presentationml/2006/main">
-  <p:cSld>
-    <p:spTree>
-      <p:nvGrpSpPr>
-        <p:cNvPr id="1" name=""/>
-        <p:cNvGrpSpPr/>
-        <p:nvPr/>
-      </p:nvGrpSpPr>
-      <p:grpSpPr>
-        <a:xfrm>
-          <a:off x="0" y="0"/>
-          <a:ext cx="0" cy="0"/>
-          <a:chOff x="0" y="0"/>
-          <a:chExt cx="0" cy="0"/>
-        </a:xfrm>
-      </p:grpSpPr>
-      <p:sp>
-        <p:nvSpPr>
-          <p:cNvPr id="2" name="タイトル 1"/>
-          <p:cNvSpPr>
-            <a:spLocks noGrp="1"/>
-          </p:cNvSpPr>
-          <p:nvPr>
-            <p:ph type="title"/>
-          </p:nvPr>
-        </p:nvSpPr>
-        <p:spPr/>
-        <p:txBody>
-          <a:bodyPr/>
-          <a:lstStyle/>
-          <a:p>
-            <a:pPr lvl="0" indent="0" marL="0">
-              <a:buNone/>
-            </a:pPr>
-            <a:r>
-              <a:rPr/>
               <a:t>流体の諸性質3</a:t>
             </a:r>
           </a:p>
@@ -7860,7 +7588,7 @@
 </p:sld>
 </file>
 
-<file path=ppt/slides/slide8.xml><?xml version="1.0" encoding="utf-8"?>
+<file path=ppt/slides/slide7.xml><?xml version="1.0" encoding="utf-8"?>
 <p:sld xmlns:a="http://schemas.openxmlformats.org/drawingml/2006/main" xmlns:r="http://schemas.openxmlformats.org/officeDocument/2006/relationships" xmlns:p="http://schemas.openxmlformats.org/presentationml/2006/main">
   <p:cSld>
     <p:spTree>
@@ -8268,7 +7996,7 @@
 </p:sld>
 </file>
 
-<file path=ppt/slides/slide9.xml><?xml version="1.0" encoding="utf-8"?>
+<file path=ppt/slides/slide8.xml><?xml version="1.0" encoding="utf-8"?>
 <p:sld xmlns:a="http://schemas.openxmlformats.org/drawingml/2006/main" xmlns:r="http://schemas.openxmlformats.org/officeDocument/2006/relationships" xmlns:p="http://schemas.openxmlformats.org/presentationml/2006/main">
   <p:cSld>
     <p:spTree>
@@ -8991,6 +8719,224 @@
       <p:sp>
         <p:nvSpPr>
           <p:cNvPr id="7" name="スライド番号プレースホルダー 6"/>
+          <p:cNvSpPr>
+            <a:spLocks noGrp="1"/>
+          </p:cNvSpPr>
+          <p:nvPr>
+            <p:ph idx="12" sz="quarter" type="sldNum"/>
+          </p:nvPr>
+        </p:nvSpPr>
+        <p:spPr/>
+        <p:txBody>
+          <a:bodyPr/>
+          <a:lstStyle/>
+          <a:p>
+            <a:fld id="{D6591E97-2355-4C5F-BA98-15BCC4DBE61A}" type="slidenum">
+              <a:rPr altLang="en-US" kumimoji="1" lang="ja-JP" smtClean="0"/>
+              <a:t>‹#›</a:t>
+            </a:fld>
+            <a:endParaRPr altLang="en-US" kumimoji="1" lang="ja-JP"/>
+          </a:p>
+        </p:txBody>
+      </p:sp>
+    </p:spTree>
+  </p:cSld>
+</p:sld>
+</file>
+
+<file path=ppt/slides/slide9.xml><?xml version="1.0" encoding="utf-8"?>
+<p:sld xmlns:a="http://schemas.openxmlformats.org/drawingml/2006/main" xmlns:r="http://schemas.openxmlformats.org/officeDocument/2006/relationships" xmlns:p="http://schemas.openxmlformats.org/presentationml/2006/main">
+  <p:cSld>
+    <p:spTree>
+      <p:nvGrpSpPr>
+        <p:cNvPr id="1" name=""/>
+        <p:cNvGrpSpPr/>
+        <p:nvPr/>
+      </p:nvGrpSpPr>
+      <p:grpSpPr>
+        <a:xfrm>
+          <a:off x="0" y="0"/>
+          <a:ext cx="0" cy="0"/>
+          <a:chOff x="0" y="0"/>
+          <a:chExt cx="0" cy="0"/>
+        </a:xfrm>
+      </p:grpSpPr>
+      <p:sp>
+        <p:nvSpPr>
+          <p:cNvPr id="2" name="タイトル 1"/>
+          <p:cNvSpPr>
+            <a:spLocks noGrp="1"/>
+          </p:cNvSpPr>
+          <p:nvPr>
+            <p:ph type="title"/>
+          </p:nvPr>
+        </p:nvSpPr>
+        <p:spPr/>
+        <p:txBody>
+          <a:bodyPr/>
+          <a:lstStyle/>
+          <a:p>
+            <a:pPr lvl="0" indent="0" marL="0">
+              <a:buNone/>
+            </a:pPr>
+            <a:r>
+              <a:rPr/>
+              <a:t>流体の諸性質6</a:t>
+            </a:r>
+          </a:p>
+        </p:txBody>
+      </p:sp>
+      <mc:AlternateContent xmlns:mc="http://schemas.openxmlformats.org/markup-compatibility/2006">
+        <mc:Choice xmlns:a14="http://schemas.microsoft.com/office/drawing/2010/main" Requires="a14">
+          <p:sp>
+            <p:nvSpPr>
+              <p:cNvPr id="3" name="コンテンツ プレースホルダー 2"/>
+              <p:cNvSpPr>
+                <a:spLocks noGrp="1"/>
+              </p:cNvSpPr>
+              <p:nvPr>
+                <p:ph idx="1"/>
+              </p:nvPr>
+            </p:nvSpPr>
+            <p:spPr/>
+            <p:txBody>
+              <a:bodyPr/>
+              <a:lstStyle/>
+              <a:p>
+                <a:pPr lvl="0"/>
+                <a:r>
+                  <a:rPr/>
+                  <a:t>標準大気圧における水と空気の粘度 </a:t>
+                </a:r>
+                <a14:m>
+                  <m:oMath xmlns:m="http://schemas.openxmlformats.org/officeDocument/2006/math">
+                    <m:r>
+                      <m:t>μ</m:t>
+                    </m:r>
+                  </m:oMath>
+                </a14:m>
+                <a:r>
+                  <a:rPr/>
+                  <a:t> 、動粘度 </a:t>
+                </a:r>
+                <a14:m>
+                  <m:oMath xmlns:m="http://schemas.openxmlformats.org/officeDocument/2006/math">
+                    <m:r>
+                      <m:t>ν</m:t>
+                    </m:r>
+                  </m:oMath>
+                </a14:m>
+              </a:p>
+              <a:p>
+                <a:pPr lvl="1"/>
+                <a:r>
+                  <a:rPr/>
+                  <a:t>粘度および動粘度の温度上昇による変化</a:t>
+                </a:r>
+              </a:p>
+              <a:p>
+                <a:pPr lvl="2"/>
+                <a:r>
+                  <a:rPr/>
+                  <a:t>液体 : 減少 柔らかくなる</a:t>
+                </a:r>
+              </a:p>
+              <a:p>
+                <a:pPr lvl="2"/>
+                <a:r>
+                  <a:rPr/>
+                  <a:t>気体 : 増加 硬くなる</a:t>
+                </a:r>
+              </a:p>
+              <a:p>
+                <a:pPr lvl="0" indent="0" marL="0">
+                  <a:buNone/>
+                </a:pPr>
+                <a:r>
+                  <a:rPr/>
+                  <a:t>温度℃ | 水 粘度</a:t>
+                </a:r>
+                <a14:m>
+                  <m:oMath xmlns:m="http://schemas.openxmlformats.org/officeDocument/2006/math">
+                    <m:r>
+                      <m:t>μ</m:t>
+                    </m:r>
+                  </m:oMath>
+                </a14:m>
+                <a:r>
+                  <a:rPr/>
+                  <a:t> | 水 動粘度</a:t>
+                </a:r>
+                <a14:m>
+                  <m:oMath xmlns:m="http://schemas.openxmlformats.org/officeDocument/2006/math">
+                    <m:r>
+                      <m:t>ν</m:t>
+                    </m:r>
+                  </m:oMath>
+                </a14:m>
+                <a:r>
+                  <a:rPr/>
+                  <a:t> | 空気 粘度</a:t>
+                </a:r>
+                <a14:m>
+                  <m:oMath xmlns:m="http://schemas.openxmlformats.org/officeDocument/2006/math">
+                    <m:r>
+                      <m:t>μ</m:t>
+                    </m:r>
+                  </m:oMath>
+                </a14:m>
+                <a:r>
+                  <a:rPr/>
+                  <a:t> | 空気 動粘度</a:t>
+                </a:r>
+                <a14:m>
+                  <m:oMath xmlns:m="http://schemas.openxmlformats.org/officeDocument/2006/math">
+                    <m:r>
+                      <m:t>ν</m:t>
+                    </m:r>
+                  </m:oMath>
+                </a14:m>
+                <a:r>
+                  <a:rPr/>
+                  <a:t> |</a:t>
+                </a:r>
+              </a:p>
+              <a:p>
+                <a:pPr lvl="0" indent="0" marL="0">
+                  <a:buNone/>
+                </a:pPr>
+                <a:r>
+                  <a:rPr/>
+                  <a:t>  0 | 1.792e-03 | 1.792e-03 | 1.724e-05 | 13.33e-6 |</a:t>
+                </a:r>
+                <a:br/>
+                <a:r>
+                  <a:rPr/>
+                  <a:t> 10 | 1.307e-03 | 1.307e-03 | 1.773e-05 | 14.21e-6 |</a:t>
+                </a:r>
+                <a:br/>
+                <a:r>
+                  <a:rPr/>
+                  <a:t> 20 | 1.002e-03 | 1.004e-03 | 1.822e-05 | 15.12e-6 |</a:t>
+                </a:r>
+                <a:br/>
+                <a:r>
+                  <a:rPr/>
+                  <a:t> 30 | 0.797e-03 | 0.801e-03 | 1.869e-05 | 16.04e-6 |</a:t>
+                </a:r>
+                <a:br/>
+                <a:r>
+                  <a:rPr/>
+                  <a:t> 40 | 0.653e-03 | 0.658e-03 | 1.915e-05 | 16.98e-6 |</a:t>
+                </a:r>
+              </a:p>
+            </p:txBody>
+          </p:sp>
+        </mc:Choice>
+      </mc:AlternateContent>
+      <p:sp>
+        <p:nvSpPr>
+          <p:cNvPr id="6" name="スライド番号プレースホルダー 5"/>
           <p:cNvSpPr>
             <a:spLocks noGrp="1"/>
           </p:cNvSpPr>

--- a/Basics_of_Fluid_Mechanics/Basics_of_Fluid_Mechanics.pptx
+++ b/Basics_of_Fluid_Mechanics/Basics_of_Fluid_Mechanics.pptx
@@ -31,6 +31,16 @@
     <p:sldId id="279" r:id="rId25"/>
     <p:sldId id="280" r:id="rId26"/>
     <p:sldId id="281" r:id="rId27"/>
+    <p:sldId id="282" r:id="rId28"/>
+    <p:sldId id="283" r:id="rId29"/>
+    <p:sldId id="284" r:id="rId30"/>
+    <p:sldId id="285" r:id="rId31"/>
+    <p:sldId id="286" r:id="rId32"/>
+    <p:sldId id="287" r:id="rId33"/>
+    <p:sldId id="288" r:id="rId34"/>
+    <p:sldId id="289" r:id="rId35"/>
+    <p:sldId id="290" r:id="rId36"/>
+    <p:sldId id="291" r:id="rId37"/>
   </p:sldIdLst>
   <p:sldSz cx="9144000" cy="5143500" type="screen16x9"/>
   <p:notesSz cx="6858000" cy="9144000"/>
@@ -3833,31 +3843,6 @@
           <a:chExt cx="0" cy="0"/>
         </a:xfrm>
       </p:grpSpPr>
-      <p:sp>
-        <p:nvSpPr>
-          <p:cNvPr id="2" name="タイトル 1"/>
-          <p:cNvSpPr>
-            <a:spLocks noGrp="1"/>
-          </p:cNvSpPr>
-          <p:nvPr>
-            <p:ph type="title"/>
-          </p:nvPr>
-        </p:nvSpPr>
-        <p:spPr/>
-        <p:txBody>
-          <a:bodyPr/>
-          <a:lstStyle/>
-          <a:p>
-            <a:pPr lvl="0" indent="0" marL="0">
-              <a:buNone/>
-            </a:pPr>
-            <a:r>
-              <a:rPr/>
-              <a:t>流体の諸性質6</a:t>
-            </a:r>
-          </a:p>
-        </p:txBody>
-      </p:sp>
       <mc:AlternateContent xmlns:mc="http://schemas.openxmlformats.org/markup-compatibility/2006">
         <mc:Choice xmlns:a14="http://schemas.microsoft.com/office/drawing/2010/main" Requires="a14">
           <p:sp>
@@ -3867,7 +3852,7 @@
                 <a:spLocks noGrp="1"/>
               </p:cNvSpPr>
               <p:nvPr>
-                <p:ph idx="1"/>
+                <p:ph idx="1" sz="half"/>
               </p:nvPr>
             </p:nvSpPr>
             <p:spPr/>
@@ -3878,137 +3863,653 @@
                 <a:pPr lvl="0"/>
                 <a:r>
                   <a:rPr/>
-                  <a:t>標準大気圧における水と空気の粘度 </a:t>
+                  <a:t>流体の粘性 : 変形に対して抵抗する性質(水あめは強く、水は弱い)</a:t>
+                </a:r>
+              </a:p>
+              <a:p>
+                <a:pPr lvl="0"/>
+                <a:r>
+                  <a:rPr/>
+                  <a:t>クエット流れ</a:t>
+                </a:r>
+              </a:p>
+              <a:p>
+                <a:pPr lvl="1"/>
+                <a:r>
+                  <a:rPr/>
+                  <a:t>平行な2枚の平板間に油を満たし、下の板を固定し上の板を一定の速度 </a:t>
                 </a:r>
                 <a14:m>
                   <m:oMath xmlns:m="http://schemas.openxmlformats.org/officeDocument/2006/math">
                     <m:r>
+                      <m:t>U</m:t>
+                    </m:r>
+                  </m:oMath>
+                </a14:m>
+                <a:r>
+                  <a:rPr/>
+                  <a:t> で平行に動かす流速が遅い場合、流速 </a:t>
+                </a:r>
+                <a14:m>
+                  <m:oMath xmlns:m="http://schemas.openxmlformats.org/officeDocument/2006/math">
+                    <m:r>
+                      <m:t>v</m:t>
+                    </m:r>
+                  </m:oMath>
+                </a14:m>
+                <a:r>
+                  <a:rPr/>
+                  <a:t> の </a:t>
+                </a:r>
+                <a14:m>
+                  <m:oMath xmlns:m="http://schemas.openxmlformats.org/officeDocument/2006/math">
+                    <m:r>
+                      <m:t>y</m:t>
+                    </m:r>
+                  </m:oMath>
+                </a14:m>
+                <a:r>
+                  <a:rPr/>
+                  <a:t> 方向分布は固定壁面 </a:t>
+                </a:r>
+                <a14:m>
+                  <m:oMath xmlns:m="http://schemas.openxmlformats.org/officeDocument/2006/math">
+                    <m:d>
+                      <m:dPr>
+                        <m:begChr m:val="("/>
+                        <m:endChr m:val=")"/>
+                        <m:sepChr m:val=""/>
+                        <m:grow/>
+                      </m:dPr>
+                      <m:e>
+                        <m:r>
+                          <m:t>y</m:t>
+                        </m:r>
+                        <m:r>
+                          <m:rPr>
+                            <m:sty m:val="p"/>
+                          </m:rPr>
+                          <m:t>=</m:t>
+                        </m:r>
+                        <m:r>
+                          <m:t>0</m:t>
+                        </m:r>
+                      </m:e>
+                    </m:d>
+                  </m:oMath>
+                </a14:m>
+                <a:r>
+                  <a:rPr/>
+                  <a:t> における </a:t>
+                </a:r>
+                <a14:m>
+                  <m:oMath xmlns:m="http://schemas.openxmlformats.org/officeDocument/2006/math">
+                    <m:d>
+                      <m:dPr>
+                        <m:begChr m:val="("/>
+                        <m:endChr m:val=")"/>
+                        <m:sepChr m:val=""/>
+                        <m:grow/>
+                      </m:dPr>
+                      <m:e>
+                        <m:r>
+                          <m:t>u</m:t>
+                        </m:r>
+                        <m:r>
+                          <m:rPr>
+                            <m:sty m:val="p"/>
+                          </m:rPr>
+                          <m:t>=</m:t>
+                        </m:r>
+                        <m:r>
+                          <m:t>0</m:t>
+                        </m:r>
+                      </m:e>
+                    </m:d>
+                  </m:oMath>
+                </a14:m>
+                <a:r>
+                  <a:rPr/>
+                  <a:t> から移動壁面 </a:t>
+                </a:r>
+                <a14:m>
+                  <m:oMath xmlns:m="http://schemas.openxmlformats.org/officeDocument/2006/math">
+                    <m:d>
+                      <m:dPr>
+                        <m:begChr m:val="("/>
+                        <m:endChr m:val=")"/>
+                        <m:sepChr m:val=""/>
+                        <m:grow/>
+                      </m:dPr>
+                      <m:e>
+                        <m:r>
+                          <m:t>y</m:t>
+                        </m:r>
+                        <m:r>
+                          <m:rPr>
+                            <m:sty m:val="p"/>
+                          </m:rPr>
+                          <m:t>=</m:t>
+                        </m:r>
+                        <m:r>
+                          <m:t>0</m:t>
+                        </m:r>
+                      </m:e>
+                    </m:d>
+                  </m:oMath>
+                </a14:m>
+                <a:r>
+                  <a:rPr/>
+                  <a:t> における </a:t>
+                </a:r>
+                <a14:m>
+                  <m:oMath xmlns:m="http://schemas.openxmlformats.org/officeDocument/2006/math">
+                    <m:d>
+                      <m:dPr>
+                        <m:begChr m:val="("/>
+                        <m:endChr m:val=")"/>
+                        <m:sepChr m:val=""/>
+                        <m:grow/>
+                      </m:dPr>
+                      <m:e>
+                        <m:r>
+                          <m:t>u</m:t>
+                        </m:r>
+                        <m:r>
+                          <m:rPr>
+                            <m:sty m:val="p"/>
+                          </m:rPr>
+                          <m:t>=</m:t>
+                        </m:r>
+                        <m:r>
+                          <m:t>U</m:t>
+                        </m:r>
+                      </m:e>
+                    </m:d>
+                  </m:oMath>
+                </a14:m>
+                <a:r>
+                  <a:rPr/>
+                  <a:t> まで直線的に変化する分布となる</a:t>
+                </a:r>
+              </a:p>
+              <a:p>
+                <a:pPr lvl="1"/>
+                <a:r>
+                  <a:rPr/>
+                  <a:t>この時板を動かすのに必要な力 </a:t>
+                </a:r>
+                <a14:m>
+                  <m:oMath xmlns:m="http://schemas.openxmlformats.org/officeDocument/2006/math">
+                    <m:r>
+                      <m:t>F</m:t>
+                    </m:r>
+                  </m:oMath>
+                </a14:m>
+                <a:r>
+                  <a:rPr/>
+                  <a:t> は、板の面積 </a:t>
+                </a:r>
+                <a14:m>
+                  <m:oMath xmlns:m="http://schemas.openxmlformats.org/officeDocument/2006/math">
+                    <m:r>
+                      <m:t>A</m:t>
+                    </m:r>
+                  </m:oMath>
+                </a14:m>
+                <a:r>
+                  <a:rPr/>
+                  <a:t> と速度 </a:t>
+                </a:r>
+                <a14:m>
+                  <m:oMath xmlns:m="http://schemas.openxmlformats.org/officeDocument/2006/math">
+                    <m:r>
+                      <m:t>U</m:t>
+                    </m:r>
+                  </m:oMath>
+                </a14:m>
+                <a:r>
+                  <a:rPr/>
+                  <a:t> に比例し、平板板間の距離 </a:t>
+                </a:r>
+                <a14:m>
+                  <m:oMath xmlns:m="http://schemas.openxmlformats.org/officeDocument/2006/math">
+                    <m:r>
+                      <m:t>h</m:t>
+                    </m:r>
+                  </m:oMath>
+                </a14:m>
+                <a:r>
+                  <a:rPr/>
+                  <a:t> に反比例する</a:t>
+                </a:r>
+              </a:p>
+              <a:p>
+                <a:pPr lvl="1"/>
+                <a14:m>
+                  <m:oMathPara xmlns:m="http://schemas.openxmlformats.org/officeDocument/2006/math">
+                    <m:oMathParaPr>
+                      <m:jc m:val="center"/>
+                    </m:oMathParaPr>
+                    <m:oMath>
+                      <m:r>
+                        <m:t>F</m:t>
+                      </m:r>
+                      <m:r>
+                        <m:rPr>
+                          <m:sty m:val="p"/>
+                        </m:rPr>
+                        <m:t>∝</m:t>
+                      </m:r>
+                      <m:f>
+                        <m:fPr>
+                          <m:type m:val="bar"/>
+                        </m:fPr>
+                        <m:num>
+                          <m:r>
+                            <m:t>A</m:t>
+                          </m:r>
+                          <m:r>
+                            <m:t>U</m:t>
+                          </m:r>
+                        </m:num>
+                        <m:den>
+                          <m:r>
+                            <m:t>h</m:t>
+                          </m:r>
+                        </m:den>
+                      </m:f>
+                    </m:oMath>
+                  </m:oMathPara>
+                </a14:m>
+              </a:p>
+              <a:p>
+                <a:pPr lvl="1"/>
+                <a:r>
+                  <a:rPr/>
+                  <a:t>せん断応力 </a:t>
+                </a:r>
+                <a14:m>
+                  <m:oMath xmlns:m="http://schemas.openxmlformats.org/officeDocument/2006/math">
+                    <m:r>
+                      <m:t>τ</m:t>
+                    </m:r>
+                  </m:oMath>
+                </a14:m>
+                <a:r>
+                  <a:rPr/>
+                  <a:t> : 板の単位面積あたりに作用する摩擦効力</a:t>
+                </a:r>
+              </a:p>
+              <a:p>
+                <a:pPr lvl="1"/>
+                <a14:m>
+                  <m:oMathPara xmlns:m="http://schemas.openxmlformats.org/officeDocument/2006/math">
+                    <m:oMathParaPr>
+                      <m:jc m:val="center"/>
+                    </m:oMathParaPr>
+                    <m:oMath>
+                      <m:r>
+                        <m:t>τ</m:t>
+                      </m:r>
+                      <m:r>
+                        <m:rPr>
+                          <m:sty m:val="p"/>
+                        </m:rPr>
+                        <m:t>=</m:t>
+                      </m:r>
+                      <m:f>
+                        <m:fPr>
+                          <m:type m:val="bar"/>
+                        </m:fPr>
+                        <m:num>
+                          <m:r>
+                            <m:t>F</m:t>
+                          </m:r>
+                        </m:num>
+                        <m:den>
+                          <m:r>
+                            <m:t>A</m:t>
+                          </m:r>
+                        </m:den>
+                      </m:f>
+                      <m:r>
+                        <m:rPr>
+                          <m:sty m:val="p"/>
+                        </m:rPr>
+                        <m:t>∝</m:t>
+                      </m:r>
+                      <m:f>
+                        <m:fPr>
+                          <m:type m:val="bar"/>
+                        </m:fPr>
+                        <m:num>
+                          <m:r>
+                            <m:t>U</m:t>
+                          </m:r>
+                        </m:num>
+                        <m:den>
+                          <m:r>
+                            <m:t>h</m:t>
+                          </m:r>
+                        </m:den>
+                      </m:f>
+                      <m:r>
+                        <m:rPr>
+                          <m:sty m:val="p"/>
+                        </m:rPr>
+                        <m:t>=</m:t>
+                      </m:r>
+                      <m:f>
+                        <m:fPr>
+                          <m:type m:val="bar"/>
+                        </m:fPr>
+                        <m:num>
+                          <m:r>
+                            <m:t>d</m:t>
+                          </m:r>
+                          <m:r>
+                            <m:t>u</m:t>
+                          </m:r>
+                        </m:num>
+                        <m:den>
+                          <m:r>
+                            <m:t>d</m:t>
+                          </m:r>
+                          <m:r>
+                            <m:t>y</m:t>
+                          </m:r>
+                        </m:den>
+                      </m:f>
+                    </m:oMath>
+                  </m:oMathPara>
+                </a14:m>
+              </a:p>
+              <a:p>
+                <a:pPr lvl="1"/>
+                <a:r>
+                  <a:rPr/>
+                  <a:t>ニュートンの粘性法則 : 粘度(流体固有の物性値) </a:t>
+                </a:r>
+                <a14:m>
+                  <m:oMath xmlns:m="http://schemas.openxmlformats.org/officeDocument/2006/math">
+                    <m:r>
                       <m:t>μ</m:t>
                     </m:r>
+                    <m:r>
+                      <m:t> </m:t>
+                    </m:r>
+                    <m:d>
+                      <m:dPr>
+                        <m:begChr m:val="["/>
+                        <m:endChr m:val="]"/>
+                        <m:sepChr m:val=""/>
+                        <m:grow/>
+                      </m:dPr>
+                      <m:e>
+                        <m:r>
+                          <m:t>N</m:t>
+                        </m:r>
+                        <m:r>
+                          <m:rPr>
+                            <m:sty m:val="p"/>
+                          </m:rPr>
+                          <m:t>⋅</m:t>
+                        </m:r>
+                        <m:r>
+                          <m:t>s</m:t>
+                        </m:r>
+                        <m:r>
+                          <m:rPr>
+                            <m:sty m:val="p"/>
+                          </m:rPr>
+                          <m:t>/</m:t>
+                        </m:r>
+                        <m:sSup>
+                          <m:e>
+                            <m:r>
+                              <m:t>m</m:t>
+                            </m:r>
+                          </m:e>
+                          <m:sup>
+                            <m:r>
+                              <m:t>2</m:t>
+                            </m:r>
+                          </m:sup>
+                        </m:sSup>
+                        <m:r>
+                          <m:rPr>
+                            <m:sty m:val="p"/>
+                          </m:rPr>
+                          <m:t>=</m:t>
+                        </m:r>
+                        <m:r>
+                          <m:t>P</m:t>
+                        </m:r>
+                        <m:r>
+                          <m:t>a</m:t>
+                        </m:r>
+                        <m:r>
+                          <m:rPr>
+                            <m:sty m:val="p"/>
+                          </m:rPr>
+                          <m:t>⋅</m:t>
+                        </m:r>
+                        <m:r>
+                          <m:t>s</m:t>
+                        </m:r>
+                      </m:e>
+                    </m:d>
                   </m:oMath>
                 </a14:m>
-                <a:r>
-                  <a:rPr/>
-                  <a:t> 、動粘度 </a:t>
+              </a:p>
+              <a:p>
+                <a:pPr lvl="1"/>
+                <a14:m>
+                  <m:oMathPara xmlns:m="http://schemas.openxmlformats.org/officeDocument/2006/math">
+                    <m:oMathParaPr>
+                      <m:jc m:val="center"/>
+                    </m:oMathParaPr>
+                    <m:oMath>
+                      <m:r>
+                        <m:t>τ</m:t>
+                      </m:r>
+                      <m:r>
+                        <m:rPr>
+                          <m:sty m:val="p"/>
+                        </m:rPr>
+                        <m:t>=</m:t>
+                      </m:r>
+                      <m:r>
+                        <m:t>μ</m:t>
+                      </m:r>
+                      <m:f>
+                        <m:fPr>
+                          <m:type m:val="bar"/>
+                        </m:fPr>
+                        <m:num>
+                          <m:r>
+                            <m:t>d</m:t>
+                          </m:r>
+                          <m:r>
+                            <m:t>u</m:t>
+                          </m:r>
+                        </m:num>
+                        <m:den>
+                          <m:r>
+                            <m:t>d</m:t>
+                          </m:r>
+                          <m:r>
+                            <m:t>y</m:t>
+                          </m:r>
+                        </m:den>
+                      </m:f>
+                    </m:oMath>
+                  </m:oMathPara>
+                </a14:m>
+              </a:p>
+              <a:p>
+                <a:pPr lvl="1"/>
+                <a:r>
+                  <a:rPr/>
+                  <a:t>ニュートン流体 : ニュートンの粘性法則が成り立つ流体 → 空気・水・グリセリン・油など</a:t>
+                </a:r>
+              </a:p>
+              <a:p>
+                <a:pPr lvl="1"/>
+                <a:r>
+                  <a:rPr/>
+                  <a:t>動粘度 </a:t>
                 </a:r>
                 <a14:m>
                   <m:oMath xmlns:m="http://schemas.openxmlformats.org/officeDocument/2006/math">
                     <m:r>
                       <m:t>ν</m:t>
                     </m:r>
+                    <m:r>
+                      <m:t> </m:t>
+                    </m:r>
+                    <m:d>
+                      <m:dPr>
+                        <m:begChr m:val="["/>
+                        <m:endChr m:val="]"/>
+                        <m:sepChr m:val=""/>
+                        <m:grow/>
+                      </m:dPr>
+                      <m:e>
+                        <m:sSup>
+                          <m:e>
+                            <m:r>
+                              <m:t>m</m:t>
+                            </m:r>
+                          </m:e>
+                          <m:sup>
+                            <m:r>
+                              <m:t>2</m:t>
+                            </m:r>
+                          </m:sup>
+                        </m:sSup>
+                        <m:r>
+                          <m:rPr>
+                            <m:sty m:val="p"/>
+                          </m:rPr>
+                          <m:t>/</m:t>
+                        </m:r>
+                        <m:r>
+                          <m:t>s</m:t>
+                        </m:r>
+                      </m:e>
+                    </m:d>
                   </m:oMath>
                 </a14:m>
+                <a:r>
+                  <a:rPr/>
+                  <a:t> : 流体の運動を調べるのにはこちらが使われる</a:t>
+                </a:r>
               </a:p>
               <a:p>
                 <a:pPr lvl="1"/>
-                <a:r>
-                  <a:rPr/>
-                  <a:t>粘度および動粘度の温度上昇による変化</a:t>
-                </a:r>
-              </a:p>
-              <a:p>
-                <a:pPr lvl="2"/>
-                <a:r>
-                  <a:rPr/>
-                  <a:t>液体 : 減少 柔らかくなる</a:t>
-                </a:r>
-              </a:p>
-              <a:p>
-                <a:pPr lvl="2"/>
-                <a:r>
-                  <a:rPr/>
-                  <a:t>気体 : 増加 硬くなる</a:t>
-                </a:r>
-              </a:p>
-              <a:p>
-                <a:pPr lvl="0" indent="0" marL="0">
-                  <a:buNone/>
-                </a:pPr>
-                <a:r>
-                  <a:rPr/>
-                  <a:t>温度℃ | 水 粘度</a:t>
-                </a:r>
-                <a14:m>
-                  <m:oMath xmlns:m="http://schemas.openxmlformats.org/officeDocument/2006/math">
-                    <m:r>
-                      <m:t>μ</m:t>
-                    </m:r>
-                  </m:oMath>
-                </a14:m>
-                <a:r>
-                  <a:rPr/>
-                  <a:t> | 水 動粘度</a:t>
-                </a:r>
-                <a14:m>
-                  <m:oMath xmlns:m="http://schemas.openxmlformats.org/officeDocument/2006/math">
-                    <m:r>
-                      <m:t>ν</m:t>
-                    </m:r>
-                  </m:oMath>
-                </a14:m>
-                <a:r>
-                  <a:rPr/>
-                  <a:t> | 空気 粘度</a:t>
-                </a:r>
-                <a14:m>
-                  <m:oMath xmlns:m="http://schemas.openxmlformats.org/officeDocument/2006/math">
-                    <m:r>
-                      <m:t>μ</m:t>
-                    </m:r>
-                  </m:oMath>
-                </a14:m>
-                <a:r>
-                  <a:rPr/>
-                  <a:t> | 空気 動粘度</a:t>
-                </a:r>
-                <a14:m>
-                  <m:oMath xmlns:m="http://schemas.openxmlformats.org/officeDocument/2006/math">
-                    <m:r>
-                      <m:t>ν</m:t>
-                    </m:r>
-                  </m:oMath>
-                </a14:m>
-                <a:r>
-                  <a:rPr/>
-                  <a:t> |</a:t>
-                </a:r>
-              </a:p>
-              <a:p>
-                <a:pPr lvl="0" indent="0" marL="0">
-                  <a:buNone/>
-                </a:pPr>
-                <a:r>
-                  <a:rPr/>
-                  <a:t>  0 | 1.792e-03 | 1.792e-03 | 1.724e-05 | 13.33e-6 |</a:t>
-                </a:r>
-                <a:br/>
-                <a:r>
-                  <a:rPr/>
-                  <a:t> 10 | 1.307e-03 | 1.307e-03 | 1.773e-05 | 14.21e-6 |</a:t>
-                </a:r>
-                <a:br/>
-                <a:r>
-                  <a:rPr/>
-                  <a:t> 20 | 1.002e-03 | 1.004e-03 | 1.822e-05 | 15.12e-6 |</a:t>
-                </a:r>
-                <a:br/>
-                <a:r>
-                  <a:rPr/>
-                  <a:t> 30 | 0.797e-03 | 0.801e-03 | 1.869e-05 | 16.04e-6 |</a:t>
-                </a:r>
-                <a:br/>
-                <a:r>
-                  <a:rPr/>
-                  <a:t> 40 | 0.653e-03 | 0.658e-03 | 1.915e-05 | 16.98e-6 |</a:t>
-                </a:r>
+                <a14:m>
+                  <m:oMathPara xmlns:m="http://schemas.openxmlformats.org/officeDocument/2006/math">
+                    <m:oMathParaPr>
+                      <m:jc m:val="center"/>
+                    </m:oMathParaPr>
+                    <m:oMath>
+                      <m:r>
+                        <m:t>ν</m:t>
+                      </m:r>
+                      <m:r>
+                        <m:rPr>
+                          <m:sty m:val="p"/>
+                        </m:rPr>
+                        <m:t>=</m:t>
+                      </m:r>
+                      <m:f>
+                        <m:fPr>
+                          <m:type m:val="bar"/>
+                        </m:fPr>
+                        <m:num>
+                          <m:r>
+                            <m:t>u</m:t>
+                          </m:r>
+                        </m:num>
+                        <m:den>
+                          <m:r>
+                            <m:t>ρ</m:t>
+                          </m:r>
+                        </m:den>
+                      </m:f>
+                    </m:oMath>
+                  </m:oMathPara>
+                </a14:m>
               </a:p>
             </p:txBody>
           </p:sp>
         </mc:Choice>
       </mc:AlternateContent>
+      <p:pic>
+        <p:nvPicPr>
+          <p:cNvPr descr="Basics_of_Fluid_Mechanics/images/1-1.png" id="0" name="Picture 1"/>
+          <p:cNvPicPr>
+            <a:picLocks noGrp="1" noChangeAspect="1"/>
+          </p:cNvPicPr>
+          <p:nvPr/>
+        </p:nvPicPr>
+        <p:blipFill>
+          <a:blip r:embed="rId2"/>
+          <a:stretch>
+            <a:fillRect/>
+          </a:stretch>
+        </p:blipFill>
+        <p:spPr bwMode="auto">
+          <a:xfrm>
+            <a:off x="5727700" y="1320800"/>
+            <a:ext cx="3263900" cy="2540000"/>
+          </a:xfrm>
+          <a:prstGeom prst="rect">
+            <a:avLst/>
+          </a:prstGeom>
+          <a:noFill/>
+          <a:ln w="9525">
+            <a:noFill/>
+            <a:headEnd/>
+            <a:tailEnd/>
+          </a:ln>
+        </p:spPr>
+      </p:pic>
       <p:sp>
         <p:nvSpPr>
-          <p:cNvPr id="6" name="スライド番号プレースホルダー 5"/>
+          <p:cNvPr id="1" name="TextBox 3"/>
+          <p:cNvSpPr txBox="1"/>
+          <p:nvPr/>
+        </p:nvSpPr>
+        <p:spPr>
+          <a:xfrm>
+            <a:off x="5727700" y="4267200"/>
+            <a:ext cx="3263900" cy="508000"/>
+          </a:xfrm>
+          <a:prstGeom prst="rect">
+            <a:avLst/>
+          </a:prstGeom>
+          <a:noFill/>
+        </p:spPr>
+        <p:txBody>
+          <a:bodyPr/>
+          <a:lstStyle/>
+          <a:p>
+            <a:pPr lvl="0" indent="0" marL="0" algn="ctr">
+              <a:buNone/>
+            </a:pPr>
+            <a:r>
+              <a:rPr/>
+              <a:t>1-1</a:t>
+            </a:r>
+          </a:p>
+        </p:txBody>
+      </p:sp>
+      <p:sp>
+        <p:nvSpPr>
+          <p:cNvPr id="7" name="スライド番号プレースホルダー 6"/>
           <p:cNvSpPr>
             <a:spLocks noGrp="1"/>
           </p:cNvSpPr>
@@ -4051,14 +4552,174 @@
           <a:chExt cx="0" cy="0"/>
         </a:xfrm>
       </p:grpSpPr>
+      <mc:AlternateContent xmlns:mc="http://schemas.openxmlformats.org/markup-compatibility/2006">
+        <mc:Choice xmlns:a14="http://schemas.microsoft.com/office/drawing/2010/main" Requires="a14">
+          <p:sp>
+            <p:nvSpPr>
+              <p:cNvPr id="3" name="コンテンツ プレースホルダー 2"/>
+              <p:cNvSpPr>
+                <a:spLocks noGrp="1"/>
+              </p:cNvSpPr>
+              <p:nvPr>
+                <p:ph idx="1"/>
+              </p:nvPr>
+            </p:nvSpPr>
+            <p:spPr/>
+            <p:txBody>
+              <a:bodyPr/>
+              <a:lstStyle/>
+              <a:p>
+                <a:pPr lvl="0" indent="0" marL="0">
+                  <a:spcBef>
+                    <a:spcPts val="3000"/>
+                  </a:spcBef>
+                  <a:buNone/>
+                </a:pPr>
+                <a:r>
+                  <a:rPr b="1"/>
+                  <a:t>粘度・動粘度</a:t>
+                </a:r>
+              </a:p>
+              <a:p>
+                <a:pPr lvl="0"/>
+                <a:r>
+                  <a:rPr/>
+                  <a:t>標準大気圧における水と空気の粘度 </a:t>
+                </a:r>
+                <a14:m>
+                  <m:oMath xmlns:m="http://schemas.openxmlformats.org/officeDocument/2006/math">
+                    <m:r>
+                      <m:t>μ</m:t>
+                    </m:r>
+                  </m:oMath>
+                </a14:m>
+                <a:r>
+                  <a:rPr/>
+                  <a:t> 、動粘度 </a:t>
+                </a:r>
+                <a14:m>
+                  <m:oMath xmlns:m="http://schemas.openxmlformats.org/officeDocument/2006/math">
+                    <m:r>
+                      <m:t>ν</m:t>
+                    </m:r>
+                  </m:oMath>
+                </a14:m>
+              </a:p>
+              <a:p>
+                <a:pPr lvl="1"/>
+                <a:r>
+                  <a:rPr/>
+                  <a:t>粘度および動粘度の温度上昇による変化</a:t>
+                </a:r>
+              </a:p>
+              <a:p>
+                <a:pPr lvl="2"/>
+                <a:r>
+                  <a:rPr/>
+                  <a:t>液体 : 減少 柔らかくなる</a:t>
+                </a:r>
+              </a:p>
+              <a:p>
+                <a:pPr lvl="2"/>
+                <a:r>
+                  <a:rPr/>
+                  <a:t>気体 : 増加 硬くなる</a:t>
+                </a:r>
+              </a:p>
+              <a:p>
+                <a:pPr lvl="0" indent="0" marL="0">
+                  <a:buNone/>
+                </a:pPr>
+                <a:r>
+                  <a:rPr/>
+                  <a:t>温度℃ | 水 粘度</a:t>
+                </a:r>
+                <a14:m>
+                  <m:oMath xmlns:m="http://schemas.openxmlformats.org/officeDocument/2006/math">
+                    <m:r>
+                      <m:t>μ</m:t>
+                    </m:r>
+                  </m:oMath>
+                </a14:m>
+                <a:r>
+                  <a:rPr/>
+                  <a:t> | 水 動粘度</a:t>
+                </a:r>
+                <a14:m>
+                  <m:oMath xmlns:m="http://schemas.openxmlformats.org/officeDocument/2006/math">
+                    <m:r>
+                      <m:t>ν</m:t>
+                    </m:r>
+                  </m:oMath>
+                </a14:m>
+                <a:r>
+                  <a:rPr/>
+                  <a:t> | 空気 粘度</a:t>
+                </a:r>
+                <a14:m>
+                  <m:oMath xmlns:m="http://schemas.openxmlformats.org/officeDocument/2006/math">
+                    <m:r>
+                      <m:t>μ</m:t>
+                    </m:r>
+                  </m:oMath>
+                </a14:m>
+                <a:r>
+                  <a:rPr/>
+                  <a:t> | 空気 動粘度</a:t>
+                </a:r>
+                <a14:m>
+                  <m:oMath xmlns:m="http://schemas.openxmlformats.org/officeDocument/2006/math">
+                    <m:r>
+                      <m:t>ν</m:t>
+                    </m:r>
+                  </m:oMath>
+                </a14:m>
+                <a:r>
+                  <a:rPr/>
+                  <a:t> |</a:t>
+                </a:r>
+              </a:p>
+              <a:p>
+                <a:pPr lvl="0" indent="0" marL="0">
+                  <a:buNone/>
+                </a:pPr>
+                <a:r>
+                  <a:rPr/>
+                  <a:t>  0 | 1.792e-03 | 1.792e-03 | 1.724e-05 | 13.33e-6 |</a:t>
+                </a:r>
+                <a:br/>
+                <a:r>
+                  <a:rPr/>
+                  <a:t> 10 | 1.307e-03 | 1.307e-03 | 1.773e-05 | 14.21e-6 |</a:t>
+                </a:r>
+                <a:br/>
+                <a:r>
+                  <a:rPr/>
+                  <a:t> 20 | 1.002e-03 | 1.004e-03 | 1.822e-05 | 15.12e-6 |</a:t>
+                </a:r>
+                <a:br/>
+                <a:r>
+                  <a:rPr/>
+                  <a:t> 30 | 0.797e-03 | 0.801e-03 | 1.869e-05 | 16.04e-6 |</a:t>
+                </a:r>
+                <a:br/>
+                <a:r>
+                  <a:rPr/>
+                  <a:t> 40 | 0.653e-03 | 0.658e-03 | 1.915e-05 | 16.98e-6 |</a:t>
+                </a:r>
+              </a:p>
+            </p:txBody>
+          </p:sp>
+        </mc:Choice>
+      </mc:AlternateContent>
       <p:sp>
         <p:nvSpPr>
-          <p:cNvPr id="2" name="タイトル 1"/>
+          <p:cNvPr id="6" name="スライド番号プレースホルダー 5"/>
           <p:cNvSpPr>
             <a:spLocks noGrp="1"/>
           </p:cNvSpPr>
           <p:nvPr>
-            <p:ph type="title"/>
+            <p:ph idx="12" sz="quarter" type="sldNum"/>
           </p:nvPr>
         </p:nvSpPr>
         <p:spPr/>
@@ -4066,16 +4727,109 @@
           <a:bodyPr/>
           <a:lstStyle/>
           <a:p>
+            <a:fld id="{D6591E97-2355-4C5F-BA98-15BCC4DBE61A}" type="slidenum">
+              <a:rPr altLang="en-US" kumimoji="1" lang="ja-JP" smtClean="0"/>
+              <a:t>‹#›</a:t>
+            </a:fld>
+            <a:endParaRPr altLang="en-US" kumimoji="1" lang="ja-JP"/>
+          </a:p>
+        </p:txBody>
+      </p:sp>
+    </p:spTree>
+  </p:cSld>
+</p:sld>
+</file>
+
+<file path=ppt/slides/slide12.xml><?xml version="1.0" encoding="utf-8"?>
+<p:sld xmlns:a="http://schemas.openxmlformats.org/drawingml/2006/main" xmlns:r="http://schemas.openxmlformats.org/officeDocument/2006/relationships" xmlns:p="http://schemas.openxmlformats.org/presentationml/2006/main">
+  <p:cSld>
+    <p:spTree>
+      <p:nvGrpSpPr>
+        <p:cNvPr id="1" name=""/>
+        <p:cNvGrpSpPr/>
+        <p:nvPr/>
+      </p:nvGrpSpPr>
+      <p:grpSpPr>
+        <a:xfrm>
+          <a:off x="0" y="0"/>
+          <a:ext cx="0" cy="0"/>
+          <a:chOff x="0" y="0"/>
+          <a:chExt cx="0" cy="0"/>
+        </a:xfrm>
+      </p:grpSpPr>
+      <p:sp>
+        <p:nvSpPr>
+          <p:cNvPr id="3" name="コンテンツ プレースホルダー 2"/>
+          <p:cNvSpPr>
+            <a:spLocks noGrp="1"/>
+          </p:cNvSpPr>
+          <p:nvPr>
+            <p:ph idx="1"/>
+          </p:nvPr>
+        </p:nvSpPr>
+        <p:spPr/>
+        <p:txBody>
+          <a:bodyPr/>
+          <a:lstStyle/>
+          <a:p>
             <a:pPr lvl="0" indent="0" marL="0">
+              <a:spcBef>
+                <a:spcPts val="3000"/>
+              </a:spcBef>
               <a:buNone/>
             </a:pPr>
             <a:r>
-              <a:rPr/>
-              <a:t>流体の諸性質7</a:t>
+              <a:rPr b="1"/>
+              <a:t>粘性による流体の分類</a:t>
             </a:r>
           </a:p>
         </p:txBody>
       </p:sp>
+      <p:sp>
+        <p:nvSpPr>
+          <p:cNvPr id="6" name="スライド番号プレースホルダー 5"/>
+          <p:cNvSpPr>
+            <a:spLocks noGrp="1"/>
+          </p:cNvSpPr>
+          <p:nvPr>
+            <p:ph idx="12" sz="quarter" type="sldNum"/>
+          </p:nvPr>
+        </p:nvSpPr>
+        <p:spPr/>
+        <p:txBody>
+          <a:bodyPr/>
+          <a:lstStyle/>
+          <a:p>
+            <a:fld id="{D6591E97-2355-4C5F-BA98-15BCC4DBE61A}" type="slidenum">
+              <a:rPr altLang="en-US" kumimoji="1" lang="ja-JP" smtClean="0"/>
+              <a:t>‹#›</a:t>
+            </a:fld>
+            <a:endParaRPr altLang="en-US" kumimoji="1" lang="ja-JP"/>
+          </a:p>
+        </p:txBody>
+      </p:sp>
+    </p:spTree>
+  </p:cSld>
+</p:sld>
+</file>
+
+<file path=ppt/slides/slide13.xml><?xml version="1.0" encoding="utf-8"?>
+<p:sld xmlns:a="http://schemas.openxmlformats.org/drawingml/2006/main" xmlns:r="http://schemas.openxmlformats.org/officeDocument/2006/relationships" xmlns:p="http://schemas.openxmlformats.org/presentationml/2006/main">
+  <p:cSld>
+    <p:spTree>
+      <p:nvGrpSpPr>
+        <p:cNvPr id="1" name=""/>
+        <p:cNvGrpSpPr/>
+        <p:nvPr/>
+      </p:nvGrpSpPr>
+      <p:grpSpPr>
+        <a:xfrm>
+          <a:off x="0" y="0"/>
+          <a:ext cx="0" cy="0"/>
+          <a:chOff x="0" y="0"/>
+          <a:chExt cx="0" cy="0"/>
+        </a:xfrm>
+      </p:grpSpPr>
       <p:sp>
         <p:nvSpPr>
           <p:cNvPr id="3" name="コンテンツ プレースホルダー 2"/>
@@ -4094,74 +4848,67 @@
             <a:pPr lvl="0"/>
             <a:r>
               <a:rPr/>
-              <a:t>粘性による流体の分類</a:t>
-            </a:r>
-          </a:p>
-          <a:p>
-            <a:pPr lvl="1"/>
-            <a:r>
-              <a:rPr/>
               <a:t>ニュートン流体</a:t>
             </a:r>
           </a:p>
           <a:p>
-            <a:pPr lvl="1"/>
+            <a:pPr lvl="0"/>
             <a:r>
               <a:rPr/>
               <a:t>非ニュートン流体</a:t>
             </a:r>
           </a:p>
           <a:p>
-            <a:pPr lvl="2"/>
+            <a:pPr lvl="1"/>
             <a:r>
               <a:rPr/>
               <a:t>ニュートンの粘性法則に従わない流体</a:t>
             </a:r>
           </a:p>
           <a:p>
-            <a:pPr lvl="2"/>
+            <a:pPr lvl="1"/>
             <a:r>
               <a:rPr/>
               <a:t>速度勾配により粘度が異なる</a:t>
             </a:r>
           </a:p>
           <a:p>
-            <a:pPr lvl="1"/>
+            <a:pPr lvl="0"/>
             <a:r>
               <a:rPr/>
               <a:t>ダイタラント流体</a:t>
             </a:r>
           </a:p>
           <a:p>
-            <a:pPr lvl="2"/>
+            <a:pPr lvl="1"/>
             <a:r>
               <a:rPr/>
               <a:t>下に凸 ミルクチョコレート、波打ち際の砂など</a:t>
             </a:r>
           </a:p>
           <a:p>
-            <a:pPr lvl="1"/>
+            <a:pPr lvl="0"/>
             <a:r>
               <a:rPr/>
               <a:t>擬塑性流体</a:t>
             </a:r>
           </a:p>
           <a:p>
-            <a:pPr lvl="2"/>
+            <a:pPr lvl="1"/>
             <a:r>
               <a:rPr/>
               <a:t>上に凸 濃縮ジュース、マヨネーズなど</a:t>
             </a:r>
           </a:p>
           <a:p>
-            <a:pPr lvl="1"/>
+            <a:pPr lvl="0"/>
             <a:r>
               <a:rPr/>
               <a:t>ビンガム流体</a:t>
             </a:r>
           </a:p>
           <a:p>
-            <a:pPr lvl="2"/>
+            <a:pPr lvl="1"/>
             <a:r>
               <a:rPr/>
               <a:t>ケチャップなど</a:t>
@@ -4257,7 +5004,7 @@
 </p:sld>
 </file>
 
-<file path=ppt/slides/slide12.xml><?xml version="1.0" encoding="utf-8"?>
+<file path=ppt/slides/slide14.xml><?xml version="1.0" encoding="utf-8"?>
 <p:sld xmlns:a="http://schemas.openxmlformats.org/drawingml/2006/main" xmlns:r="http://schemas.openxmlformats.org/officeDocument/2006/relationships" xmlns:p="http://schemas.openxmlformats.org/presentationml/2006/main">
   <p:cSld>
     <p:spTree>
@@ -4276,12 +5023,12 @@
       </p:grpSpPr>
       <p:sp>
         <p:nvSpPr>
-          <p:cNvPr id="2" name="タイトル 1"/>
+          <p:cNvPr id="3" name="コンテンツ プレースホルダー 2"/>
           <p:cNvSpPr>
             <a:spLocks noGrp="1"/>
           </p:cNvSpPr>
           <p:nvPr>
-            <p:ph type="title"/>
+            <p:ph idx="1"/>
           </p:nvPr>
         </p:nvSpPr>
         <p:spPr/>
@@ -4290,15 +5037,63 @@
           <a:lstStyle/>
           <a:p>
             <a:pPr lvl="0" indent="0" marL="0">
+              <a:spcBef>
+                <a:spcPts val="3000"/>
+              </a:spcBef>
               <a:buNone/>
             </a:pPr>
             <a:r>
-              <a:rPr/>
-              <a:t>流体の諸性質8</a:t>
+              <a:rPr b="1"/>
+              <a:t>表面張力</a:t>
             </a:r>
           </a:p>
         </p:txBody>
       </p:sp>
+      <p:sp>
+        <p:nvSpPr>
+          <p:cNvPr id="6" name="スライド番号プレースホルダー 5"/>
+          <p:cNvSpPr>
+            <a:spLocks noGrp="1"/>
+          </p:cNvSpPr>
+          <p:nvPr>
+            <p:ph idx="12" sz="quarter" type="sldNum"/>
+          </p:nvPr>
+        </p:nvSpPr>
+        <p:spPr/>
+        <p:txBody>
+          <a:bodyPr/>
+          <a:lstStyle/>
+          <a:p>
+            <a:fld id="{D6591E97-2355-4C5F-BA98-15BCC4DBE61A}" type="slidenum">
+              <a:rPr altLang="en-US" kumimoji="1" lang="ja-JP" smtClean="0"/>
+              <a:t>‹#›</a:t>
+            </a:fld>
+            <a:endParaRPr altLang="en-US" kumimoji="1" lang="ja-JP"/>
+          </a:p>
+        </p:txBody>
+      </p:sp>
+    </p:spTree>
+  </p:cSld>
+</p:sld>
+</file>
+
+<file path=ppt/slides/slide15.xml><?xml version="1.0" encoding="utf-8"?>
+<p:sld xmlns:a="http://schemas.openxmlformats.org/drawingml/2006/main" xmlns:r="http://schemas.openxmlformats.org/officeDocument/2006/relationships" xmlns:p="http://schemas.openxmlformats.org/presentationml/2006/main">
+  <p:cSld>
+    <p:spTree>
+      <p:nvGrpSpPr>
+        <p:cNvPr id="1" name=""/>
+        <p:cNvGrpSpPr/>
+        <p:nvPr/>
+      </p:nvGrpSpPr>
+      <p:grpSpPr>
+        <a:xfrm>
+          <a:off x="0" y="0"/>
+          <a:ext cx="0" cy="0"/>
+          <a:chOff x="0" y="0"/>
+          <a:chExt cx="0" cy="0"/>
+        </a:xfrm>
+      </p:grpSpPr>
       <mc:AlternateContent xmlns:mc="http://schemas.openxmlformats.org/markup-compatibility/2006">
         <mc:Choice xmlns:a14="http://schemas.microsoft.com/office/drawing/2010/main" Requires="a14">
           <p:sp>
@@ -4315,15 +5110,6 @@
             <p:txBody>
               <a:bodyPr/>
               <a:lstStyle/>
-              <a:p>
-                <a:pPr lvl="0" indent="-342900" marL="342900">
-                  <a:buAutoNum type="arabicPeriod"/>
-                </a:pPr>
-                <a:r>
-                  <a:rPr/>
-                  <a:t>表面張力</a:t>
-                </a:r>
-              </a:p>
               <a:p>
                 <a:pPr lvl="0"/>
                 <a:r>
@@ -4813,7 +5599,7 @@
 </p:sld>
 </file>
 
-<file path=ppt/slides/slide13.xml><?xml version="1.0" encoding="utf-8"?>
+<file path=ppt/slides/slide16.xml><?xml version="1.0" encoding="utf-8"?>
 <p:sld xmlns:a="http://schemas.openxmlformats.org/drawingml/2006/main" xmlns:r="http://schemas.openxmlformats.org/officeDocument/2006/relationships" xmlns:p="http://schemas.openxmlformats.org/presentationml/2006/main">
   <p:cSld>
     <p:spTree>
@@ -4832,12 +5618,12 @@
       </p:grpSpPr>
       <p:sp>
         <p:nvSpPr>
-          <p:cNvPr id="2" name="タイトル 1"/>
+          <p:cNvPr id="3" name="コンテンツ プレースホルダー 2"/>
           <p:cNvSpPr>
             <a:spLocks noGrp="1"/>
           </p:cNvSpPr>
           <p:nvPr>
-            <p:ph type="title"/>
+            <p:ph idx="1"/>
           </p:nvPr>
         </p:nvSpPr>
         <p:spPr/>
@@ -4846,15 +5632,63 @@
           <a:lstStyle/>
           <a:p>
             <a:pPr lvl="0" indent="0" marL="0">
+              <a:spcBef>
+                <a:spcPts val="3000"/>
+              </a:spcBef>
               <a:buNone/>
             </a:pPr>
             <a:r>
-              <a:rPr/>
-              <a:t>流体の諸性質9</a:t>
+              <a:rPr b="1"/>
+              <a:t>毛管現象</a:t>
             </a:r>
           </a:p>
         </p:txBody>
       </p:sp>
+      <p:sp>
+        <p:nvSpPr>
+          <p:cNvPr id="6" name="スライド番号プレースホルダー 5"/>
+          <p:cNvSpPr>
+            <a:spLocks noGrp="1"/>
+          </p:cNvSpPr>
+          <p:nvPr>
+            <p:ph idx="12" sz="quarter" type="sldNum"/>
+          </p:nvPr>
+        </p:nvSpPr>
+        <p:spPr/>
+        <p:txBody>
+          <a:bodyPr/>
+          <a:lstStyle/>
+          <a:p>
+            <a:fld id="{D6591E97-2355-4C5F-BA98-15BCC4DBE61A}" type="slidenum">
+              <a:rPr altLang="en-US" kumimoji="1" lang="ja-JP" smtClean="0"/>
+              <a:t>‹#›</a:t>
+            </a:fld>
+            <a:endParaRPr altLang="en-US" kumimoji="1" lang="ja-JP"/>
+          </a:p>
+        </p:txBody>
+      </p:sp>
+    </p:spTree>
+  </p:cSld>
+</p:sld>
+</file>
+
+<file path=ppt/slides/slide17.xml><?xml version="1.0" encoding="utf-8"?>
+<p:sld xmlns:a="http://schemas.openxmlformats.org/drawingml/2006/main" xmlns:r="http://schemas.openxmlformats.org/officeDocument/2006/relationships" xmlns:p="http://schemas.openxmlformats.org/presentationml/2006/main">
+  <p:cSld>
+    <p:spTree>
+      <p:nvGrpSpPr>
+        <p:cNvPr id="1" name=""/>
+        <p:cNvGrpSpPr/>
+        <p:nvPr/>
+      </p:nvGrpSpPr>
+      <p:grpSpPr>
+        <a:xfrm>
+          <a:off x="0" y="0"/>
+          <a:ext cx="0" cy="0"/>
+          <a:chOff x="0" y="0"/>
+          <a:chExt cx="0" cy="0"/>
+        </a:xfrm>
+      </p:grpSpPr>
       <mc:AlternateContent xmlns:mc="http://schemas.openxmlformats.org/markup-compatibility/2006">
         <mc:Choice xmlns:a14="http://schemas.microsoft.com/office/drawing/2010/main" Requires="a14">
           <p:sp>
@@ -4875,18 +5709,11 @@
                 <a:pPr lvl="0"/>
                 <a:r>
                   <a:rPr/>
-                  <a:t>毛管現象</a:t>
-                </a:r>
-              </a:p>
-              <a:p>
-                <a:pPr lvl="1"/>
-                <a:r>
-                  <a:rPr/>
                   <a:t>細いガラス管を水中に立てると、管内の水面が上昇する現象</a:t>
                 </a:r>
               </a:p>
               <a:p>
-                <a:pPr lvl="1"/>
+                <a:pPr lvl="0"/>
                 <a:r>
                   <a:rPr/>
                   <a:t>液体の凝集力と壁面への付着力の大小関係により上昇が下降かが決まる</a:t>
@@ -4922,7 +5749,7 @@
                 </a:r>
               </a:p>
               <a:p>
-                <a:pPr lvl="1"/>
+                <a:pPr lvl="0"/>
                 <a:r>
                   <a:rPr/>
                   <a:t>液体の密度 </a:t>
@@ -4962,7 +5789,7 @@
                 </a:r>
               </a:p>
               <a:p>
-                <a:pPr lvl="1"/>
+                <a:pPr lvl="0"/>
                 <a14:m>
                   <m:oMathPara xmlns:m="http://schemas.openxmlformats.org/officeDocument/2006/math">
                     <m:oMathParaPr>
@@ -5034,14 +5861,14 @@
                 </a14:m>
               </a:p>
               <a:p>
-                <a:pPr lvl="1"/>
+                <a:pPr lvl="0"/>
                 <a:r>
                   <a:rPr/>
                   <a:t>液面の高さは</a:t>
                 </a:r>
               </a:p>
               <a:p>
-                <a:pPr lvl="1"/>
+                <a:pPr lvl="0"/>
                 <a14:m>
                   <m:oMathPara xmlns:m="http://schemas.openxmlformats.org/officeDocument/2006/math">
                     <m:oMathParaPr>
@@ -5095,25 +5922,25 @@
                 </a14:m>
               </a:p>
               <a:p>
+                <a:pPr lvl="0"/>
+                <a:r>
+                  <a:rPr/>
+                  <a:t>接触角 </a:t>
+                </a:r>
+                <a14:m>
+                  <m:oMath xmlns:m="http://schemas.openxmlformats.org/officeDocument/2006/math">
+                    <m:r>
+                      <m:t>θ</m:t>
+                    </m:r>
+                  </m:oMath>
+                </a14:m>
+                <a:r>
+                  <a:rPr/>
+                  <a:t> の値</a:t>
+                </a:r>
+              </a:p>
+              <a:p>
                 <a:pPr lvl="1"/>
-                <a:r>
-                  <a:rPr/>
-                  <a:t>接触角 </a:t>
-                </a:r>
-                <a14:m>
-                  <m:oMath xmlns:m="http://schemas.openxmlformats.org/officeDocument/2006/math">
-                    <m:r>
-                      <m:t>θ</m:t>
-                    </m:r>
-                  </m:oMath>
-                </a14:m>
-                <a:r>
-                  <a:rPr/>
-                  <a:t> の値</a:t>
-                </a:r>
-              </a:p>
-              <a:p>
-                <a:pPr lvl="2"/>
                 <a:r>
                   <a:rPr/>
                   <a:t>水の場合にはほぼ </a:t>
@@ -5143,7 +5970,7 @@
                 </a:r>
               </a:p>
               <a:p>
-                <a:pPr lvl="2"/>
+                <a:pPr lvl="1"/>
                 <a:r>
                   <a:rPr/>
                   <a:t>水銀の場合には約 </a:t>
@@ -5264,7 +6091,492 @@
 </p:sld>
 </file>
 
-<file path=ppt/slides/slide14.xml><?xml version="1.0" encoding="utf-8"?>
+<file path=ppt/slides/slide18.xml><?xml version="1.0" encoding="utf-8"?>
+<p:sld xmlns:a="http://schemas.openxmlformats.org/drawingml/2006/main" xmlns:r="http://schemas.openxmlformats.org/officeDocument/2006/relationships" xmlns:p="http://schemas.openxmlformats.org/presentationml/2006/main">
+  <p:cSld>
+    <p:spTree>
+      <p:nvGrpSpPr>
+        <p:cNvPr id="1" name=""/>
+        <p:cNvGrpSpPr/>
+        <p:nvPr/>
+      </p:nvGrpSpPr>
+      <p:grpSpPr>
+        <a:xfrm>
+          <a:off x="0" y="0"/>
+          <a:ext cx="0" cy="0"/>
+          <a:chOff x="0" y="0"/>
+          <a:chExt cx="0" cy="0"/>
+        </a:xfrm>
+      </p:grpSpPr>
+      <p:sp>
+        <p:nvSpPr>
+          <p:cNvPr id="2" name="タイトル 1"/>
+          <p:cNvSpPr>
+            <a:spLocks noGrp="1"/>
+          </p:cNvSpPr>
+          <p:nvPr>
+            <p:ph type="title"/>
+          </p:nvPr>
+        </p:nvSpPr>
+        <p:spPr/>
+        <p:txBody>
+          <a:bodyPr/>
+          <a:lstStyle/>
+          <a:p>
+            <a:pPr lvl="0" indent="0" marL="0">
+              <a:buNone/>
+            </a:pPr>
+            <a:r>
+              <a:rPr/>
+              <a:t>静止流体の力学</a:t>
+            </a:r>
+          </a:p>
+        </p:txBody>
+      </p:sp>
+      <p:sp>
+        <p:nvSpPr>
+          <p:cNvPr id="6" name="スライド番号プレースホルダー 5"/>
+          <p:cNvSpPr>
+            <a:spLocks noGrp="1"/>
+          </p:cNvSpPr>
+          <p:nvPr>
+            <p:ph idx="12" sz="quarter" type="sldNum"/>
+          </p:nvPr>
+        </p:nvSpPr>
+        <p:spPr/>
+        <p:txBody>
+          <a:bodyPr/>
+          <a:lstStyle/>
+          <a:p>
+            <a:fld id="{D6591E97-2355-4C5F-BA98-15BCC4DBE61A}" type="slidenum">
+              <a:rPr altLang="en-US" kumimoji="1" lang="ja-JP" smtClean="0"/>
+              <a:t>‹#›</a:t>
+            </a:fld>
+            <a:endParaRPr altLang="en-US" kumimoji="1" lang="ja-JP"/>
+          </a:p>
+        </p:txBody>
+      </p:sp>
+    </p:spTree>
+  </p:cSld>
+</p:sld>
+</file>
+
+<file path=ppt/slides/slide19.xml><?xml version="1.0" encoding="utf-8"?>
+<p:sld xmlns:a="http://schemas.openxmlformats.org/drawingml/2006/main" xmlns:r="http://schemas.openxmlformats.org/officeDocument/2006/relationships" xmlns:p="http://schemas.openxmlformats.org/presentationml/2006/main">
+  <p:cSld>
+    <p:spTree>
+      <p:nvGrpSpPr>
+        <p:cNvPr id="1" name=""/>
+        <p:cNvGrpSpPr/>
+        <p:nvPr/>
+      </p:nvGrpSpPr>
+      <p:grpSpPr>
+        <a:xfrm>
+          <a:off x="0" y="0"/>
+          <a:ext cx="0" cy="0"/>
+          <a:chOff x="0" y="0"/>
+          <a:chExt cx="0" cy="0"/>
+        </a:xfrm>
+      </p:grpSpPr>
+      <mc:AlternateContent xmlns:mc="http://schemas.openxmlformats.org/markup-compatibility/2006">
+        <mc:Choice xmlns:a14="http://schemas.microsoft.com/office/drawing/2010/main" Requires="a14">
+          <p:sp>
+            <p:nvSpPr>
+              <p:cNvPr id="3" name="コンテンツ プレースホルダー 2"/>
+              <p:cNvSpPr>
+                <a:spLocks noGrp="1"/>
+              </p:cNvSpPr>
+              <p:nvPr>
+                <p:ph idx="1"/>
+              </p:nvPr>
+            </p:nvSpPr>
+            <p:spPr/>
+            <p:txBody>
+              <a:bodyPr/>
+              <a:lstStyle/>
+              <a:p>
+                <a:pPr lvl="0" indent="0" marL="0">
+                  <a:spcBef>
+                    <a:spcPts val="3000"/>
+                  </a:spcBef>
+                  <a:buNone/>
+                </a:pPr>
+                <a:r>
+                  <a:rPr b="1"/>
+                  <a:t>圧力の等方性</a:t>
+                </a:r>
+              </a:p>
+              <a:p>
+                <a:pPr lvl="0"/>
+                <a:r>
+                  <a:rPr/>
+                  <a:t>静止流体中では任意の1点における圧力はあらゆる方向に等しい</a:t>
+                </a:r>
+              </a:p>
+              <a:p>
+                <a:pPr lvl="0"/>
+                <a:r>
+                  <a:rPr/>
+                  <a:t>流体中の1点を通る微小平面 </a:t>
+                </a:r>
+                <a14:m>
+                  <m:oMath xmlns:m="http://schemas.openxmlformats.org/officeDocument/2006/math">
+                    <m:r>
+                      <m:t>Δ</m:t>
+                    </m:r>
+                    <m:r>
+                      <m:t>A</m:t>
+                    </m:r>
+                  </m:oMath>
+                </a14:m>
+                <a:r>
+                  <a:rPr/>
+                  <a:t> の圧力は以下の式で定義される</a:t>
+                </a:r>
+              </a:p>
+              <a:p>
+                <a:pPr lvl="0"/>
+                <a14:m>
+                  <m:oMathPara xmlns:m="http://schemas.openxmlformats.org/officeDocument/2006/math">
+                    <m:oMathParaPr>
+                      <m:jc m:val="center"/>
+                    </m:oMathParaPr>
+                    <m:oMath>
+                      <m:r>
+                        <m:t>p</m:t>
+                      </m:r>
+                      <m:r>
+                        <m:rPr>
+                          <m:sty m:val="p"/>
+                        </m:rPr>
+                        <m:t>≡</m:t>
+                      </m:r>
+                      <m:limLow>
+                        <m:e>
+                          <m:r>
+                            <m:rPr>
+                              <m:sty m:val="p"/>
+                            </m:rPr>
+                            <m:t>lim</m:t>
+                          </m:r>
+                        </m:e>
+                        <m:lim>
+                          <m:r>
+                            <m:t>Δ</m:t>
+                          </m:r>
+                          <m:r>
+                            <m:t>A</m:t>
+                          </m:r>
+                          <m:r>
+                            <m:rPr>
+                              <m:sty m:val="p"/>
+                            </m:rPr>
+                            <m:t>→</m:t>
+                          </m:r>
+                          <m:r>
+                            <m:t>0</m:t>
+                          </m:r>
+                        </m:lim>
+                      </m:limLow>
+                      <m:f>
+                        <m:fPr>
+                          <m:type m:val="bar"/>
+                        </m:fPr>
+                        <m:num>
+                          <m:r>
+                            <m:t>Δ</m:t>
+                          </m:r>
+                          <m:r>
+                            <m:t>F</m:t>
+                          </m:r>
+                        </m:num>
+                        <m:den>
+                          <m:r>
+                            <m:t>Δ</m:t>
+                          </m:r>
+                          <m:r>
+                            <m:t>A</m:t>
+                          </m:r>
+                        </m:den>
+                      </m:f>
+                    </m:oMath>
+                  </m:oMathPara>
+                </a14:m>
+              </a:p>
+              <a:p>
+                <a:pPr lvl="1"/>
+                <a:r>
+                  <a:rPr/>
+                  <a:t>圧力の単位</a:t>
+                </a:r>
+              </a:p>
+              <a:p>
+                <a:pPr lvl="2"/>
+                <a14:m>
+                  <m:oMath xmlns:m="http://schemas.openxmlformats.org/officeDocument/2006/math">
+                    <m:d>
+                      <m:dPr>
+                        <m:begChr m:val="["/>
+                        <m:endChr m:val="]"/>
+                        <m:sepChr m:val=""/>
+                        <m:grow/>
+                      </m:dPr>
+                      <m:e>
+                        <m:r>
+                          <m:t>N</m:t>
+                        </m:r>
+                        <m:r>
+                          <m:rPr>
+                            <m:sty m:val="p"/>
+                          </m:rPr>
+                          <m:t>/</m:t>
+                        </m:r>
+                        <m:sSup>
+                          <m:e>
+                            <m:r>
+                              <m:t>m</m:t>
+                            </m:r>
+                          </m:e>
+                          <m:sup>
+                            <m:r>
+                              <m:t>2</m:t>
+                            </m:r>
+                          </m:sup>
+                        </m:sSup>
+                      </m:e>
+                    </m:d>
+                    <m:r>
+                      <m:rPr>
+                        <m:sty m:val="p"/>
+                      </m:rPr>
+                      <m:t>=</m:t>
+                    </m:r>
+                    <m:d>
+                      <m:dPr>
+                        <m:begChr m:val="["/>
+                        <m:endChr m:val="]"/>
+                        <m:sepChr m:val=""/>
+                        <m:grow/>
+                      </m:dPr>
+                      <m:e>
+                        <m:r>
+                          <m:t>P</m:t>
+                        </m:r>
+                        <m:r>
+                          <m:t>a</m:t>
+                        </m:r>
+                      </m:e>
+                    </m:d>
+                  </m:oMath>
+                </a14:m>
+              </a:p>
+              <a:p>
+                <a:pPr lvl="2"/>
+                <a14:m>
+                  <m:oMath xmlns:m="http://schemas.openxmlformats.org/officeDocument/2006/math">
+                    <m:d>
+                      <m:dPr>
+                        <m:begChr m:val="["/>
+                        <m:endChr m:val="]"/>
+                        <m:sepChr m:val=""/>
+                        <m:grow/>
+                      </m:dPr>
+                      <m:e>
+                        <m:r>
+                          <m:t>k</m:t>
+                        </m:r>
+                        <m:r>
+                          <m:t>g</m:t>
+                        </m:r>
+                        <m:r>
+                          <m:t>f</m:t>
+                        </m:r>
+                        <m:r>
+                          <m:rPr>
+                            <m:sty m:val="p"/>
+                          </m:rPr>
+                          <m:t>/</m:t>
+                        </m:r>
+                        <m:r>
+                          <m:t>c</m:t>
+                        </m:r>
+                        <m:sSup>
+                          <m:e>
+                            <m:r>
+                              <m:t>m</m:t>
+                            </m:r>
+                          </m:e>
+                          <m:sup>
+                            <m:r>
+                              <m:t>2</m:t>
+                            </m:r>
+                          </m:sup>
+                        </m:sSup>
+                      </m:e>
+                    </m:d>
+                    <m:r>
+                      <m:rPr>
+                        <m:sty m:val="p"/>
+                      </m:rPr>
+                      <m:t>,</m:t>
+                    </m:r>
+                    <m:d>
+                      <m:dPr>
+                        <m:begChr m:val="["/>
+                        <m:endChr m:val="]"/>
+                        <m:sepChr m:val=""/>
+                        <m:grow/>
+                      </m:dPr>
+                      <m:e>
+                        <m:r>
+                          <m:t>m</m:t>
+                        </m:r>
+                        <m:r>
+                          <m:t>m</m:t>
+                        </m:r>
+                        <m:r>
+                          <m:t>A</m:t>
+                        </m:r>
+                        <m:r>
+                          <m:t>g</m:t>
+                        </m:r>
+                      </m:e>
+                    </m:d>
+                    <m:r>
+                      <m:rPr>
+                        <m:sty m:val="p"/>
+                      </m:rPr>
+                      <m:t>,</m:t>
+                    </m:r>
+                    <m:d>
+                      <m:dPr>
+                        <m:begChr m:val="["/>
+                        <m:endChr m:val="]"/>
+                        <m:sepChr m:val=""/>
+                        <m:grow/>
+                      </m:dPr>
+                      <m:e>
+                        <m:r>
+                          <m:t>m</m:t>
+                        </m:r>
+                        <m:r>
+                          <m:t>m</m:t>
+                        </m:r>
+                        <m:r>
+                          <m:t>H</m:t>
+                        </m:r>
+                        <m:r>
+                          <m:t>g</m:t>
+                        </m:r>
+                      </m:e>
+                    </m:d>
+                    <m:r>
+                      <m:rPr>
+                        <m:sty m:val="p"/>
+                      </m:rPr>
+                      <m:t>,</m:t>
+                    </m:r>
+                    <m:d>
+                      <m:dPr>
+                        <m:begChr m:val="["/>
+                        <m:endChr m:val="]"/>
+                        <m:sepChr m:val=""/>
+                        <m:grow/>
+                      </m:dPr>
+                      <m:e>
+                        <m:r>
+                          <m:t>b</m:t>
+                        </m:r>
+                        <m:r>
+                          <m:t>a</m:t>
+                        </m:r>
+                        <m:r>
+                          <m:t>r</m:t>
+                        </m:r>
+                      </m:e>
+                    </m:d>
+                  </m:oMath>
+                </a14:m>
+              </a:p>
+              <a:p>
+                <a:pPr lvl="1"/>
+                <a:r>
+                  <a:rPr/>
+                  <a:t>圧力の表し方</a:t>
+                </a:r>
+              </a:p>
+              <a:p>
+                <a:pPr lvl="2"/>
+                <a:r>
+                  <a:rPr/>
+                  <a:t>絶対圧 : 絶対真空（完全真空）を基準として表した圧力</a:t>
+                </a:r>
+              </a:p>
+              <a:p>
+                <a:pPr lvl="2"/>
+                <a:r>
+                  <a:rPr/>
+                  <a:t>ゲージ圧 : 周囲の圧力を基準として表し、通常大気圧が基準で </a:t>
+                </a:r>
+                <a14:m>
+                  <m:oMath xmlns:m="http://schemas.openxmlformats.org/officeDocument/2006/math">
+                    <m:r>
+                      <m:t>1.013</m:t>
+                    </m:r>
+                    <m:r>
+                      <m:rPr>
+                        <m:sty m:val="p"/>
+                      </m:rPr>
+                      <m:t>×</m:t>
+                    </m:r>
+                    <m:sSup>
+                      <m:e>
+                        <m:r>
+                          <m:t>10</m:t>
+                        </m:r>
+                      </m:e>
+                      <m:sup>
+                        <m:r>
+                          <m:t>5</m:t>
+                        </m:r>
+                      </m:sup>
+                    </m:sSup>
+                  </m:oMath>
+                </a14:m>
+              </a:p>
+            </p:txBody>
+          </p:sp>
+        </mc:Choice>
+      </mc:AlternateContent>
+      <p:sp>
+        <p:nvSpPr>
+          <p:cNvPr id="6" name="スライド番号プレースホルダー 5"/>
+          <p:cNvSpPr>
+            <a:spLocks noGrp="1"/>
+          </p:cNvSpPr>
+          <p:nvPr>
+            <p:ph idx="12" sz="quarter" type="sldNum"/>
+          </p:nvPr>
+        </p:nvSpPr>
+        <p:spPr/>
+        <p:txBody>
+          <a:bodyPr/>
+          <a:lstStyle/>
+          <a:p>
+            <a:fld id="{D6591E97-2355-4C5F-BA98-15BCC4DBE61A}" type="slidenum">
+              <a:rPr altLang="en-US" kumimoji="1" lang="ja-JP" smtClean="0"/>
+              <a:t>‹#›</a:t>
+            </a:fld>
+            <a:endParaRPr altLang="en-US" kumimoji="1" lang="ja-JP"/>
+          </a:p>
+        </p:txBody>
+      </p:sp>
+    </p:spTree>
+  </p:cSld>
+</p:sld>
+</file>
+
+<file path=ppt/slides/slide2.xml><?xml version="1.0" encoding="utf-8"?>
 <p:sld xmlns:a="http://schemas.openxmlformats.org/drawingml/2006/main" xmlns:r="http://schemas.openxmlformats.org/officeDocument/2006/relationships" xmlns:p="http://schemas.openxmlformats.org/presentationml/2006/main">
   <p:cSld>
     <p:spTree>
@@ -5306,7 +6618,7 @@
             </a:pPr>
             <a:r>
               <a:rPr/>
-              <a:t>静止流体の力学</a:t>
+              <a:t>流体力学の基礎</a:t>
             </a:r>
           </a:p>
         </p:txBody>
@@ -5339,7 +6651,7 @@
 </p:sld>
 </file>
 
-<file path=ppt/slides/slide15.xml><?xml version="1.0" encoding="utf-8"?>
+<file path=ppt/slides/slide20.xml><?xml version="1.0" encoding="utf-8"?>
 <p:sld xmlns:a="http://schemas.openxmlformats.org/drawingml/2006/main" xmlns:r="http://schemas.openxmlformats.org/officeDocument/2006/relationships" xmlns:p="http://schemas.openxmlformats.org/presentationml/2006/main">
   <p:cSld>
     <p:spTree>
@@ -5358,12 +6670,12 @@
       </p:grpSpPr>
       <p:sp>
         <p:nvSpPr>
-          <p:cNvPr id="2" name="タイトル 1"/>
+          <p:cNvPr id="3" name="コンテンツ プレースホルダー 2"/>
           <p:cNvSpPr>
             <a:spLocks noGrp="1"/>
           </p:cNvSpPr>
           <p:nvPr>
-            <p:ph type="title"/>
+            <p:ph idx="1"/>
           </p:nvPr>
         </p:nvSpPr>
         <p:spPr/>
@@ -5372,382 +6684,18 @@
           <a:lstStyle/>
           <a:p>
             <a:pPr lvl="0" indent="0" marL="0">
+              <a:spcBef>
+                <a:spcPts val="3000"/>
+              </a:spcBef>
               <a:buNone/>
             </a:pPr>
             <a:r>
-              <a:rPr/>
-              <a:t>圧力の等方性 1</a:t>
+              <a:rPr b="1"/>
+              <a:t>圧力分布 1</a:t>
             </a:r>
           </a:p>
         </p:txBody>
       </p:sp>
-      <mc:AlternateContent xmlns:mc="http://schemas.openxmlformats.org/markup-compatibility/2006">
-        <mc:Choice xmlns:a14="http://schemas.microsoft.com/office/drawing/2010/main" Requires="a14">
-          <p:sp>
-            <p:nvSpPr>
-              <p:cNvPr id="3" name="コンテンツ プレースホルダー 2"/>
-              <p:cNvSpPr>
-                <a:spLocks noGrp="1"/>
-              </p:cNvSpPr>
-              <p:nvPr>
-                <p:ph idx="1"/>
-              </p:nvPr>
-            </p:nvSpPr>
-            <p:spPr/>
-            <p:txBody>
-              <a:bodyPr/>
-              <a:lstStyle/>
-              <a:p>
-                <a:pPr lvl="0" indent="-342900" marL="342900">
-                  <a:buAutoNum type="arabicPeriod"/>
-                </a:pPr>
-                <a:r>
-                  <a:rPr/>
-                  <a:t>圧力の等方性</a:t>
-                </a:r>
-              </a:p>
-              <a:p>
-                <a:pPr lvl="0"/>
-                <a:r>
-                  <a:rPr/>
-                  <a:t>静止流体中では任意の1点における圧力はあらゆる方向に等しい</a:t>
-                </a:r>
-              </a:p>
-              <a:p>
-                <a:pPr lvl="0"/>
-                <a:r>
-                  <a:rPr/>
-                  <a:t>流体中の1点を通る微小平面 </a:t>
-                </a:r>
-                <a14:m>
-                  <m:oMath xmlns:m="http://schemas.openxmlformats.org/officeDocument/2006/math">
-                    <m:r>
-                      <m:t>Δ</m:t>
-                    </m:r>
-                    <m:r>
-                      <m:t>A</m:t>
-                    </m:r>
-                  </m:oMath>
-                </a14:m>
-                <a:r>
-                  <a:rPr/>
-                  <a:t> の圧力は以下の式で定義される</a:t>
-                </a:r>
-              </a:p>
-              <a:p>
-                <a:pPr lvl="0"/>
-                <a14:m>
-                  <m:oMathPara xmlns:m="http://schemas.openxmlformats.org/officeDocument/2006/math">
-                    <m:oMathParaPr>
-                      <m:jc m:val="center"/>
-                    </m:oMathParaPr>
-                    <m:oMath>
-                      <m:r>
-                        <m:t>p</m:t>
-                      </m:r>
-                      <m:r>
-                        <m:rPr>
-                          <m:sty m:val="p"/>
-                        </m:rPr>
-                        <m:t>≡</m:t>
-                      </m:r>
-                      <m:limLow>
-                        <m:e>
-                          <m:r>
-                            <m:rPr>
-                              <m:sty m:val="p"/>
-                            </m:rPr>
-                            <m:t>lim</m:t>
-                          </m:r>
-                        </m:e>
-                        <m:lim>
-                          <m:r>
-                            <m:t>Δ</m:t>
-                          </m:r>
-                          <m:r>
-                            <m:t>A</m:t>
-                          </m:r>
-                          <m:r>
-                            <m:rPr>
-                              <m:sty m:val="p"/>
-                            </m:rPr>
-                            <m:t>→</m:t>
-                          </m:r>
-                          <m:r>
-                            <m:t>0</m:t>
-                          </m:r>
-                        </m:lim>
-                      </m:limLow>
-                      <m:f>
-                        <m:fPr>
-                          <m:type m:val="bar"/>
-                        </m:fPr>
-                        <m:num>
-                          <m:r>
-                            <m:t>Δ</m:t>
-                          </m:r>
-                          <m:r>
-                            <m:t>F</m:t>
-                          </m:r>
-                        </m:num>
-                        <m:den>
-                          <m:r>
-                            <m:t>Δ</m:t>
-                          </m:r>
-                          <m:r>
-                            <m:t>A</m:t>
-                          </m:r>
-                        </m:den>
-                      </m:f>
-                    </m:oMath>
-                  </m:oMathPara>
-                </a14:m>
-              </a:p>
-              <a:p>
-                <a:pPr lvl="1"/>
-                <a:r>
-                  <a:rPr/>
-                  <a:t>圧力の単位</a:t>
-                </a:r>
-              </a:p>
-              <a:p>
-                <a:pPr lvl="2"/>
-                <a14:m>
-                  <m:oMath xmlns:m="http://schemas.openxmlformats.org/officeDocument/2006/math">
-                    <m:d>
-                      <m:dPr>
-                        <m:begChr m:val="["/>
-                        <m:endChr m:val="]"/>
-                        <m:sepChr m:val=""/>
-                        <m:grow/>
-                      </m:dPr>
-                      <m:e>
-                        <m:r>
-                          <m:t>N</m:t>
-                        </m:r>
-                        <m:r>
-                          <m:rPr>
-                            <m:sty m:val="p"/>
-                          </m:rPr>
-                          <m:t>/</m:t>
-                        </m:r>
-                        <m:sSup>
-                          <m:e>
-                            <m:r>
-                              <m:t>m</m:t>
-                            </m:r>
-                          </m:e>
-                          <m:sup>
-                            <m:r>
-                              <m:t>2</m:t>
-                            </m:r>
-                          </m:sup>
-                        </m:sSup>
-                      </m:e>
-                    </m:d>
-                    <m:r>
-                      <m:rPr>
-                        <m:sty m:val="p"/>
-                      </m:rPr>
-                      <m:t>=</m:t>
-                    </m:r>
-                    <m:d>
-                      <m:dPr>
-                        <m:begChr m:val="["/>
-                        <m:endChr m:val="]"/>
-                        <m:sepChr m:val=""/>
-                        <m:grow/>
-                      </m:dPr>
-                      <m:e>
-                        <m:r>
-                          <m:t>P</m:t>
-                        </m:r>
-                        <m:r>
-                          <m:t>a</m:t>
-                        </m:r>
-                      </m:e>
-                    </m:d>
-                  </m:oMath>
-                </a14:m>
-              </a:p>
-              <a:p>
-                <a:pPr lvl="2"/>
-                <a14:m>
-                  <m:oMath xmlns:m="http://schemas.openxmlformats.org/officeDocument/2006/math">
-                    <m:d>
-                      <m:dPr>
-                        <m:begChr m:val="["/>
-                        <m:endChr m:val="]"/>
-                        <m:sepChr m:val=""/>
-                        <m:grow/>
-                      </m:dPr>
-                      <m:e>
-                        <m:r>
-                          <m:t>k</m:t>
-                        </m:r>
-                        <m:r>
-                          <m:t>g</m:t>
-                        </m:r>
-                        <m:r>
-                          <m:t>f</m:t>
-                        </m:r>
-                        <m:r>
-                          <m:rPr>
-                            <m:sty m:val="p"/>
-                          </m:rPr>
-                          <m:t>/</m:t>
-                        </m:r>
-                        <m:r>
-                          <m:t>c</m:t>
-                        </m:r>
-                        <m:sSup>
-                          <m:e>
-                            <m:r>
-                              <m:t>m</m:t>
-                            </m:r>
-                          </m:e>
-                          <m:sup>
-                            <m:r>
-                              <m:t>2</m:t>
-                            </m:r>
-                          </m:sup>
-                        </m:sSup>
-                      </m:e>
-                    </m:d>
-                    <m:r>
-                      <m:rPr>
-                        <m:sty m:val="p"/>
-                      </m:rPr>
-                      <m:t>,</m:t>
-                    </m:r>
-                    <m:d>
-                      <m:dPr>
-                        <m:begChr m:val="["/>
-                        <m:endChr m:val="]"/>
-                        <m:sepChr m:val=""/>
-                        <m:grow/>
-                      </m:dPr>
-                      <m:e>
-                        <m:r>
-                          <m:t>m</m:t>
-                        </m:r>
-                        <m:r>
-                          <m:t>m</m:t>
-                        </m:r>
-                        <m:r>
-                          <m:t>A</m:t>
-                        </m:r>
-                        <m:r>
-                          <m:t>g</m:t>
-                        </m:r>
-                      </m:e>
-                    </m:d>
-                    <m:r>
-                      <m:rPr>
-                        <m:sty m:val="p"/>
-                      </m:rPr>
-                      <m:t>,</m:t>
-                    </m:r>
-                    <m:d>
-                      <m:dPr>
-                        <m:begChr m:val="["/>
-                        <m:endChr m:val="]"/>
-                        <m:sepChr m:val=""/>
-                        <m:grow/>
-                      </m:dPr>
-                      <m:e>
-                        <m:r>
-                          <m:t>m</m:t>
-                        </m:r>
-                        <m:r>
-                          <m:t>m</m:t>
-                        </m:r>
-                        <m:r>
-                          <m:t>H</m:t>
-                        </m:r>
-                        <m:r>
-                          <m:t>g</m:t>
-                        </m:r>
-                      </m:e>
-                    </m:d>
-                    <m:r>
-                      <m:rPr>
-                        <m:sty m:val="p"/>
-                      </m:rPr>
-                      <m:t>,</m:t>
-                    </m:r>
-                    <m:d>
-                      <m:dPr>
-                        <m:begChr m:val="["/>
-                        <m:endChr m:val="]"/>
-                        <m:sepChr m:val=""/>
-                        <m:grow/>
-                      </m:dPr>
-                      <m:e>
-                        <m:r>
-                          <m:t>b</m:t>
-                        </m:r>
-                        <m:r>
-                          <m:t>a</m:t>
-                        </m:r>
-                        <m:r>
-                          <m:t>r</m:t>
-                        </m:r>
-                      </m:e>
-                    </m:d>
-                  </m:oMath>
-                </a14:m>
-              </a:p>
-              <a:p>
-                <a:pPr lvl="1"/>
-                <a:r>
-                  <a:rPr/>
-                  <a:t>圧力の表し方</a:t>
-                </a:r>
-              </a:p>
-              <a:p>
-                <a:pPr lvl="2"/>
-                <a:r>
-                  <a:rPr/>
-                  <a:t>絶対圧 : 絶対真空（完全真空）を基準として表した圧力</a:t>
-                </a:r>
-              </a:p>
-              <a:p>
-                <a:pPr lvl="2"/>
-                <a:r>
-                  <a:rPr/>
-                  <a:t>ゲージ圧 : 周囲の圧力を基準として表し、通常大気圧が基準で </a:t>
-                </a:r>
-                <a14:m>
-                  <m:oMath xmlns:m="http://schemas.openxmlformats.org/officeDocument/2006/math">
-                    <m:r>
-                      <m:t>1.013</m:t>
-                    </m:r>
-                    <m:r>
-                      <m:rPr>
-                        <m:sty m:val="p"/>
-                      </m:rPr>
-                      <m:t>×</m:t>
-                    </m:r>
-                    <m:sSup>
-                      <m:e>
-                        <m:r>
-                          <m:t>10</m:t>
-                        </m:r>
-                      </m:e>
-                      <m:sup>
-                        <m:r>
-                          <m:t>5</m:t>
-                        </m:r>
-                      </m:sup>
-                    </m:sSup>
-                  </m:oMath>
-                </a14:m>
-              </a:p>
-            </p:txBody>
-          </p:sp>
-        </mc:Choice>
-      </mc:AlternateContent>
       <p:sp>
         <p:nvSpPr>
           <p:cNvPr id="6" name="スライド番号プレースホルダー 5"/>
@@ -5776,7 +6724,7 @@
 </p:sld>
 </file>
 
-<file path=ppt/slides/slide16.xml><?xml version="1.0" encoding="utf-8"?>
+<file path=ppt/slides/slide21.xml><?xml version="1.0" encoding="utf-8"?>
 <p:sld xmlns:a="http://schemas.openxmlformats.org/drawingml/2006/main" xmlns:r="http://schemas.openxmlformats.org/officeDocument/2006/relationships" xmlns:p="http://schemas.openxmlformats.org/presentationml/2006/main">
   <p:cSld>
     <p:spTree>
@@ -5793,31 +6741,6 @@
           <a:chExt cx="0" cy="0"/>
         </a:xfrm>
       </p:grpSpPr>
-      <p:sp>
-        <p:nvSpPr>
-          <p:cNvPr id="2" name="タイトル 1"/>
-          <p:cNvSpPr>
-            <a:spLocks noGrp="1"/>
-          </p:cNvSpPr>
-          <p:nvPr>
-            <p:ph type="title"/>
-          </p:nvPr>
-        </p:nvSpPr>
-        <p:spPr/>
-        <p:txBody>
-          <a:bodyPr/>
-          <a:lstStyle/>
-          <a:p>
-            <a:pPr lvl="0" indent="0" marL="0">
-              <a:buNone/>
-            </a:pPr>
-            <a:r>
-              <a:rPr/>
-              <a:t>圧力分布 1</a:t>
-            </a:r>
-          </a:p>
-        </p:txBody>
-      </p:sp>
       <mc:AlternateContent xmlns:mc="http://schemas.openxmlformats.org/markup-compatibility/2006">
         <mc:Choice xmlns:a14="http://schemas.microsoft.com/office/drawing/2010/main" Requires="a14">
           <p:sp>
@@ -6966,7 +7889,7 @@
 </p:sld>
 </file>
 
-<file path=ppt/slides/slide17.xml><?xml version="1.0" encoding="utf-8"?>
+<file path=ppt/slides/slide22.xml><?xml version="1.0" encoding="utf-8"?>
 <p:sld xmlns:a="http://schemas.openxmlformats.org/drawingml/2006/main" xmlns:r="http://schemas.openxmlformats.org/officeDocument/2006/relationships" xmlns:p="http://schemas.openxmlformats.org/presentationml/2006/main">
   <p:cSld>
     <p:spTree>
@@ -6985,12 +7908,12 @@
       </p:grpSpPr>
       <p:sp>
         <p:nvSpPr>
-          <p:cNvPr id="2" name="タイトル 1"/>
+          <p:cNvPr id="3" name="コンテンツ プレースホルダー 2"/>
           <p:cNvSpPr>
             <a:spLocks noGrp="1"/>
           </p:cNvSpPr>
           <p:nvPr>
-            <p:ph type="title"/>
+            <p:ph idx="1"/>
           </p:nvPr>
         </p:nvSpPr>
         <p:spPr/>
@@ -6999,15 +7922,63 @@
           <a:lstStyle/>
           <a:p>
             <a:pPr lvl="0" indent="0" marL="0">
+              <a:spcBef>
+                <a:spcPts val="3000"/>
+              </a:spcBef>
               <a:buNone/>
             </a:pPr>
             <a:r>
-              <a:rPr/>
+              <a:rPr b="1"/>
               <a:t>圧力分布 2</a:t>
             </a:r>
           </a:p>
         </p:txBody>
       </p:sp>
+      <p:sp>
+        <p:nvSpPr>
+          <p:cNvPr id="6" name="スライド番号プレースホルダー 5"/>
+          <p:cNvSpPr>
+            <a:spLocks noGrp="1"/>
+          </p:cNvSpPr>
+          <p:nvPr>
+            <p:ph idx="12" sz="quarter" type="sldNum"/>
+          </p:nvPr>
+        </p:nvSpPr>
+        <p:spPr/>
+        <p:txBody>
+          <a:bodyPr/>
+          <a:lstStyle/>
+          <a:p>
+            <a:fld id="{D6591E97-2355-4C5F-BA98-15BCC4DBE61A}" type="slidenum">
+              <a:rPr altLang="en-US" kumimoji="1" lang="ja-JP" smtClean="0"/>
+              <a:t>‹#›</a:t>
+            </a:fld>
+            <a:endParaRPr altLang="en-US" kumimoji="1" lang="ja-JP"/>
+          </a:p>
+        </p:txBody>
+      </p:sp>
+    </p:spTree>
+  </p:cSld>
+</p:sld>
+</file>
+
+<file path=ppt/slides/slide23.xml><?xml version="1.0" encoding="utf-8"?>
+<p:sld xmlns:a="http://schemas.openxmlformats.org/drawingml/2006/main" xmlns:r="http://schemas.openxmlformats.org/officeDocument/2006/relationships" xmlns:p="http://schemas.openxmlformats.org/presentationml/2006/main">
+  <p:cSld>
+    <p:spTree>
+      <p:nvGrpSpPr>
+        <p:cNvPr id="1" name=""/>
+        <p:cNvGrpSpPr/>
+        <p:nvPr/>
+      </p:nvGrpSpPr>
+      <p:grpSpPr>
+        <a:xfrm>
+          <a:off x="0" y="0"/>
+          <a:ext cx="0" cy="0"/>
+          <a:chOff x="0" y="0"/>
+          <a:chExt cx="0" cy="0"/>
+        </a:xfrm>
+      </p:grpSpPr>
       <mc:AlternateContent xmlns:mc="http://schemas.openxmlformats.org/markup-compatibility/2006">
         <mc:Choice xmlns:a14="http://schemas.microsoft.com/office/drawing/2010/main" Requires="a14">
           <p:sp>
@@ -7191,7 +8162,7 @@
 </p:sld>
 </file>
 
-<file path=ppt/slides/slide18.xml><?xml version="1.0" encoding="utf-8"?>
+<file path=ppt/slides/slide24.xml><?xml version="1.0" encoding="utf-8"?>
 <p:sld xmlns:a="http://schemas.openxmlformats.org/drawingml/2006/main" xmlns:r="http://schemas.openxmlformats.org/officeDocument/2006/relationships" xmlns:p="http://schemas.openxmlformats.org/presentationml/2006/main">
   <p:cSld>
     <p:spTree>
@@ -7208,31 +8179,6 @@
           <a:chExt cx="0" cy="0"/>
         </a:xfrm>
       </p:grpSpPr>
-      <p:sp>
-        <p:nvSpPr>
-          <p:cNvPr id="2" name="タイトル 1"/>
-          <p:cNvSpPr>
-            <a:spLocks noGrp="1"/>
-          </p:cNvSpPr>
-          <p:nvPr>
-            <p:ph type="title"/>
-          </p:nvPr>
-        </p:nvSpPr>
-        <p:spPr/>
-        <p:txBody>
-          <a:bodyPr/>
-          <a:lstStyle/>
-          <a:p>
-            <a:pPr lvl="0" indent="0" marL="0">
-              <a:buNone/>
-            </a:pPr>
-            <a:r>
-              <a:rPr/>
-              <a:t>圧力分布 3</a:t>
-            </a:r>
-          </a:p>
-        </p:txBody>
-      </p:sp>
       <mc:AlternateContent xmlns:mc="http://schemas.openxmlformats.org/markup-compatibility/2006">
         <mc:Choice xmlns:a14="http://schemas.microsoft.com/office/drawing/2010/main" Requires="a14">
           <p:sp>
@@ -7249,6 +8195,18 @@
             <p:txBody>
               <a:bodyPr/>
               <a:lstStyle/>
+              <a:p>
+                <a:pPr lvl="0" indent="0" marL="0">
+                  <a:spcBef>
+                    <a:spcPts val="3000"/>
+                  </a:spcBef>
+                  <a:buNone/>
+                </a:pPr>
+                <a:r>
+                  <a:rPr b="1"/>
+                  <a:t>圧力分布 3</a:t>
+                </a:r>
+              </a:p>
               <a:p>
                 <a:pPr lvl="0"/>
                 <a:r>
@@ -8094,7 +9052,7 @@
 </p:sld>
 </file>
 
-<file path=ppt/slides/slide19.xml><?xml version="1.0" encoding="utf-8"?>
+<file path=ppt/slides/slide25.xml><?xml version="1.0" encoding="utf-8"?>
 <p:sld xmlns:a="http://schemas.openxmlformats.org/drawingml/2006/main" xmlns:r="http://schemas.openxmlformats.org/officeDocument/2006/relationships" xmlns:p="http://schemas.openxmlformats.org/presentationml/2006/main">
   <p:cSld>
     <p:spTree>
@@ -8111,31 +9069,6 @@
           <a:chExt cx="0" cy="0"/>
         </a:xfrm>
       </p:grpSpPr>
-      <p:sp>
-        <p:nvSpPr>
-          <p:cNvPr id="2" name="タイトル 1"/>
-          <p:cNvSpPr>
-            <a:spLocks noGrp="1"/>
-          </p:cNvSpPr>
-          <p:nvPr>
-            <p:ph type="title"/>
-          </p:nvPr>
-        </p:nvSpPr>
-        <p:spPr/>
-        <p:txBody>
-          <a:bodyPr/>
-          <a:lstStyle/>
-          <a:p>
-            <a:pPr lvl="0" indent="0" marL="0">
-              <a:buNone/>
-            </a:pPr>
-            <a:r>
-              <a:rPr/>
-              <a:t>圧力分布 4</a:t>
-            </a:r>
-          </a:p>
-        </p:txBody>
-      </p:sp>
       <mc:AlternateContent xmlns:mc="http://schemas.openxmlformats.org/markup-compatibility/2006">
         <mc:Choice xmlns:a14="http://schemas.microsoft.com/office/drawing/2010/main" Requires="a14">
           <p:sp>
@@ -8152,6 +9085,18 @@
             <p:txBody>
               <a:bodyPr/>
               <a:lstStyle/>
+              <a:p>
+                <a:pPr lvl="0" indent="0" marL="0">
+                  <a:spcBef>
+                    <a:spcPts val="3000"/>
+                  </a:spcBef>
+                  <a:buNone/>
+                </a:pPr>
+                <a:r>
+                  <a:rPr b="1"/>
+                  <a:t>圧力分布 4</a:t>
+                </a:r>
+              </a:p>
               <a:p>
                 <a:pPr lvl="0"/>
                 <a14:m>
@@ -8712,7 +9657,7 @@
 </p:sld>
 </file>
 
-<file path=ppt/slides/slide2.xml><?xml version="1.0" encoding="utf-8"?>
+<file path=ppt/slides/slide26.xml><?xml version="1.0" encoding="utf-8"?>
 <p:sld xmlns:a="http://schemas.openxmlformats.org/drawingml/2006/main" xmlns:r="http://schemas.openxmlformats.org/officeDocument/2006/relationships" xmlns:p="http://schemas.openxmlformats.org/presentationml/2006/main">
   <p:cSld>
     <p:spTree>
@@ -8729,106 +9674,6 @@
           <a:chExt cx="0" cy="0"/>
         </a:xfrm>
       </p:grpSpPr>
-      <p:sp>
-        <p:nvSpPr>
-          <p:cNvPr id="2" name="タイトル 1"/>
-          <p:cNvSpPr>
-            <a:spLocks noGrp="1"/>
-          </p:cNvSpPr>
-          <p:nvPr>
-            <p:ph type="title"/>
-          </p:nvPr>
-        </p:nvSpPr>
-        <p:spPr>
-          <a:xfrm>
-            <a:off x="860400" y="1098000"/>
-            <a:ext cx="3470400" cy="345600"/>
-          </a:xfrm>
-        </p:spPr>
-        <p:txBody>
-          <a:bodyPr/>
-          <a:lstStyle/>
-          <a:p>
-            <a:pPr lvl="0" indent="0" marL="0">
-              <a:buNone/>
-            </a:pPr>
-            <a:r>
-              <a:rPr/>
-              <a:t>流体力学の基礎</a:t>
-            </a:r>
-          </a:p>
-        </p:txBody>
-      </p:sp>
-      <p:sp>
-        <p:nvSpPr>
-          <p:cNvPr id="6" name="スライド番号プレースホルダー 5"/>
-          <p:cNvSpPr>
-            <a:spLocks noGrp="1"/>
-          </p:cNvSpPr>
-          <p:nvPr>
-            <p:ph idx="12" sz="quarter" type="sldNum"/>
-          </p:nvPr>
-        </p:nvSpPr>
-        <p:spPr/>
-        <p:txBody>
-          <a:bodyPr/>
-          <a:lstStyle/>
-          <a:p>
-            <a:fld id="{D6591E97-2355-4C5F-BA98-15BCC4DBE61A}" type="slidenum">
-              <a:rPr altLang="en-US" kumimoji="1" lang="ja-JP" smtClean="0"/>
-              <a:t>‹#›</a:t>
-            </a:fld>
-            <a:endParaRPr altLang="en-US" kumimoji="1" lang="ja-JP"/>
-          </a:p>
-        </p:txBody>
-      </p:sp>
-    </p:spTree>
-  </p:cSld>
-</p:sld>
-</file>
-
-<file path=ppt/slides/slide20.xml><?xml version="1.0" encoding="utf-8"?>
-<p:sld xmlns:a="http://schemas.openxmlformats.org/drawingml/2006/main" xmlns:r="http://schemas.openxmlformats.org/officeDocument/2006/relationships" xmlns:p="http://schemas.openxmlformats.org/presentationml/2006/main">
-  <p:cSld>
-    <p:spTree>
-      <p:nvGrpSpPr>
-        <p:cNvPr id="1" name=""/>
-        <p:cNvGrpSpPr/>
-        <p:nvPr/>
-      </p:nvGrpSpPr>
-      <p:grpSpPr>
-        <a:xfrm>
-          <a:off x="0" y="0"/>
-          <a:ext cx="0" cy="0"/>
-          <a:chOff x="0" y="0"/>
-          <a:chExt cx="0" cy="0"/>
-        </a:xfrm>
-      </p:grpSpPr>
-      <p:sp>
-        <p:nvSpPr>
-          <p:cNvPr id="2" name="タイトル 1"/>
-          <p:cNvSpPr>
-            <a:spLocks noGrp="1"/>
-          </p:cNvSpPr>
-          <p:nvPr>
-            <p:ph type="title"/>
-          </p:nvPr>
-        </p:nvSpPr>
-        <p:spPr/>
-        <p:txBody>
-          <a:bodyPr/>
-          <a:lstStyle/>
-          <a:p>
-            <a:pPr lvl="0" indent="0" marL="0">
-              <a:buNone/>
-            </a:pPr>
-            <a:r>
-              <a:rPr/>
-              <a:t>圧力分布 5</a:t>
-            </a:r>
-          </a:p>
-        </p:txBody>
-      </p:sp>
       <mc:AlternateContent xmlns:mc="http://schemas.openxmlformats.org/markup-compatibility/2006">
         <mc:Choice xmlns:a14="http://schemas.microsoft.com/office/drawing/2010/main" Requires="a14">
           <p:sp>
@@ -8845,6 +9690,18 @@
             <p:txBody>
               <a:bodyPr/>
               <a:lstStyle/>
+              <a:p>
+                <a:pPr lvl="0" indent="0" marL="0">
+                  <a:spcBef>
+                    <a:spcPts val="3000"/>
+                  </a:spcBef>
+                  <a:buNone/>
+                </a:pPr>
+                <a:r>
+                  <a:rPr b="1"/>
+                  <a:t>圧力分布 5</a:t>
+                </a:r>
+              </a:p>
               <a:p>
                 <a:pPr lvl="0"/>
                 <a:r>
@@ -9441,7 +10298,7 @@
 </p:sld>
 </file>
 
-<file path=ppt/slides/slide21.xml><?xml version="1.0" encoding="utf-8"?>
+<file path=ppt/slides/slide27.xml><?xml version="1.0" encoding="utf-8"?>
 <p:sld xmlns:a="http://schemas.openxmlformats.org/drawingml/2006/main" xmlns:r="http://schemas.openxmlformats.org/officeDocument/2006/relationships" xmlns:p="http://schemas.openxmlformats.org/presentationml/2006/main">
   <p:cSld>
     <p:spTree>
@@ -9460,12 +10317,12 @@
       </p:grpSpPr>
       <p:sp>
         <p:nvSpPr>
-          <p:cNvPr id="2" name="タイトル 1"/>
+          <p:cNvPr id="3" name="コンテンツ プレースホルダー 2"/>
           <p:cNvSpPr>
             <a:spLocks noGrp="1"/>
           </p:cNvSpPr>
           <p:nvPr>
-            <p:ph type="title"/>
+            <p:ph idx="1"/>
           </p:nvPr>
         </p:nvSpPr>
         <p:spPr/>
@@ -9474,15 +10331,63 @@
           <a:lstStyle/>
           <a:p>
             <a:pPr lvl="0" indent="0" marL="0">
+              <a:spcBef>
+                <a:spcPts val="3000"/>
+              </a:spcBef>
               <a:buNone/>
             </a:pPr>
             <a:r>
-              <a:rPr/>
+              <a:rPr b="1"/>
               <a:t>液柱圧力計の原理 1</a:t>
             </a:r>
           </a:p>
         </p:txBody>
       </p:sp>
+      <p:sp>
+        <p:nvSpPr>
+          <p:cNvPr id="6" name="スライド番号プレースホルダー 5"/>
+          <p:cNvSpPr>
+            <a:spLocks noGrp="1"/>
+          </p:cNvSpPr>
+          <p:nvPr>
+            <p:ph idx="12" sz="quarter" type="sldNum"/>
+          </p:nvPr>
+        </p:nvSpPr>
+        <p:spPr/>
+        <p:txBody>
+          <a:bodyPr/>
+          <a:lstStyle/>
+          <a:p>
+            <a:fld id="{D6591E97-2355-4C5F-BA98-15BCC4DBE61A}" type="slidenum">
+              <a:rPr altLang="en-US" kumimoji="1" lang="ja-JP" smtClean="0"/>
+              <a:t>‹#›</a:t>
+            </a:fld>
+            <a:endParaRPr altLang="en-US" kumimoji="1" lang="ja-JP"/>
+          </a:p>
+        </p:txBody>
+      </p:sp>
+    </p:spTree>
+  </p:cSld>
+</p:sld>
+</file>
+
+<file path=ppt/slides/slide28.xml><?xml version="1.0" encoding="utf-8"?>
+<p:sld xmlns:a="http://schemas.openxmlformats.org/drawingml/2006/main" xmlns:r="http://schemas.openxmlformats.org/officeDocument/2006/relationships" xmlns:p="http://schemas.openxmlformats.org/presentationml/2006/main">
+  <p:cSld>
+    <p:spTree>
+      <p:nvGrpSpPr>
+        <p:cNvPr id="1" name=""/>
+        <p:cNvGrpSpPr/>
+        <p:nvPr/>
+      </p:nvGrpSpPr>
+      <p:grpSpPr>
+        <a:xfrm>
+          <a:off x="0" y="0"/>
+          <a:ext cx="0" cy="0"/>
+          <a:chOff x="0" y="0"/>
+          <a:chExt cx="0" cy="0"/>
+        </a:xfrm>
+      </p:grpSpPr>
       <mc:AlternateContent xmlns:mc="http://schemas.openxmlformats.org/markup-compatibility/2006">
         <mc:Choice xmlns:a14="http://schemas.microsoft.com/office/drawing/2010/main" Requires="a14">
           <p:sp>
@@ -10015,7 +10920,7 @@
 </p:sld>
 </file>
 
-<file path=ppt/slides/slide22.xml><?xml version="1.0" encoding="utf-8"?>
+<file path=ppt/slides/slide29.xml><?xml version="1.0" encoding="utf-8"?>
 <p:sld xmlns:a="http://schemas.openxmlformats.org/drawingml/2006/main" xmlns:r="http://schemas.openxmlformats.org/officeDocument/2006/relationships" xmlns:p="http://schemas.openxmlformats.org/presentationml/2006/main">
   <p:cSld>
     <p:spTree>
@@ -10034,12 +10939,12 @@
       </p:grpSpPr>
       <p:sp>
         <p:nvSpPr>
-          <p:cNvPr id="2" name="タイトル 1"/>
+          <p:cNvPr id="3" name="コンテンツ プレースホルダー 2"/>
           <p:cNvSpPr>
             <a:spLocks noGrp="1"/>
           </p:cNvSpPr>
           <p:nvPr>
-            <p:ph type="title"/>
+            <p:ph idx="1"/>
           </p:nvPr>
         </p:nvSpPr>
         <p:spPr/>
@@ -10048,15 +10953,226 @@
           <a:lstStyle/>
           <a:p>
             <a:pPr lvl="0" indent="0" marL="0">
+              <a:spcBef>
+                <a:spcPts val="3000"/>
+              </a:spcBef>
               <a:buNone/>
             </a:pPr>
             <a:r>
-              <a:rPr/>
+              <a:rPr b="1"/>
               <a:t>液柱圧力計の原理 2</a:t>
             </a:r>
           </a:p>
         </p:txBody>
       </p:sp>
+      <p:sp>
+        <p:nvSpPr>
+          <p:cNvPr id="6" name="スライド番号プレースホルダー 5"/>
+          <p:cNvSpPr>
+            <a:spLocks noGrp="1"/>
+          </p:cNvSpPr>
+          <p:nvPr>
+            <p:ph idx="12" sz="quarter" type="sldNum"/>
+          </p:nvPr>
+        </p:nvSpPr>
+        <p:spPr/>
+        <p:txBody>
+          <a:bodyPr/>
+          <a:lstStyle/>
+          <a:p>
+            <a:fld id="{D6591E97-2355-4C5F-BA98-15BCC4DBE61A}" type="slidenum">
+              <a:rPr altLang="en-US" kumimoji="1" lang="ja-JP" smtClean="0"/>
+              <a:t>‹#›</a:t>
+            </a:fld>
+            <a:endParaRPr altLang="en-US" kumimoji="1" lang="ja-JP"/>
+          </a:p>
+        </p:txBody>
+      </p:sp>
+    </p:spTree>
+  </p:cSld>
+</p:sld>
+</file>
+
+<file path=ppt/slides/slide3.xml><?xml version="1.0" encoding="utf-8"?>
+<p:sld xmlns:a="http://schemas.openxmlformats.org/drawingml/2006/main" xmlns:r="http://schemas.openxmlformats.org/officeDocument/2006/relationships" xmlns:p="http://schemas.openxmlformats.org/presentationml/2006/main">
+  <p:cSld>
+    <p:spTree>
+      <p:nvGrpSpPr>
+        <p:cNvPr id="1" name=""/>
+        <p:cNvGrpSpPr/>
+        <p:nvPr/>
+      </p:nvGrpSpPr>
+      <p:grpSpPr>
+        <a:xfrm>
+          <a:off x="0" y="0"/>
+          <a:ext cx="0" cy="0"/>
+          <a:chOff x="0" y="0"/>
+          <a:chExt cx="0" cy="0"/>
+        </a:xfrm>
+      </p:grpSpPr>
+      <p:sp>
+        <p:nvSpPr>
+          <p:cNvPr id="3" name="コンテンツ プレースホルダー 2"/>
+          <p:cNvSpPr>
+            <a:spLocks noGrp="1"/>
+          </p:cNvSpPr>
+          <p:nvPr>
+            <p:ph idx="1"/>
+          </p:nvPr>
+        </p:nvSpPr>
+        <p:spPr/>
+        <p:txBody>
+          <a:bodyPr/>
+          <a:lstStyle/>
+          <a:p>
+            <a:pPr lvl="0" indent="0" marL="0">
+              <a:spcBef>
+                <a:spcPts val="3000"/>
+              </a:spcBef>
+              <a:buNone/>
+            </a:pPr>
+            <a:r>
+              <a:rPr b="1"/>
+              <a:t>Table of Contents</a:t>
+            </a:r>
+          </a:p>
+          <a:p>
+            <a:pPr lvl="0" indent="-342900" marL="342900">
+              <a:buAutoNum type="arabicPeriod"/>
+            </a:pPr>
+            <a:r>
+              <a:rPr/>
+              <a:t>流体の諸性質</a:t>
+            </a:r>
+          </a:p>
+          <a:p>
+            <a:pPr lvl="0" indent="-342900" marL="342900">
+              <a:buAutoNum type="arabicPeriod"/>
+            </a:pPr>
+            <a:r>
+              <a:rPr/>
+              <a:t>静止流体の力学</a:t>
+            </a:r>
+          </a:p>
+          <a:p>
+            <a:pPr lvl="0" indent="-342900" marL="342900">
+              <a:buAutoNum type="arabicPeriod"/>
+            </a:pPr>
+            <a:r>
+              <a:rPr/>
+              <a:t>定常1次流れ</a:t>
+            </a:r>
+          </a:p>
+          <a:p>
+            <a:pPr lvl="0" indent="-342900" marL="342900">
+              <a:buAutoNum type="arabicPeriod"/>
+            </a:pPr>
+            <a:r>
+              <a:rPr/>
+              <a:t>流量・流速測定の原理</a:t>
+            </a:r>
+          </a:p>
+          <a:p>
+            <a:pPr lvl="0" indent="-342900" marL="342900">
+              <a:buAutoNum type="arabicPeriod"/>
+            </a:pPr>
+            <a:r>
+              <a:rPr/>
+              <a:t>運動量理論</a:t>
+            </a:r>
+          </a:p>
+          <a:p>
+            <a:pPr lvl="0" indent="-342900" marL="342900">
+              <a:buAutoNum type="arabicPeriod"/>
+            </a:pPr>
+            <a:r>
+              <a:rPr/>
+              <a:t>次元解析と相似則</a:t>
+            </a:r>
+          </a:p>
+          <a:p>
+            <a:pPr lvl="0" indent="-342900" marL="342900">
+              <a:buAutoNum type="arabicPeriod"/>
+            </a:pPr>
+            <a:r>
+              <a:rPr/>
+              <a:t>管路の流れ</a:t>
+            </a:r>
+          </a:p>
+          <a:p>
+            <a:pPr lvl="0" indent="-342900" marL="342900">
+              <a:buAutoNum type="arabicPeriod"/>
+            </a:pPr>
+            <a:r>
+              <a:rPr/>
+              <a:t>流体力学の基礎式</a:t>
+            </a:r>
+          </a:p>
+          <a:p>
+            <a:pPr lvl="0" indent="-342900" marL="342900">
+              <a:buAutoNum type="arabicPeriod"/>
+            </a:pPr>
+            <a:r>
+              <a:rPr/>
+              <a:t>層流の理論的解析</a:t>
+            </a:r>
+          </a:p>
+          <a:p>
+            <a:pPr lvl="0" indent="-342900" marL="342900">
+              <a:buAutoNum type="arabicPeriod"/>
+            </a:pPr>
+            <a:r>
+              <a:rPr/>
+              <a:t>2次元ポテンシャル流の基礎</a:t>
+            </a:r>
+          </a:p>
+        </p:txBody>
+      </p:sp>
+      <p:sp>
+        <p:nvSpPr>
+          <p:cNvPr id="6" name="スライド番号プレースホルダー 5"/>
+          <p:cNvSpPr>
+            <a:spLocks noGrp="1"/>
+          </p:cNvSpPr>
+          <p:nvPr>
+            <p:ph idx="12" sz="quarter" type="sldNum"/>
+          </p:nvPr>
+        </p:nvSpPr>
+        <p:spPr/>
+        <p:txBody>
+          <a:bodyPr/>
+          <a:lstStyle/>
+          <a:p>
+            <a:fld id="{D6591E97-2355-4C5F-BA98-15BCC4DBE61A}" type="slidenum">
+              <a:rPr altLang="en-US" kumimoji="1" lang="ja-JP" smtClean="0"/>
+              <a:t>‹#›</a:t>
+            </a:fld>
+            <a:endParaRPr altLang="en-US" kumimoji="1" lang="ja-JP"/>
+          </a:p>
+        </p:txBody>
+      </p:sp>
+    </p:spTree>
+  </p:cSld>
+</p:sld>
+</file>
+
+<file path=ppt/slides/slide30.xml><?xml version="1.0" encoding="utf-8"?>
+<p:sld xmlns:a="http://schemas.openxmlformats.org/drawingml/2006/main" xmlns:r="http://schemas.openxmlformats.org/officeDocument/2006/relationships" xmlns:p="http://schemas.openxmlformats.org/presentationml/2006/main">
+  <p:cSld>
+    <p:spTree>
+      <p:nvGrpSpPr>
+        <p:cNvPr id="1" name=""/>
+        <p:cNvGrpSpPr/>
+        <p:nvPr/>
+      </p:nvGrpSpPr>
+      <p:grpSpPr>
+        <a:xfrm>
+          <a:off x="0" y="0"/>
+          <a:ext cx="0" cy="0"/>
+          <a:chOff x="0" y="0"/>
+          <a:chExt cx="0" cy="0"/>
+        </a:xfrm>
+      </p:grpSpPr>
       <mc:AlternateContent xmlns:mc="http://schemas.openxmlformats.org/markup-compatibility/2006">
         <mc:Choice xmlns:a14="http://schemas.microsoft.com/office/drawing/2010/main" Requires="a14">
           <p:sp>
@@ -10753,7 +11869,7 @@
 </p:sld>
 </file>
 
-<file path=ppt/slides/slide23.xml><?xml version="1.0" encoding="utf-8"?>
+<file path=ppt/slides/slide31.xml><?xml version="1.0" encoding="utf-8"?>
 <p:sld xmlns:a="http://schemas.openxmlformats.org/drawingml/2006/main" xmlns:r="http://schemas.openxmlformats.org/officeDocument/2006/relationships" xmlns:p="http://schemas.openxmlformats.org/presentationml/2006/main">
   <p:cSld>
     <p:spTree>
@@ -10772,12 +11888,12 @@
       </p:grpSpPr>
       <p:sp>
         <p:nvSpPr>
-          <p:cNvPr id="2" name="タイトル 1"/>
+          <p:cNvPr id="3" name="コンテンツ プレースホルダー 2"/>
           <p:cNvSpPr>
             <a:spLocks noGrp="1"/>
           </p:cNvSpPr>
           <p:nvPr>
-            <p:ph type="title"/>
+            <p:ph idx="1"/>
           </p:nvPr>
         </p:nvSpPr>
         <p:spPr/>
@@ -10786,572 +11902,35 @@
           <a:lstStyle/>
           <a:p>
             <a:pPr lvl="0" indent="0" marL="0">
+              <a:spcBef>
+                <a:spcPts val="3000"/>
+              </a:spcBef>
               <a:buNone/>
             </a:pPr>
             <a:r>
+              <a:rPr b="1"/>
+              <a:t>静止流体中の壁面に働く力 1</a:t>
+            </a:r>
+          </a:p>
+          <a:p>
+            <a:pPr lvl="0"/>
+            <a:r>
               <a:rPr/>
-              <a:t>静止流体中の壁面に働く力 1</a:t>
-            </a:r>
-          </a:p>
-        </p:txBody>
-      </p:sp>
-      <mc:AlternateContent xmlns:mc="http://schemas.openxmlformats.org/markup-compatibility/2006">
-        <mc:Choice xmlns:a14="http://schemas.microsoft.com/office/drawing/2010/main" Requires="a14">
-          <p:sp>
-            <p:nvSpPr>
-              <p:cNvPr id="3" name="コンテンツ プレースホルダー 2"/>
-              <p:cNvSpPr>
-                <a:spLocks noGrp="1"/>
-              </p:cNvSpPr>
-              <p:nvPr>
-                <p:ph idx="1" sz="half"/>
-              </p:nvPr>
-            </p:nvSpPr>
-            <p:spPr/>
-            <p:txBody>
-              <a:bodyPr/>
-              <a:lstStyle/>
-              <a:p>
-                <a:pPr lvl="0" indent="0" marL="0">
-                  <a:buNone/>
-                </a:pPr>
-                <a:r>
-                  <a:rPr/>
-                  <a:t>流体と接する壁面は常に何らかの流体力を受けているが、静止している場合は圧力のみが作用するので 液体や気体の貯蔵タンク、ダム、船舶などを設計する場合には、圧力によって壁面が受ける力(全圧力)を知ることが重要</a:t>
-                </a:r>
-              </a:p>
-              <a:p>
-                <a:pPr lvl="0"/>
-                <a:r>
-                  <a:rPr/>
-                  <a:t>平面壁に働く力</a:t>
-                </a:r>
-              </a:p>
-              <a:p>
-                <a:pPr lvl="1"/>
-                <a:r>
-                  <a:rPr/>
-                  <a:t>任意の形状をした面積 </a:t>
-                </a:r>
-                <a14:m>
-                  <m:oMath xmlns:m="http://schemas.openxmlformats.org/officeDocument/2006/math">
-                    <m:r>
-                      <m:t>A</m:t>
-                    </m:r>
-                  </m:oMath>
-                </a14:m>
-                <a:r>
-                  <a:rPr/>
-                  <a:t> の平板が、液面と </a:t>
-                </a:r>
-                <a14:m>
-                  <m:oMath xmlns:m="http://schemas.openxmlformats.org/officeDocument/2006/math">
-                    <m:r>
-                      <m:t>θ</m:t>
-                    </m:r>
-                  </m:oMath>
-                </a14:m>
-                <a:r>
-                  <a:rPr/>
-                  <a:t> の傾斜平面壁に働く全圧力を考える</a:t>
-                </a:r>
-              </a:p>
-              <a:p>
-                <a:pPr lvl="1"/>
-                <a:r>
-                  <a:rPr/>
-                  <a:t>平板の微小面積に働く全圧力 </a:t>
-                </a:r>
-                <a14:m>
-                  <m:oMath xmlns:m="http://schemas.openxmlformats.org/officeDocument/2006/math">
-                    <m:r>
-                      <m:t>d</m:t>
-                    </m:r>
-                    <m:r>
-                      <m:t>F</m:t>
-                    </m:r>
-                    <m:r>
-                      <m:rPr>
-                        <m:sty m:val="p"/>
-                      </m:rPr>
-                      <m:t>=</m:t>
-                    </m:r>
-                    <m:r>
-                      <m:t>p</m:t>
-                    </m:r>
-                    <m:r>
-                      <m:t>d</m:t>
-                    </m:r>
-                    <m:r>
-                      <m:t>A</m:t>
-                    </m:r>
-                  </m:oMath>
-                </a14:m>
-              </a:p>
-              <a:p>
-                <a:pPr lvl="1"/>
-                <a:r>
-                  <a:rPr/>
-                  <a:t>平板全体に働く全圧力</a:t>
-                </a:r>
-              </a:p>
-              <a:p>
-                <a:pPr lvl="1"/>
-                <a14:m>
-                  <m:oMathPara xmlns:m="http://schemas.openxmlformats.org/officeDocument/2006/math">
-                    <m:oMathParaPr>
-                      <m:jc m:val="center"/>
-                    </m:oMathParaPr>
-                    <m:oMath>
-                      <m:r>
-                        <m:t>F</m:t>
-                      </m:r>
-                      <m:r>
-                        <m:rPr>
-                          <m:sty m:val="p"/>
-                        </m:rPr>
-                        <m:t>=</m:t>
-                      </m:r>
-                      <m:nary>
-                        <m:naryPr>
-                          <m:chr m:val="∬"/>
-                          <m:limLoc m:val="subSup"/>
-                          <m:subHide m:val="off"/>
-                          <m:supHide m:val="on"/>
-                        </m:naryPr>
-                        <m:sub>
-                          <m:r>
-                            <m:t>A</m:t>
-                          </m:r>
-                        </m:sub>
-                        <m:sup>
-                          <m:r>
-                            <m:t>​</m:t>
-                          </m:r>
-                        </m:sup>
-                        <m:e>
-                          <m:r>
-                            <m:t>d</m:t>
-                          </m:r>
-                        </m:e>
-                      </m:nary>
-                      <m:r>
-                        <m:t>F</m:t>
-                      </m:r>
-                      <m:r>
-                        <m:rPr>
-                          <m:sty m:val="p"/>
-                        </m:rPr>
-                        <m:t>=</m:t>
-                      </m:r>
-                      <m:nary>
-                        <m:naryPr>
-                          <m:chr m:val="∬"/>
-                          <m:limLoc m:val="subSup"/>
-                          <m:subHide m:val="off"/>
-                          <m:supHide m:val="on"/>
-                        </m:naryPr>
-                        <m:sub>
-                          <m:r>
-                            <m:t>A</m:t>
-                          </m:r>
-                        </m:sub>
-                        <m:sup>
-                          <m:r>
-                            <m:t>​</m:t>
-                          </m:r>
-                        </m:sup>
-                        <m:e>
-                          <m:r>
-                            <m:t>p</m:t>
-                          </m:r>
-                        </m:e>
-                      </m:nary>
-                      <m:r>
-                        <m:t> </m:t>
-                      </m:r>
-                      <m:r>
-                        <m:t>d</m:t>
-                      </m:r>
-                      <m:r>
-                        <m:t>A</m:t>
-                      </m:r>
-                      <m:r>
-                        <m:rPr>
-                          <m:sty m:val="p"/>
-                        </m:rPr>
-                        <m:t>=</m:t>
-                      </m:r>
-                      <m:nary>
-                        <m:naryPr>
-                          <m:chr m:val="∬"/>
-                          <m:limLoc m:val="subSup"/>
-                          <m:subHide m:val="off"/>
-                          <m:supHide m:val="on"/>
-                        </m:naryPr>
-                        <m:sub>
-                          <m:r>
-                            <m:t>A</m:t>
-                          </m:r>
-                        </m:sub>
-                        <m:sup>
-                          <m:r>
-                            <m:t>​</m:t>
-                          </m:r>
-                        </m:sup>
-                        <m:e>
-                          <m:r>
-                            <m:t>ρ</m:t>
-                          </m:r>
-                        </m:e>
-                      </m:nary>
-                      <m:r>
-                        <m:t>g</m:t>
-                      </m:r>
-                      <m:r>
-                        <m:t>z</m:t>
-                      </m:r>
-                      <m:r>
-                        <m:rPr>
-                          <m:sty m:val="p"/>
-                        </m:rPr>
-                        <m:t>sin</m:t>
-                      </m:r>
-                      <m:r>
-                        <m:t>θ</m:t>
-                      </m:r>
-                      <m:r>
-                        <m:t> </m:t>
-                      </m:r>
-                      <m:r>
-                        <m:t>d</m:t>
-                      </m:r>
-                      <m:r>
-                        <m:t>A</m:t>
-                      </m:r>
-                      <m:r>
-                        <m:rPr>
-                          <m:sty m:val="p"/>
-                        </m:rPr>
-                        <m:t>=</m:t>
-                      </m:r>
-                      <m:r>
-                        <m:t>ρ</m:t>
-                      </m:r>
-                      <m:r>
-                        <m:t>g</m:t>
-                      </m:r>
-                      <m:r>
-                        <m:rPr>
-                          <m:sty m:val="p"/>
-                        </m:rPr>
-                        <m:t>sin</m:t>
-                      </m:r>
-                      <m:r>
-                        <m:t>θ</m:t>
-                      </m:r>
-                      <m:nary>
-                        <m:naryPr>
-                          <m:chr m:val="∬"/>
-                          <m:limLoc m:val="subSup"/>
-                          <m:subHide m:val="off"/>
-                          <m:supHide m:val="on"/>
-                        </m:naryPr>
-                        <m:sub>
-                          <m:r>
-                            <m:t>A</m:t>
-                          </m:r>
-                        </m:sub>
-                        <m:sup>
-                          <m:r>
-                            <m:t>​</m:t>
-                          </m:r>
-                        </m:sup>
-                        <m:e>
-                          <m:r>
-                            <m:t>z</m:t>
-                          </m:r>
-                        </m:e>
-                      </m:nary>
-                      <m:r>
-                        <m:t> </m:t>
-                      </m:r>
-                      <m:r>
-                        <m:t>d</m:t>
-                      </m:r>
-                      <m:r>
-                        <m:t>A</m:t>
-                      </m:r>
-                    </m:oMath>
-                  </m:oMathPara>
-                </a14:m>
-              </a:p>
-              <a:p>
-                <a:pPr lvl="1"/>
-                <a:r>
-                  <a:rPr/>
-                  <a:t>平板の形を表す図形の図心 </a:t>
-                </a:r>
-                <a14:m>
-                  <m:oMath xmlns:m="http://schemas.openxmlformats.org/officeDocument/2006/math">
-                    <m:r>
-                      <m:t>G</m:t>
-                    </m:r>
-                  </m:oMath>
-                </a14:m>
-                <a:r>
-                  <a:rPr/>
-                  <a:t> の </a:t>
-                </a:r>
-                <a14:m>
-                  <m:oMath xmlns:m="http://schemas.openxmlformats.org/officeDocument/2006/math">
-                    <m:r>
-                      <m:t>z</m:t>
-                    </m:r>
-                  </m:oMath>
-                </a14:m>
-                <a:r>
-                  <a:rPr/>
-                  <a:t> 座標を </a:t>
-                </a:r>
-                <a14:m>
-                  <m:oMath xmlns:m="http://schemas.openxmlformats.org/officeDocument/2006/math">
-                    <m:acc>
-                      <m:accPr>
-                        <m:chr m:val="‾"/>
-                      </m:accPr>
-                      <m:e>
-                        <m:r>
-                          <m:t>z</m:t>
-                        </m:r>
-                      </m:e>
-                    </m:acc>
-                  </m:oMath>
-                </a14:m>
-                <a:r>
-                  <a:rPr/>
-                  <a:t> とすると、図心の定義 </a:t>
-                </a:r>
-                <a14:m>
-                  <m:oMath xmlns:m="http://schemas.openxmlformats.org/officeDocument/2006/math">
-                    <m:nary>
-                      <m:naryPr>
-                        <m:chr m:val="∬"/>
-                        <m:limLoc m:val="subSup"/>
-                        <m:subHide m:val="off"/>
-                        <m:supHide m:val="on"/>
-                      </m:naryPr>
-                      <m:sub>
-                        <m:r>
-                          <m:t>A</m:t>
-                        </m:r>
-                      </m:sub>
-                      <m:sup>
-                        <m:r>
-                          <m:t>​</m:t>
-                        </m:r>
-                      </m:sup>
-                      <m:e>
-                        <m:r>
-                          <m:t>z</m:t>
-                        </m:r>
-                      </m:e>
-                    </m:nary>
-                    <m:r>
-                      <m:t> </m:t>
-                    </m:r>
-                    <m:r>
-                      <m:t>d</m:t>
-                    </m:r>
-                    <m:r>
-                      <m:t>A</m:t>
-                    </m:r>
-                    <m:r>
-                      <m:rPr>
-                        <m:sty m:val="p"/>
-                      </m:rPr>
-                      <m:t>=</m:t>
-                    </m:r>
-                    <m:acc>
-                      <m:accPr>
-                        <m:chr m:val="‾"/>
-                      </m:accPr>
-                      <m:e>
-                        <m:r>
-                          <m:t>z</m:t>
-                        </m:r>
-                      </m:e>
-                    </m:acc>
-                    <m:r>
-                      <m:t>A</m:t>
-                    </m:r>
-                  </m:oMath>
-                </a14:m>
-                <a:r>
-                  <a:rPr/>
-                  <a:t> より </a:t>
-                </a:r>
-                <a14:m>
-                  <m:oMath xmlns:m="http://schemas.openxmlformats.org/officeDocument/2006/math">
-                    <m:acc>
-                      <m:accPr>
-                        <m:chr m:val="‾"/>
-                      </m:accPr>
-                      <m:e>
-                        <m:r>
-                          <m:t>p</m:t>
-                        </m:r>
-                      </m:e>
-                    </m:acc>
-                  </m:oMath>
-                </a14:m>
-                <a:r>
-                  <a:rPr/>
-                  <a:t> を図心の圧力として</a:t>
-                </a:r>
-              </a:p>
-              <a:p>
-                <a:pPr lvl="1"/>
-                <a14:m>
-                  <m:oMathPara xmlns:m="http://schemas.openxmlformats.org/officeDocument/2006/math">
-                    <m:oMathParaPr>
-                      <m:jc m:val="center"/>
-                    </m:oMathParaPr>
-                    <m:oMath>
-                      <m:r>
-                        <m:t>F</m:t>
-                      </m:r>
-                      <m:r>
-                        <m:rPr>
-                          <m:sty m:val="p"/>
-                        </m:rPr>
-                        <m:t>=</m:t>
-                      </m:r>
-                      <m:r>
-                        <m:t>ρ</m:t>
-                      </m:r>
-                      <m:r>
-                        <m:t>g</m:t>
-                      </m:r>
-                      <m:acc>
-                        <m:accPr>
-                          <m:chr m:val="‾"/>
-                        </m:accPr>
-                        <m:e>
-                          <m:r>
-                            <m:t>z</m:t>
-                          </m:r>
-                        </m:e>
-                      </m:acc>
-                      <m:r>
-                        <m:rPr>
-                          <m:sty m:val="p"/>
-                        </m:rPr>
-                        <m:t>sin</m:t>
-                      </m:r>
-                      <m:r>
-                        <m:t>θ</m:t>
-                      </m:r>
-                      <m:r>
-                        <m:t>A</m:t>
-                      </m:r>
-                      <m:r>
-                        <m:rPr>
-                          <m:sty m:val="p"/>
-                        </m:rPr>
-                        <m:t>=</m:t>
-                      </m:r>
-                      <m:acc>
-                        <m:accPr>
-                          <m:chr m:val="‾"/>
-                        </m:accPr>
-                        <m:e>
-                          <m:r>
-                            <m:t>p</m:t>
-                          </m:r>
-                        </m:e>
-                      </m:acc>
-                      <m:r>
-                        <m:t>A</m:t>
-                      </m:r>
-                    </m:oMath>
-                  </m:oMathPara>
-                </a14:m>
-              </a:p>
-              <a:p>
-                <a:pPr lvl="1"/>
-                <a:r>
-                  <a:rPr/>
-                  <a:t>平板に働く全圧力は、図心におけるゲージ圧に平板の面積をかけることにより求まる</a:t>
-                </a:r>
-              </a:p>
-            </p:txBody>
-          </p:sp>
-        </mc:Choice>
-      </mc:AlternateContent>
-      <p:pic>
-        <p:nvPicPr>
-          <p:cNvPr descr="Basics_of_Fluid_Mechanics/images/2-6.png" id="0" name="Picture 1"/>
-          <p:cNvPicPr>
-            <a:picLocks noGrp="1" noChangeAspect="1"/>
-          </p:cNvPicPr>
-          <p:nvPr/>
-        </p:nvPicPr>
-        <p:blipFill>
-          <a:blip r:embed="rId2"/>
-          <a:stretch>
-            <a:fillRect/>
-          </a:stretch>
-        </p:blipFill>
-        <p:spPr bwMode="auto">
-          <a:xfrm>
-            <a:off x="5727700" y="1460500"/>
-            <a:ext cx="3263900" cy="2260600"/>
-          </a:xfrm>
-          <a:prstGeom prst="rect">
-            <a:avLst/>
-          </a:prstGeom>
-          <a:noFill/>
-          <a:ln w="9525">
-            <a:noFill/>
-            <a:headEnd/>
-            <a:tailEnd/>
-          </a:ln>
-        </p:spPr>
-      </p:pic>
-      <p:sp>
-        <p:nvSpPr>
-          <p:cNvPr id="1" name="TextBox 3"/>
-          <p:cNvSpPr txBox="1"/>
-          <p:nvPr/>
-        </p:nvSpPr>
-        <p:spPr>
-          <a:xfrm>
-            <a:off x="5727700" y="4267200"/>
-            <a:ext cx="3263900" cy="508000"/>
-          </a:xfrm>
-          <a:prstGeom prst="rect">
-            <a:avLst/>
-          </a:prstGeom>
-          <a:noFill/>
-        </p:spPr>
-        <p:txBody>
-          <a:bodyPr/>
-          <a:lstStyle/>
-          <a:p>
-            <a:pPr lvl="0" indent="0" marL="0" algn="ctr">
-              <a:buNone/>
-            </a:pPr>
+              <a:t>流体と接する壁面は常に何らかの流体力を受けているが、静止している場合は圧力のみが作用するので</a:t>
+            </a:r>
+          </a:p>
+          <a:p>
+            <a:pPr lvl="0"/>
             <a:r>
               <a:rPr/>
-              <a:t>2-6</a:t>
+              <a:t>液体や気体の貯蔵タンク、ダム、船舶などを設計する場合には、圧力によって壁面が受ける力(全圧力)を知ることが重要</a:t>
             </a:r>
           </a:p>
         </p:txBody>
       </p:sp>
       <p:sp>
         <p:nvSpPr>
-          <p:cNvPr id="7" name="スライド番号プレースホルダー 6"/>
+          <p:cNvPr id="6" name="スライド番号プレースホルダー 5"/>
           <p:cNvSpPr>
             <a:spLocks noGrp="1"/>
           </p:cNvSpPr>
@@ -11377,7 +11956,7 @@
 </p:sld>
 </file>
 
-<file path=ppt/slides/slide24.xml><?xml version="1.0" encoding="utf-8"?>
+<file path=ppt/slides/slide32.xml><?xml version="1.0" encoding="utf-8"?>
 <p:sld xmlns:a="http://schemas.openxmlformats.org/drawingml/2006/main" xmlns:r="http://schemas.openxmlformats.org/officeDocument/2006/relationships" xmlns:p="http://schemas.openxmlformats.org/presentationml/2006/main">
   <p:cSld>
     <p:spTree>
@@ -11394,31 +11973,6 @@
           <a:chExt cx="0" cy="0"/>
         </a:xfrm>
       </p:grpSpPr>
-      <p:sp>
-        <p:nvSpPr>
-          <p:cNvPr id="2" name="タイトル 1"/>
-          <p:cNvSpPr>
-            <a:spLocks noGrp="1"/>
-          </p:cNvSpPr>
-          <p:nvPr>
-            <p:ph type="title"/>
-          </p:nvPr>
-        </p:nvSpPr>
-        <p:spPr/>
-        <p:txBody>
-          <a:bodyPr/>
-          <a:lstStyle/>
-          <a:p>
-            <a:pPr lvl="0" indent="0" marL="0">
-              <a:buNone/>
-            </a:pPr>
-            <a:r>
-              <a:rPr/>
-              <a:t>静止流体中の壁面に働く力 2</a:t>
-            </a:r>
-          </a:p>
-        </p:txBody>
-      </p:sp>
       <mc:AlternateContent xmlns:mc="http://schemas.openxmlformats.org/markup-compatibility/2006">
         <mc:Choice xmlns:a14="http://schemas.microsoft.com/office/drawing/2010/main" Requires="a14">
           <p:sp>
@@ -11436,9 +11990,576 @@
               <a:bodyPr/>
               <a:lstStyle/>
               <a:p>
+                <a:pPr lvl="0" indent="0" marL="0">
+                  <a:spcBef>
+                    <a:spcPts val="3000"/>
+                  </a:spcBef>
+                  <a:buNone/>
+                </a:pPr>
+                <a:r>
+                  <a:rPr b="1"/>
+                  <a:t>平面壁に働く力</a:t>
+                </a:r>
+              </a:p>
+              <a:p>
                 <a:pPr lvl="0"/>
                 <a:r>
                   <a:rPr/>
+                  <a:t>任意の形状をした面積 </a:t>
+                </a:r>
+                <a14:m>
+                  <m:oMath xmlns:m="http://schemas.openxmlformats.org/officeDocument/2006/math">
+                    <m:r>
+                      <m:t>A</m:t>
+                    </m:r>
+                  </m:oMath>
+                </a14:m>
+                <a:r>
+                  <a:rPr/>
+                  <a:t> の平板が、液面と </a:t>
+                </a:r>
+                <a14:m>
+                  <m:oMath xmlns:m="http://schemas.openxmlformats.org/officeDocument/2006/math">
+                    <m:r>
+                      <m:t>θ</m:t>
+                    </m:r>
+                  </m:oMath>
+                </a14:m>
+                <a:r>
+                  <a:rPr/>
+                  <a:t> の傾斜平面壁に働く全圧力を考える</a:t>
+                </a:r>
+              </a:p>
+              <a:p>
+                <a:pPr lvl="0"/>
+                <a:r>
+                  <a:rPr/>
+                  <a:t>平板の微小面積に働く全圧力 </a:t>
+                </a:r>
+                <a14:m>
+                  <m:oMath xmlns:m="http://schemas.openxmlformats.org/officeDocument/2006/math">
+                    <m:r>
+                      <m:t>d</m:t>
+                    </m:r>
+                    <m:r>
+                      <m:t>F</m:t>
+                    </m:r>
+                    <m:r>
+                      <m:rPr>
+                        <m:sty m:val="p"/>
+                      </m:rPr>
+                      <m:t>=</m:t>
+                    </m:r>
+                    <m:r>
+                      <m:t>p</m:t>
+                    </m:r>
+                    <m:r>
+                      <m:t>d</m:t>
+                    </m:r>
+                    <m:r>
+                      <m:t>A</m:t>
+                    </m:r>
+                  </m:oMath>
+                </a14:m>
+              </a:p>
+              <a:p>
+                <a:pPr lvl="0"/>
+                <a:r>
+                  <a:rPr/>
+                  <a:t>平板全体に働く全圧力</a:t>
+                </a:r>
+              </a:p>
+              <a:p>
+                <a:pPr lvl="0"/>
+                <a14:m>
+                  <m:oMathPara xmlns:m="http://schemas.openxmlformats.org/officeDocument/2006/math">
+                    <m:oMathParaPr>
+                      <m:jc m:val="center"/>
+                    </m:oMathParaPr>
+                    <m:oMath>
+                      <m:r>
+                        <m:t>F</m:t>
+                      </m:r>
+                      <m:r>
+                        <m:rPr>
+                          <m:sty m:val="p"/>
+                        </m:rPr>
+                        <m:t>=</m:t>
+                      </m:r>
+                      <m:nary>
+                        <m:naryPr>
+                          <m:chr m:val="∬"/>
+                          <m:limLoc m:val="subSup"/>
+                          <m:subHide m:val="off"/>
+                          <m:supHide m:val="on"/>
+                        </m:naryPr>
+                        <m:sub>
+                          <m:r>
+                            <m:t>A</m:t>
+                          </m:r>
+                        </m:sub>
+                        <m:sup>
+                          <m:r>
+                            <m:t>​</m:t>
+                          </m:r>
+                        </m:sup>
+                        <m:e>
+                          <m:r>
+                            <m:t>d</m:t>
+                          </m:r>
+                        </m:e>
+                      </m:nary>
+                      <m:r>
+                        <m:t>F</m:t>
+                      </m:r>
+                      <m:r>
+                        <m:rPr>
+                          <m:sty m:val="p"/>
+                        </m:rPr>
+                        <m:t>=</m:t>
+                      </m:r>
+                      <m:nary>
+                        <m:naryPr>
+                          <m:chr m:val="∬"/>
+                          <m:limLoc m:val="subSup"/>
+                          <m:subHide m:val="off"/>
+                          <m:supHide m:val="on"/>
+                        </m:naryPr>
+                        <m:sub>
+                          <m:r>
+                            <m:t>A</m:t>
+                          </m:r>
+                        </m:sub>
+                        <m:sup>
+                          <m:r>
+                            <m:t>​</m:t>
+                          </m:r>
+                        </m:sup>
+                        <m:e>
+                          <m:r>
+                            <m:t>p</m:t>
+                          </m:r>
+                        </m:e>
+                      </m:nary>
+                      <m:r>
+                        <m:t> </m:t>
+                      </m:r>
+                      <m:r>
+                        <m:t>d</m:t>
+                      </m:r>
+                      <m:r>
+                        <m:t>A</m:t>
+                      </m:r>
+                      <m:r>
+                        <m:rPr>
+                          <m:sty m:val="p"/>
+                        </m:rPr>
+                        <m:t>=</m:t>
+                      </m:r>
+                      <m:nary>
+                        <m:naryPr>
+                          <m:chr m:val="∬"/>
+                          <m:limLoc m:val="subSup"/>
+                          <m:subHide m:val="off"/>
+                          <m:supHide m:val="on"/>
+                        </m:naryPr>
+                        <m:sub>
+                          <m:r>
+                            <m:t>A</m:t>
+                          </m:r>
+                        </m:sub>
+                        <m:sup>
+                          <m:r>
+                            <m:t>​</m:t>
+                          </m:r>
+                        </m:sup>
+                        <m:e>
+                          <m:r>
+                            <m:t>ρ</m:t>
+                          </m:r>
+                        </m:e>
+                      </m:nary>
+                      <m:r>
+                        <m:t>g</m:t>
+                      </m:r>
+                      <m:r>
+                        <m:t>z</m:t>
+                      </m:r>
+                      <m:r>
+                        <m:rPr>
+                          <m:sty m:val="p"/>
+                        </m:rPr>
+                        <m:t>sin</m:t>
+                      </m:r>
+                      <m:r>
+                        <m:t>θ</m:t>
+                      </m:r>
+                      <m:r>
+                        <m:t> </m:t>
+                      </m:r>
+                      <m:r>
+                        <m:t>d</m:t>
+                      </m:r>
+                      <m:r>
+                        <m:t>A</m:t>
+                      </m:r>
+                      <m:r>
+                        <m:rPr>
+                          <m:sty m:val="p"/>
+                        </m:rPr>
+                        <m:t>=</m:t>
+                      </m:r>
+                      <m:r>
+                        <m:t>ρ</m:t>
+                      </m:r>
+                      <m:r>
+                        <m:t>g</m:t>
+                      </m:r>
+                      <m:r>
+                        <m:rPr>
+                          <m:sty m:val="p"/>
+                        </m:rPr>
+                        <m:t>sin</m:t>
+                      </m:r>
+                      <m:r>
+                        <m:t>θ</m:t>
+                      </m:r>
+                      <m:nary>
+                        <m:naryPr>
+                          <m:chr m:val="∬"/>
+                          <m:limLoc m:val="subSup"/>
+                          <m:subHide m:val="off"/>
+                          <m:supHide m:val="on"/>
+                        </m:naryPr>
+                        <m:sub>
+                          <m:r>
+                            <m:t>A</m:t>
+                          </m:r>
+                        </m:sub>
+                        <m:sup>
+                          <m:r>
+                            <m:t>​</m:t>
+                          </m:r>
+                        </m:sup>
+                        <m:e>
+                          <m:r>
+                            <m:t>z</m:t>
+                          </m:r>
+                        </m:e>
+                      </m:nary>
+                      <m:r>
+                        <m:t> </m:t>
+                      </m:r>
+                      <m:r>
+                        <m:t>d</m:t>
+                      </m:r>
+                      <m:r>
+                        <m:t>A</m:t>
+                      </m:r>
+                    </m:oMath>
+                  </m:oMathPara>
+                </a14:m>
+              </a:p>
+              <a:p>
+                <a:pPr lvl="0"/>
+                <a:r>
+                  <a:rPr/>
+                  <a:t>平板の形を表す図形の図心 </a:t>
+                </a:r>
+                <a14:m>
+                  <m:oMath xmlns:m="http://schemas.openxmlformats.org/officeDocument/2006/math">
+                    <m:r>
+                      <m:t>G</m:t>
+                    </m:r>
+                  </m:oMath>
+                </a14:m>
+                <a:r>
+                  <a:rPr/>
+                  <a:t> の </a:t>
+                </a:r>
+                <a14:m>
+                  <m:oMath xmlns:m="http://schemas.openxmlformats.org/officeDocument/2006/math">
+                    <m:r>
+                      <m:t>z</m:t>
+                    </m:r>
+                  </m:oMath>
+                </a14:m>
+                <a:r>
+                  <a:rPr/>
+                  <a:t> 座標を </a:t>
+                </a:r>
+                <a14:m>
+                  <m:oMath xmlns:m="http://schemas.openxmlformats.org/officeDocument/2006/math">
+                    <m:acc>
+                      <m:accPr>
+                        <m:chr m:val="‾"/>
+                      </m:accPr>
+                      <m:e>
+                        <m:r>
+                          <m:t>z</m:t>
+                        </m:r>
+                      </m:e>
+                    </m:acc>
+                  </m:oMath>
+                </a14:m>
+                <a:r>
+                  <a:rPr/>
+                  <a:t> とすると、図心の定義 </a:t>
+                </a:r>
+                <a14:m>
+                  <m:oMath xmlns:m="http://schemas.openxmlformats.org/officeDocument/2006/math">
+                    <m:nary>
+                      <m:naryPr>
+                        <m:chr m:val="∬"/>
+                        <m:limLoc m:val="subSup"/>
+                        <m:subHide m:val="off"/>
+                        <m:supHide m:val="on"/>
+                      </m:naryPr>
+                      <m:sub>
+                        <m:r>
+                          <m:t>A</m:t>
+                        </m:r>
+                      </m:sub>
+                      <m:sup>
+                        <m:r>
+                          <m:t>​</m:t>
+                        </m:r>
+                      </m:sup>
+                      <m:e>
+                        <m:r>
+                          <m:t>z</m:t>
+                        </m:r>
+                      </m:e>
+                    </m:nary>
+                    <m:r>
+                      <m:t> </m:t>
+                    </m:r>
+                    <m:r>
+                      <m:t>d</m:t>
+                    </m:r>
+                    <m:r>
+                      <m:t>A</m:t>
+                    </m:r>
+                    <m:r>
+                      <m:rPr>
+                        <m:sty m:val="p"/>
+                      </m:rPr>
+                      <m:t>=</m:t>
+                    </m:r>
+                    <m:acc>
+                      <m:accPr>
+                        <m:chr m:val="‾"/>
+                      </m:accPr>
+                      <m:e>
+                        <m:r>
+                          <m:t>z</m:t>
+                        </m:r>
+                      </m:e>
+                    </m:acc>
+                    <m:r>
+                      <m:t>A</m:t>
+                    </m:r>
+                  </m:oMath>
+                </a14:m>
+                <a:r>
+                  <a:rPr/>
+                  <a:t> より </a:t>
+                </a:r>
+                <a14:m>
+                  <m:oMath xmlns:m="http://schemas.openxmlformats.org/officeDocument/2006/math">
+                    <m:acc>
+                      <m:accPr>
+                        <m:chr m:val="‾"/>
+                      </m:accPr>
+                      <m:e>
+                        <m:r>
+                          <m:t>p</m:t>
+                        </m:r>
+                      </m:e>
+                    </m:acc>
+                  </m:oMath>
+                </a14:m>
+                <a:r>
+                  <a:rPr/>
+                  <a:t> を図心の圧力として</a:t>
+                </a:r>
+              </a:p>
+              <a:p>
+                <a:pPr lvl="0"/>
+                <a14:m>
+                  <m:oMathPara xmlns:m="http://schemas.openxmlformats.org/officeDocument/2006/math">
+                    <m:oMathParaPr>
+                      <m:jc m:val="center"/>
+                    </m:oMathParaPr>
+                    <m:oMath>
+                      <m:r>
+                        <m:t>F</m:t>
+                      </m:r>
+                      <m:r>
+                        <m:rPr>
+                          <m:sty m:val="p"/>
+                        </m:rPr>
+                        <m:t>=</m:t>
+                      </m:r>
+                      <m:r>
+                        <m:t>ρ</m:t>
+                      </m:r>
+                      <m:r>
+                        <m:t>g</m:t>
+                      </m:r>
+                      <m:acc>
+                        <m:accPr>
+                          <m:chr m:val="‾"/>
+                        </m:accPr>
+                        <m:e>
+                          <m:r>
+                            <m:t>z</m:t>
+                          </m:r>
+                        </m:e>
+                      </m:acc>
+                      <m:r>
+                        <m:rPr>
+                          <m:sty m:val="p"/>
+                        </m:rPr>
+                        <m:t>sin</m:t>
+                      </m:r>
+                      <m:r>
+                        <m:t>θ</m:t>
+                      </m:r>
+                      <m:r>
+                        <m:t>A</m:t>
+                      </m:r>
+                      <m:r>
+                        <m:rPr>
+                          <m:sty m:val="p"/>
+                        </m:rPr>
+                        <m:t>=</m:t>
+                      </m:r>
+                      <m:acc>
+                        <m:accPr>
+                          <m:chr m:val="‾"/>
+                        </m:accPr>
+                        <m:e>
+                          <m:r>
+                            <m:t>p</m:t>
+                          </m:r>
+                        </m:e>
+                      </m:acc>
+                      <m:r>
+                        <m:t>A</m:t>
+                      </m:r>
+                    </m:oMath>
+                  </m:oMathPara>
+                </a14:m>
+              </a:p>
+              <a:p>
+                <a:pPr lvl="0"/>
+                <a:r>
+                  <a:rPr/>
+                  <a:t>平板に働く全圧力は、図心におけるゲージ圧に平板の面積をかけることにより求まる :::</a:t>
+                </a:r>
+              </a:p>
+              <a:p>
+                <a:pPr lvl="0" indent="0" marL="0">
+                  <a:buNone/>
+                </a:pPr>
+                <a:r>
+                  <a:rPr/>
+                  <a:t>2-6</a:t>
+                </a:r>
+              </a:p>
+              <a:p>
+                <a:pPr lvl="0" indent="0" marL="0">
+                  <a:buNone/>
+                </a:pPr>
+                <a:r>
+                  <a:rPr/>
+                  <a:t>2-6</a:t>
+                </a:r>
+              </a:p>
+              <a:p>
+                <a:pPr lvl="0" indent="0" marL="0">
+                  <a:buNone/>
+                </a:pPr>
+                <a:r>
+                  <a:rPr/>
+                  <a:t>:::::::::::::::::::::::::: </a:t>
+                </a:r>
+              </a:p>
+            </p:txBody>
+          </p:sp>
+        </mc:Choice>
+      </mc:AlternateContent>
+      <p:sp>
+        <p:nvSpPr>
+          <p:cNvPr id="6" name="スライド番号プレースホルダー 5"/>
+          <p:cNvSpPr>
+            <a:spLocks noGrp="1"/>
+          </p:cNvSpPr>
+          <p:nvPr>
+            <p:ph idx="12" sz="quarter" type="sldNum"/>
+          </p:nvPr>
+        </p:nvSpPr>
+        <p:spPr/>
+        <p:txBody>
+          <a:bodyPr/>
+          <a:lstStyle/>
+          <a:p>
+            <a:fld id="{D6591E97-2355-4C5F-BA98-15BCC4DBE61A}" type="slidenum">
+              <a:rPr altLang="en-US" kumimoji="1" lang="ja-JP" smtClean="0"/>
+              <a:t>‹#›</a:t>
+            </a:fld>
+            <a:endParaRPr altLang="en-US" kumimoji="1" lang="ja-JP"/>
+          </a:p>
+        </p:txBody>
+      </p:sp>
+    </p:spTree>
+  </p:cSld>
+</p:sld>
+</file>
+
+<file path=ppt/slides/slide33.xml><?xml version="1.0" encoding="utf-8"?>
+<p:sld xmlns:a="http://schemas.openxmlformats.org/drawingml/2006/main" xmlns:r="http://schemas.openxmlformats.org/officeDocument/2006/relationships" xmlns:p="http://schemas.openxmlformats.org/presentationml/2006/main">
+  <p:cSld>
+    <p:spTree>
+      <p:nvGrpSpPr>
+        <p:cNvPr id="1" name=""/>
+        <p:cNvGrpSpPr/>
+        <p:nvPr/>
+      </p:nvGrpSpPr>
+      <p:grpSpPr>
+        <a:xfrm>
+          <a:off x="0" y="0"/>
+          <a:ext cx="0" cy="0"/>
+          <a:chOff x="0" y="0"/>
+          <a:chExt cx="0" cy="0"/>
+        </a:xfrm>
+      </p:grpSpPr>
+      <mc:AlternateContent xmlns:mc="http://schemas.openxmlformats.org/markup-compatibility/2006">
+        <mc:Choice xmlns:a14="http://schemas.microsoft.com/office/drawing/2010/main" Requires="a14">
+          <p:sp>
+            <p:nvSpPr>
+              <p:cNvPr id="3" name="コンテンツ プレースホルダー 2"/>
+              <p:cNvSpPr>
+                <a:spLocks noGrp="1"/>
+              </p:cNvSpPr>
+              <p:nvPr>
+                <p:ph idx="1"/>
+              </p:nvPr>
+            </p:nvSpPr>
+            <p:spPr/>
+            <p:txBody>
+              <a:bodyPr/>
+              <a:lstStyle/>
+              <a:p>
+                <a:pPr lvl="0" indent="0" marL="0">
+                  <a:spcBef>
+                    <a:spcPts val="3000"/>
+                  </a:spcBef>
+                  <a:buNone/>
+                </a:pPr>
+                <a:r>
+                  <a:rPr b="1"/>
                   <a:t>全圧力の着力点(圧力の中心) </a:t>
                 </a:r>
                 <a14:m>
@@ -11450,7 +12571,7 @@
                 </a14:m>
               </a:p>
               <a:p>
-                <a:pPr lvl="1"/>
+                <a:pPr lvl="0"/>
                 <a:r>
                   <a:rPr/>
                   <a:t>平板の微小部分に作用する全圧力の </a:t>
@@ -11485,7 +12606,7 @@
                 </a:r>
               </a:p>
               <a:p>
-                <a:pPr lvl="1"/>
+                <a:pPr lvl="0"/>
                 <a14:m>
                   <m:oMathPara xmlns:m="http://schemas.openxmlformats.org/officeDocument/2006/math">
                     <m:oMathParaPr>
@@ -11694,7 +12815,7 @@
                 </a14:m>
               </a:p>
               <a:p>
-                <a:pPr lvl="1"/>
+                <a:pPr lvl="0"/>
                 <a:r>
                   <a:rPr/>
                   <a:t>圧力中心の </a:t>
@@ -11732,7 +12853,7 @@
                 </a:r>
               </a:p>
               <a:p>
-                <a:pPr lvl="2"/>
+                <a:pPr lvl="1"/>
                 <a14:m>
                   <m:oMathPara xmlns:m="http://schemas.openxmlformats.org/officeDocument/2006/math">
                     <m:oMathParaPr>
@@ -11821,7 +12942,7 @@
                 </a14:m>
               </a:p>
               <a:p>
-                <a:pPr lvl="2"/>
+                <a:pPr lvl="1"/>
                 <a:r>
                   <a:rPr/>
                   <a:t>ここで </a:t>
@@ -11888,7 +13009,7 @@
                 </a:r>
               </a:p>
               <a:p>
-                <a:pPr lvl="2"/>
+                <a:pPr lvl="1"/>
                 <a14:m>
                   <m:oMathPara xmlns:m="http://schemas.openxmlformats.org/officeDocument/2006/math">
                     <m:oMathParaPr>
@@ -12067,7 +13188,7 @@
                 </a14:m>
               </a:p>
               <a:p>
-                <a:pPr lvl="2"/>
+                <a:pPr lvl="1"/>
                 <a:r>
                   <a:rPr/>
                   <a:t>さらに、図心 </a:t>
@@ -12182,7 +13303,7 @@
                 </a:r>
               </a:p>
               <a:p>
-                <a:pPr lvl="2"/>
+                <a:pPr lvl="1"/>
                 <a14:m>
                   <m:oMathPara xmlns:m="http://schemas.openxmlformats.org/officeDocument/2006/math">
                     <m:oMathParaPr>
@@ -12262,7 +13383,7 @@
                 </a14:m>
               </a:p>
               <a:p>
-                <a:pPr lvl="2"/>
+                <a:pPr lvl="1"/>
                 <a:r>
                   <a:rPr/>
                   <a:t>これは圧力の中心は、図心 </a:t>
@@ -12330,7 +13451,7 @@
                 </a:r>
               </a:p>
               <a:p>
-                <a:pPr lvl="1"/>
+                <a:pPr lvl="0"/>
                 <a:r>
                   <a:rPr/>
                   <a:t>圧力中心の </a:t>
@@ -12379,7 +13500,7 @@
                 </a:r>
               </a:p>
               <a:p>
-                <a:pPr lvl="2"/>
+                <a:pPr lvl="1"/>
                 <a14:m>
                   <m:oMathPara xmlns:m="http://schemas.openxmlformats.org/officeDocument/2006/math">
                     <m:oMathParaPr>
@@ -12500,14 +13621,14 @@
                 </a14:m>
               </a:p>
               <a:p>
-                <a:pPr lvl="2"/>
+                <a:pPr lvl="1"/>
                 <a:r>
                   <a:rPr/>
                   <a:t>$ I_xz = _A xz  dA $ は断面相乗モーメントとして表す</a:t>
                 </a:r>
               </a:p>
               <a:p>
-                <a:pPr lvl="2"/>
+                <a:pPr lvl="1"/>
                 <a14:m>
                   <m:oMathPara xmlns:m="http://schemas.openxmlformats.org/officeDocument/2006/math">
                     <m:oMathParaPr>
@@ -12752,7 +13873,7 @@
 </p:sld>
 </file>
 
-<file path=ppt/slides/slide25.xml><?xml version="1.0" encoding="utf-8"?>
+<file path=ppt/slides/slide34.xml><?xml version="1.0" encoding="utf-8"?>
 <p:sld xmlns:a="http://schemas.openxmlformats.org/drawingml/2006/main" xmlns:r="http://schemas.openxmlformats.org/officeDocument/2006/relationships" xmlns:p="http://schemas.openxmlformats.org/presentationml/2006/main">
   <p:cSld>
     <p:spTree>
@@ -12771,12 +13892,12 @@
       </p:grpSpPr>
       <p:sp>
         <p:nvSpPr>
-          <p:cNvPr id="2" name="タイトル 1"/>
+          <p:cNvPr id="3" name="コンテンツ プレースホルダー 2"/>
           <p:cNvSpPr>
             <a:spLocks noGrp="1"/>
           </p:cNvSpPr>
           <p:nvPr>
-            <p:ph type="title"/>
+            <p:ph idx="1"/>
           </p:nvPr>
         </p:nvSpPr>
         <p:spPr/>
@@ -12785,15 +13906,63 @@
           <a:lstStyle/>
           <a:p>
             <a:pPr lvl="0" indent="0" marL="0">
+              <a:spcBef>
+                <a:spcPts val="3000"/>
+              </a:spcBef>
               <a:buNone/>
             </a:pPr>
             <a:r>
-              <a:rPr/>
-              <a:t>静止流体中の壁面に働く力 3</a:t>
+              <a:rPr b="1"/>
+              <a:t>曲面壁に働く力</a:t>
             </a:r>
           </a:p>
         </p:txBody>
       </p:sp>
+      <p:sp>
+        <p:nvSpPr>
+          <p:cNvPr id="6" name="スライド番号プレースホルダー 5"/>
+          <p:cNvSpPr>
+            <a:spLocks noGrp="1"/>
+          </p:cNvSpPr>
+          <p:nvPr>
+            <p:ph idx="12" sz="quarter" type="sldNum"/>
+          </p:nvPr>
+        </p:nvSpPr>
+        <p:spPr/>
+        <p:txBody>
+          <a:bodyPr/>
+          <a:lstStyle/>
+          <a:p>
+            <a:fld id="{D6591E97-2355-4C5F-BA98-15BCC4DBE61A}" type="slidenum">
+              <a:rPr altLang="en-US" kumimoji="1" lang="ja-JP" smtClean="0"/>
+              <a:t>‹#›</a:t>
+            </a:fld>
+            <a:endParaRPr altLang="en-US" kumimoji="1" lang="ja-JP"/>
+          </a:p>
+        </p:txBody>
+      </p:sp>
+    </p:spTree>
+  </p:cSld>
+</p:sld>
+</file>
+
+<file path=ppt/slides/slide35.xml><?xml version="1.0" encoding="utf-8"?>
+<p:sld xmlns:a="http://schemas.openxmlformats.org/drawingml/2006/main" xmlns:r="http://schemas.openxmlformats.org/officeDocument/2006/relationships" xmlns:p="http://schemas.openxmlformats.org/presentationml/2006/main">
+  <p:cSld>
+    <p:spTree>
+      <p:nvGrpSpPr>
+        <p:cNvPr id="1" name=""/>
+        <p:cNvGrpSpPr/>
+        <p:nvPr/>
+      </p:nvGrpSpPr>
+      <p:grpSpPr>
+        <a:xfrm>
+          <a:off x="0" y="0"/>
+          <a:ext cx="0" cy="0"/>
+          <a:chOff x="0" y="0"/>
+          <a:chExt cx="0" cy="0"/>
+        </a:xfrm>
+      </p:grpSpPr>
       <mc:AlternateContent xmlns:mc="http://schemas.openxmlformats.org/markup-compatibility/2006">
         <mc:Choice xmlns:a14="http://schemas.microsoft.com/office/drawing/2010/main" Requires="a14">
           <p:sp>
@@ -12814,18 +13983,11 @@
                 <a:pPr lvl="0"/>
                 <a:r>
                   <a:rPr/>
-                  <a:t>曲面壁に働く力</a:t>
-                </a:r>
-              </a:p>
-              <a:p>
-                <a:pPr lvl="1"/>
-                <a:r>
-                  <a:rPr/>
                   <a:t>任意の曲面壁に作用する全圧力は各軸方向成分で考えられる</a:t>
                 </a:r>
               </a:p>
               <a:p>
-                <a:pPr lvl="1"/>
+                <a:pPr lvl="0"/>
                 <a:r>
                   <a:rPr/>
                   <a:t>微小部分に働く全圧力成分 </a:t>
@@ -12851,7 +14013,7 @@
                 </a14:m>
               </a:p>
               <a:p>
-                <a:pPr lvl="1"/>
+                <a:pPr lvl="0"/>
                 <a14:m>
                   <m:oMath xmlns:m="http://schemas.openxmlformats.org/officeDocument/2006/math">
                     <m:r>
@@ -12951,7 +14113,7 @@
                 </a14:m>
               </a:p>
               <a:p>
-                <a:pPr lvl="1"/>
+                <a:pPr lvl="0"/>
                 <a:r>
                   <a:rPr/>
                   <a:t>全圧力の成分 </a:t>
@@ -12974,7 +14136,7 @@
                 </a14:m>
               </a:p>
               <a:p>
-                <a:pPr lvl="1"/>
+                <a:pPr lvl="0"/>
                 <a14:m>
                   <m:oMathPara xmlns:m="http://schemas.openxmlformats.org/officeDocument/2006/math">
                     <m:oMathParaPr>
@@ -13110,7 +14272,7 @@
                 </a14:m>
               </a:p>
               <a:p>
-                <a:pPr lvl="1"/>
+                <a:pPr lvl="0"/>
                 <a14:m>
                   <m:oMath xmlns:m="http://schemas.openxmlformats.org/officeDocument/2006/math">
                     <m:acc>
@@ -13324,7 +14486,7 @@
 </p:sld>
 </file>
 
-<file path=ppt/slides/slide26.xml><?xml version="1.0" encoding="utf-8"?>
+<file path=ppt/slides/slide36.xml><?xml version="1.0" encoding="utf-8"?>
 <p:sld xmlns:a="http://schemas.openxmlformats.org/drawingml/2006/main" xmlns:r="http://schemas.openxmlformats.org/officeDocument/2006/relationships" xmlns:p="http://schemas.openxmlformats.org/presentationml/2006/main">
   <p:cSld>
     <p:spTree>
@@ -13343,101 +14505,6 @@
       </p:grpSpPr>
       <p:sp>
         <p:nvSpPr>
-          <p:cNvPr id="2" name="タイトル 1"/>
-          <p:cNvSpPr>
-            <a:spLocks noGrp="1"/>
-          </p:cNvSpPr>
-          <p:nvPr>
-            <p:ph type="title"/>
-          </p:nvPr>
-        </p:nvSpPr>
-        <p:spPr/>
-        <p:txBody>
-          <a:bodyPr/>
-          <a:lstStyle/>
-          <a:p>
-            <a:pPr lvl="0" indent="0" marL="0">
-              <a:buNone/>
-            </a:pPr>
-            <a:r>
-              <a:rPr/>
-              <a:t>## 静止流体中の壁面に働く力 4</a:t>
-            </a:r>
-          </a:p>
-        </p:txBody>
-      </p:sp>
-      <p:sp>
-        <p:nvSpPr>
-          <p:cNvPr id="6" name="スライド番号プレースホルダー 5"/>
-          <p:cNvSpPr>
-            <a:spLocks noGrp="1"/>
-          </p:cNvSpPr>
-          <p:nvPr>
-            <p:ph idx="12" sz="quarter" type="sldNum"/>
-          </p:nvPr>
-        </p:nvSpPr>
-        <p:spPr/>
-        <p:txBody>
-          <a:bodyPr/>
-          <a:lstStyle/>
-          <a:p>
-            <a:fld id="{D6591E97-2355-4C5F-BA98-15BCC4DBE61A}" type="slidenum">
-              <a:rPr altLang="en-US" kumimoji="1" lang="ja-JP" smtClean="0"/>
-              <a:t>‹#›</a:t>
-            </a:fld>
-            <a:endParaRPr altLang="en-US" kumimoji="1" lang="ja-JP"/>
-          </a:p>
-        </p:txBody>
-      </p:sp>
-    </p:spTree>
-  </p:cSld>
-</p:sld>
-</file>
-
-<file path=ppt/slides/slide3.xml><?xml version="1.0" encoding="utf-8"?>
-<p:sld xmlns:a="http://schemas.openxmlformats.org/drawingml/2006/main" xmlns:r="http://schemas.openxmlformats.org/officeDocument/2006/relationships" xmlns:p="http://schemas.openxmlformats.org/presentationml/2006/main">
-  <p:cSld>
-    <p:spTree>
-      <p:nvGrpSpPr>
-        <p:cNvPr id="1" name=""/>
-        <p:cNvGrpSpPr/>
-        <p:nvPr/>
-      </p:nvGrpSpPr>
-      <p:grpSpPr>
-        <a:xfrm>
-          <a:off x="0" y="0"/>
-          <a:ext cx="0" cy="0"/>
-          <a:chOff x="0" y="0"/>
-          <a:chExt cx="0" cy="0"/>
-        </a:xfrm>
-      </p:grpSpPr>
-      <p:sp>
-        <p:nvSpPr>
-          <p:cNvPr id="2" name="タイトル 1"/>
-          <p:cNvSpPr>
-            <a:spLocks noGrp="1"/>
-          </p:cNvSpPr>
-          <p:nvPr>
-            <p:ph type="title"/>
-          </p:nvPr>
-        </p:nvSpPr>
-        <p:spPr/>
-        <p:txBody>
-          <a:bodyPr/>
-          <a:lstStyle/>
-          <a:p>
-            <a:pPr lvl="0" indent="0" marL="0">
-              <a:buNone/>
-            </a:pPr>
-            <a:r>
-              <a:rPr/>
-              <a:t>Table of Contents</a:t>
-            </a:r>
-          </a:p>
-        </p:txBody>
-      </p:sp>
-      <p:sp>
-        <p:nvSpPr>
           <p:cNvPr id="3" name="コンテンツ プレースホルダー 2"/>
           <p:cNvSpPr>
             <a:spLocks noGrp="1"/>
@@ -13451,93 +14518,15 @@
           <a:bodyPr/>
           <a:lstStyle/>
           <a:p>
-            <a:pPr lvl="0" indent="-342900" marL="342900">
-              <a:buAutoNum type="arabicPeriod"/>
+            <a:pPr lvl="0" indent="0" marL="0">
+              <a:spcBef>
+                <a:spcPts val="3000"/>
+              </a:spcBef>
+              <a:buNone/>
             </a:pPr>
             <a:r>
-              <a:rPr/>
-              <a:t>流体の諸性質</a:t>
-            </a:r>
-          </a:p>
-          <a:p>
-            <a:pPr lvl="0" indent="-342900" marL="342900">
-              <a:buAutoNum type="arabicPeriod"/>
-            </a:pPr>
-            <a:r>
-              <a:rPr/>
-              <a:t>静止流体の力学</a:t>
-            </a:r>
-          </a:p>
-          <a:p>
-            <a:pPr lvl="0" indent="-342900" marL="342900">
-              <a:buAutoNum type="arabicPeriod"/>
-            </a:pPr>
-            <a:r>
-              <a:rPr/>
-              <a:t>定常1次流れ</a:t>
-            </a:r>
-          </a:p>
-          <a:p>
-            <a:pPr lvl="0" indent="-342900" marL="342900">
-              <a:buAutoNum type="arabicPeriod"/>
-            </a:pPr>
-            <a:r>
-              <a:rPr/>
-              <a:t>流量・流速測定の原理</a:t>
-            </a:r>
-          </a:p>
-          <a:p>
-            <a:pPr lvl="0" indent="-342900" marL="342900">
-              <a:buAutoNum type="arabicPeriod"/>
-            </a:pPr>
-            <a:r>
-              <a:rPr/>
-              <a:t>運動量理論</a:t>
-            </a:r>
-          </a:p>
-          <a:p>
-            <a:pPr lvl="0" indent="-342900" marL="342900">
-              <a:buAutoNum type="arabicPeriod"/>
-            </a:pPr>
-            <a:r>
-              <a:rPr/>
-              <a:t>次元解析と相似則</a:t>
-            </a:r>
-          </a:p>
-          <a:p>
-            <a:pPr lvl="0" indent="-342900" marL="342900">
-              <a:buAutoNum type="arabicPeriod"/>
-            </a:pPr>
-            <a:r>
-              <a:rPr/>
-              <a:t>管路の流れ</a:t>
-            </a:r>
-          </a:p>
-          <a:p>
-            <a:pPr lvl="0" indent="-342900" marL="342900">
-              <a:buAutoNum type="arabicPeriod"/>
-            </a:pPr>
-            <a:r>
-              <a:rPr/>
-              <a:t>流体力学の基礎式</a:t>
-            </a:r>
-          </a:p>
-          <a:p>
-            <a:pPr lvl="0" indent="-342900" marL="342900">
-              <a:buAutoNum type="arabicPeriod"/>
-            </a:pPr>
-            <a:r>
-              <a:rPr/>
-              <a:t>層流の理論的解析</a:t>
-            </a:r>
-          </a:p>
-          <a:p>
-            <a:pPr lvl="0" indent="-342900" marL="342900">
-              <a:buAutoNum type="arabicPeriod"/>
-            </a:pPr>
-            <a:r>
-              <a:rPr/>
-              <a:t>2次元ポテンシャル流の基礎</a:t>
+              <a:rPr b="1"/>
+              <a:t>あああ</a:t>
             </a:r>
           </a:p>
         </p:txBody>
@@ -13597,12 +14586,7 @@
             <p:ph type="title"/>
           </p:nvPr>
         </p:nvSpPr>
-        <p:spPr>
-          <a:xfrm>
-            <a:off x="860400" y="1098000"/>
-            <a:ext cx="3470400" cy="345600"/>
-          </a:xfrm>
-        </p:spPr>
+        <p:spPr/>
         <p:txBody>
           <a:bodyPr/>
           <a:lstStyle/>
@@ -13662,31 +14646,6 @@
           <a:chExt cx="0" cy="0"/>
         </a:xfrm>
       </p:grpSpPr>
-      <p:sp>
-        <p:nvSpPr>
-          <p:cNvPr id="2" name="タイトル 1"/>
-          <p:cNvSpPr>
-            <a:spLocks noGrp="1"/>
-          </p:cNvSpPr>
-          <p:nvPr>
-            <p:ph type="title"/>
-          </p:nvPr>
-        </p:nvSpPr>
-        <p:spPr/>
-        <p:txBody>
-          <a:bodyPr/>
-          <a:lstStyle/>
-          <a:p>
-            <a:pPr lvl="0" indent="0" marL="0">
-              <a:buNone/>
-            </a:pPr>
-            <a:r>
-              <a:rPr/>
-              <a:t>流体の諸性質1</a:t>
-            </a:r>
-          </a:p>
-        </p:txBody>
-      </p:sp>
       <mc:AlternateContent xmlns:mc="http://schemas.openxmlformats.org/markup-compatibility/2006">
         <mc:Choice xmlns:a14="http://schemas.microsoft.com/office/drawing/2010/main" Requires="a14">
           <p:sp>
@@ -13704,11 +14663,14 @@
               <a:bodyPr/>
               <a:lstStyle/>
               <a:p>
-                <a:pPr lvl="0" indent="-342900" marL="342900">
-                  <a:buAutoNum type="arabicPeriod"/>
+                <a:pPr lvl="0" indent="0" marL="0">
+                  <a:spcBef>
+                    <a:spcPts val="3000"/>
+                  </a:spcBef>
+                  <a:buNone/>
                 </a:pPr>
                 <a:r>
-                  <a:rPr/>
+                  <a:rPr b="1"/>
                   <a:t>はじめに</a:t>
                 </a:r>
               </a:p>
@@ -13734,7 +14696,7 @@
                 </a:r>
               </a:p>
               <a:p>
-                <a:pPr lvl="1"/>
+                <a:pPr lvl="0"/>
                 <a14:m>
                   <m:oMath xmlns:m="http://schemas.openxmlformats.org/officeDocument/2006/math">
                     <m:r>
@@ -13759,7 +14721,7 @@
                 </a:r>
               </a:p>
               <a:p>
-                <a:pPr lvl="1"/>
+                <a:pPr lvl="0"/>
                 <a14:m>
                   <m:oMathPara xmlns:m="http://schemas.openxmlformats.org/officeDocument/2006/math">
                     <m:oMathParaPr>
@@ -13810,14 +14772,14 @@
                 </a14:m>
               </a:p>
               <a:p>
+                <a:pPr lvl="0"/>
+                <a:r>
+                  <a:rPr/>
+                  <a:t>平均自由行程</a:t>
+                </a:r>
+              </a:p>
+              <a:p>
                 <a:pPr lvl="1"/>
-                <a:r>
-                  <a:rPr/>
-                  <a:t>平均自由行程</a:t>
-                </a:r>
-              </a:p>
-              <a:p>
-                <a:pPr lvl="2"/>
                 <a:r>
                   <a:rPr/>
                   <a:t>「気体分子運動論」という学問的な取り扱いの中だけでいえる話で、理論上の計算値として求められ、圧力が低いほど、分子の数が少ないほど気体分子はまっすぐ飛べるので、平均自由行程は長くなる</a:t>
@@ -13874,31 +14836,6 @@
       </p:grpSpPr>
       <p:sp>
         <p:nvSpPr>
-          <p:cNvPr id="2" name="タイトル 1"/>
-          <p:cNvSpPr>
-            <a:spLocks noGrp="1"/>
-          </p:cNvSpPr>
-          <p:nvPr>
-            <p:ph type="title"/>
-          </p:nvPr>
-        </p:nvSpPr>
-        <p:spPr/>
-        <p:txBody>
-          <a:bodyPr/>
-          <a:lstStyle/>
-          <a:p>
-            <a:pPr lvl="0" indent="0" marL="0">
-              <a:buNone/>
-            </a:pPr>
-            <a:r>
-              <a:rPr/>
-              <a:t>流体の諸性質2</a:t>
-            </a:r>
-          </a:p>
-        </p:txBody>
-      </p:sp>
-      <p:sp>
-        <p:nvSpPr>
           <p:cNvPr id="3" name="コンテンツ プレースホルダー 2"/>
           <p:cNvSpPr>
             <a:spLocks noGrp="1"/>
@@ -13912,16 +14849,19 @@
           <a:bodyPr/>
           <a:lstStyle/>
           <a:p>
+            <a:pPr lvl="0" indent="0" marL="0">
+              <a:spcBef>
+                <a:spcPts val="3000"/>
+              </a:spcBef>
+              <a:buNone/>
+            </a:pPr>
+            <a:r>
+              <a:rPr b="1"/>
+              <a:t>単位系</a:t>
+            </a:r>
+          </a:p>
+          <a:p>
             <a:pPr lvl="0" indent="-342900" marL="342900">
-              <a:buAutoNum startAt="2" type="arabicPeriod"/>
-            </a:pPr>
-            <a:r>
-              <a:rPr/>
-              <a:t>単位系</a:t>
-            </a:r>
-          </a:p>
-          <a:p>
-            <a:pPr lvl="1" indent="-342900" marL="685800">
               <a:buAutoNum type="arabicPeriod"/>
             </a:pPr>
             <a:r>
@@ -13930,29 +14870,29 @@
             </a:r>
           </a:p>
           <a:p>
-            <a:pPr lvl="1"/>
+            <a:pPr lvl="0"/>
             <a:r>
               <a:rPr/>
               <a:t>長さ 𝑚 (メートル)、質量 𝑘𝑔 (キログラム)、時間 𝑠𝑒𝑐 (秒)</a:t>
             </a:r>
           </a:p>
           <a:p>
-            <a:pPr lvl="1"/>
+            <a:pPr lvl="0"/>
             <a:r>
               <a:rPr/>
               <a:t>電流 𝐴 (アンペア)、熱力学温度 𝐾 (ケルビン)、物質量 𝑚𝑜𝑙 (モル)、光度 𝑐𝑑 (カンデラ)</a:t>
             </a:r>
           </a:p>
           <a:p>
-            <a:pPr lvl="1"/>
+            <a:pPr lvl="0"/>
             <a:r>
               <a:rPr/>
               <a:t>𝑁 (ニュートン) 組立単位 1𝑁=1𝑘𝑔×1𝑚/𝑠^2</a:t>
             </a:r>
           </a:p>
           <a:p>
-            <a:pPr lvl="1" indent="-342900" marL="685800">
-              <a:buAutoNum startAt="2" type="arabicPeriod"/>
+            <a:pPr lvl="0" indent="-342900" marL="342900">
+              <a:buAutoNum type="arabicPeriod"/>
             </a:pPr>
             <a:r>
               <a:rPr/>
@@ -13960,22 +14900,22 @@
             </a:r>
           </a:p>
           <a:p>
-            <a:pPr lvl="1"/>
+            <a:pPr lvl="0"/>
             <a:r>
               <a:rPr/>
               <a:t>長さ、力、時間の三つを基本量としている</a:t>
             </a:r>
           </a:p>
           <a:p>
-            <a:pPr lvl="1"/>
+            <a:pPr lvl="0"/>
             <a:r>
               <a:rPr/>
               <a:t>質量の物体に働く重力の大きさ 1𝑘𝑔𝑓=1𝑘𝑔×9.8𝑚/𝑠^2=9.8𝑁</a:t>
             </a:r>
           </a:p>
           <a:p>
-            <a:pPr lvl="1" indent="-342900" marL="685800">
-              <a:buAutoNum startAt="3" type="arabicPeriod"/>
+            <a:pPr lvl="0" indent="-342900" marL="342900">
+              <a:buAutoNum type="arabicPeriod"/>
             </a:pPr>
             <a:r>
               <a:rPr/>
@@ -13983,7 +14923,7 @@
             </a:r>
           </a:p>
           <a:p>
-            <a:pPr lvl="1"/>
+            <a:pPr lvl="0"/>
             <a:r>
               <a:rPr/>
               <a:t>長さ、力、時間に 𝑐𝑚,𝑔,𝑠 を用いる単位系</a:t>
@@ -14036,31 +14976,6 @@
           <a:chExt cx="0" cy="0"/>
         </a:xfrm>
       </p:grpSpPr>
-      <p:sp>
-        <p:nvSpPr>
-          <p:cNvPr id="2" name="タイトル 1"/>
-          <p:cNvSpPr>
-            <a:spLocks noGrp="1"/>
-          </p:cNvSpPr>
-          <p:nvPr>
-            <p:ph type="title"/>
-          </p:nvPr>
-        </p:nvSpPr>
-        <p:spPr/>
-        <p:txBody>
-          <a:bodyPr/>
-          <a:lstStyle/>
-          <a:p>
-            <a:pPr lvl="0" indent="0" marL="0">
-              <a:buNone/>
-            </a:pPr>
-            <a:r>
-              <a:rPr/>
-              <a:t>流体の諸性質3</a:t>
-            </a:r>
-          </a:p>
-        </p:txBody>
-      </p:sp>
       <mc:AlternateContent xmlns:mc="http://schemas.openxmlformats.org/markup-compatibility/2006">
         <mc:Choice xmlns:a14="http://schemas.microsoft.com/office/drawing/2010/main" Requires="a14">
           <p:sp>
@@ -14078,16 +14993,19 @@
               <a:bodyPr/>
               <a:lstStyle/>
               <a:p>
-                <a:pPr lvl="0" indent="-342900" marL="342900">
-                  <a:buAutoNum startAt="3" type="arabicPeriod"/>
+                <a:pPr lvl="0" indent="0" marL="0">
+                  <a:spcBef>
+                    <a:spcPts val="3000"/>
+                  </a:spcBef>
+                  <a:buNone/>
                 </a:pPr>
                 <a:r>
-                  <a:rPr/>
+                  <a:rPr b="1"/>
                   <a:t>密度と比体積</a:t>
                 </a:r>
               </a:p>
               <a:p>
-                <a:pPr lvl="1"/>
+                <a:pPr lvl="0"/>
                 <a:r>
                   <a:rPr/>
                   <a:t>密度 </a:t>
@@ -14105,7 +15023,7 @@
                 </a:r>
               </a:p>
               <a:p>
-                <a:pPr lvl="1"/>
+                <a:pPr lvl="0"/>
                 <a:r>
                   <a:rPr/>
                   <a:t>SI単位系 </a:t>
@@ -14140,7 +15058,7 @@
                 </a14:m>
               </a:p>
               <a:p>
-                <a:pPr lvl="1"/>
+                <a:pPr lvl="0"/>
                 <a:r>
                   <a:rPr/>
                   <a:t>比重量 </a:t>
@@ -14177,7 +15095,7 @@
                 </a14:m>
               </a:p>
               <a:p>
-                <a:pPr lvl="1"/>
+                <a:pPr lvl="0"/>
                 <a:r>
                   <a:rPr/>
                   <a:t>工学単位系 </a:t>
@@ -14215,7 +15133,7 @@
                 </a14:m>
               </a:p>
               <a:p>
-                <a:pPr lvl="1"/>
+                <a:pPr lvl="0"/>
                 <a:r>
                   <a:rPr/>
                   <a:t>比体積 </a:t>
@@ -14233,7 +15151,7 @@
                 </a:r>
               </a:p>
               <a:p>
-                <a:pPr lvl="1"/>
+                <a:pPr lvl="0"/>
                 <a14:m>
                   <m:oMathPara xmlns:m="http://schemas.openxmlformats.org/officeDocument/2006/math">
                     <m:oMathParaPr>
@@ -14314,31 +15232,6 @@
           <a:chExt cx="0" cy="0"/>
         </a:xfrm>
       </p:grpSpPr>
-      <p:sp>
-        <p:nvSpPr>
-          <p:cNvPr id="2" name="タイトル 1"/>
-          <p:cNvSpPr>
-            <a:spLocks noGrp="1"/>
-          </p:cNvSpPr>
-          <p:nvPr>
-            <p:ph type="title"/>
-          </p:nvPr>
-        </p:nvSpPr>
-        <p:spPr/>
-        <p:txBody>
-          <a:bodyPr/>
-          <a:lstStyle/>
-          <a:p>
-            <a:pPr lvl="0" indent="0" marL="0">
-              <a:buNone/>
-            </a:pPr>
-            <a:r>
-              <a:rPr/>
-              <a:t>流体の諸性質4</a:t>
-            </a:r>
-          </a:p>
-        </p:txBody>
-      </p:sp>
       <mc:AlternateContent xmlns:mc="http://schemas.openxmlformats.org/markup-compatibility/2006">
         <mc:Choice xmlns:a14="http://schemas.microsoft.com/office/drawing/2010/main" Requires="a14">
           <p:sp>
@@ -14356,11 +15249,14 @@
               <a:bodyPr/>
               <a:lstStyle/>
               <a:p>
-                <a:pPr lvl="0" indent="-342900" marL="342900">
-                  <a:buAutoNum startAt="4" type="arabicPeriod"/>
+                <a:pPr lvl="0" indent="0" marL="0">
+                  <a:spcBef>
+                    <a:spcPts val="3000"/>
+                  </a:spcBef>
+                  <a:buNone/>
                 </a:pPr>
                 <a:r>
-                  <a:rPr/>
+                  <a:rPr b="1"/>
                   <a:t>圧縮性</a:t>
                 </a:r>
               </a:p>
@@ -14724,12 +15620,12 @@
       </p:grpSpPr>
       <p:sp>
         <p:nvSpPr>
-          <p:cNvPr id="2" name="タイトル 1"/>
+          <p:cNvPr id="3" name="コンテンツ プレースホルダー 2"/>
           <p:cNvSpPr>
             <a:spLocks noGrp="1"/>
           </p:cNvSpPr>
           <p:nvPr>
-            <p:ph type="title"/>
+            <p:ph idx="1"/>
           </p:nvPr>
         </p:nvSpPr>
         <p:spPr/>
@@ -14738,691 +15634,21 @@
           <a:lstStyle/>
           <a:p>
             <a:pPr lvl="0" indent="0" marL="0">
+              <a:spcBef>
+                <a:spcPts val="3000"/>
+              </a:spcBef>
               <a:buNone/>
             </a:pPr>
             <a:r>
-              <a:rPr/>
-              <a:t>流体の諸性質5</a:t>
-            </a:r>
-          </a:p>
-        </p:txBody>
-      </p:sp>
-      <mc:AlternateContent xmlns:mc="http://schemas.openxmlformats.org/markup-compatibility/2006">
-        <mc:Choice xmlns:a14="http://schemas.microsoft.com/office/drawing/2010/main" Requires="a14">
-          <p:sp>
-            <p:nvSpPr>
-              <p:cNvPr id="3" name="コンテンツ プレースホルダー 2"/>
-              <p:cNvSpPr>
-                <a:spLocks noGrp="1"/>
-              </p:cNvSpPr>
-              <p:nvPr>
-                <p:ph idx="1" sz="half"/>
-              </p:nvPr>
-            </p:nvSpPr>
-            <p:spPr/>
-            <p:txBody>
-              <a:bodyPr/>
-              <a:lstStyle/>
-              <a:p>
-                <a:pPr lvl="0" indent="-342900" marL="342900">
-                  <a:buAutoNum type="arabicPeriod"/>
-                </a:pPr>
-                <a:r>
-                  <a:rPr/>
-                  <a:t>ニュートンの粘性法則</a:t>
-                </a:r>
-              </a:p>
-              <a:p>
-                <a:pPr lvl="0"/>
-                <a:r>
-                  <a:rPr/>
-                  <a:t>流体の粘性 : 変形に対して抵抗する性質(水あめは強く、水は弱い)</a:t>
-                </a:r>
-              </a:p>
-              <a:p>
-                <a:pPr lvl="0"/>
-                <a:r>
-                  <a:rPr/>
-                  <a:t>クエット流れ</a:t>
-                </a:r>
-              </a:p>
-              <a:p>
-                <a:pPr lvl="1"/>
-                <a:r>
-                  <a:rPr/>
-                  <a:t>平行な2枚の平板間に油を満たし、下の板を固定し上の板を一定の速度 </a:t>
-                </a:r>
-                <a14:m>
-                  <m:oMath xmlns:m="http://schemas.openxmlformats.org/officeDocument/2006/math">
-                    <m:r>
-                      <m:t>U</m:t>
-                    </m:r>
-                  </m:oMath>
-                </a14:m>
-                <a:r>
-                  <a:rPr/>
-                  <a:t> で平行に動かす流速が遅い場合、流速 </a:t>
-                </a:r>
-                <a14:m>
-                  <m:oMath xmlns:m="http://schemas.openxmlformats.org/officeDocument/2006/math">
-                    <m:r>
-                      <m:t>v</m:t>
-                    </m:r>
-                  </m:oMath>
-                </a14:m>
-                <a:r>
-                  <a:rPr/>
-                  <a:t> の </a:t>
-                </a:r>
-                <a14:m>
-                  <m:oMath xmlns:m="http://schemas.openxmlformats.org/officeDocument/2006/math">
-                    <m:r>
-                      <m:t>y</m:t>
-                    </m:r>
-                  </m:oMath>
-                </a14:m>
-                <a:r>
-                  <a:rPr/>
-                  <a:t> 方向分布は固定壁面 </a:t>
-                </a:r>
-                <a14:m>
-                  <m:oMath xmlns:m="http://schemas.openxmlformats.org/officeDocument/2006/math">
-                    <m:d>
-                      <m:dPr>
-                        <m:begChr m:val="("/>
-                        <m:endChr m:val=")"/>
-                        <m:sepChr m:val=""/>
-                        <m:grow/>
-                      </m:dPr>
-                      <m:e>
-                        <m:r>
-                          <m:t>y</m:t>
-                        </m:r>
-                        <m:r>
-                          <m:rPr>
-                            <m:sty m:val="p"/>
-                          </m:rPr>
-                          <m:t>=</m:t>
-                        </m:r>
-                        <m:r>
-                          <m:t>0</m:t>
-                        </m:r>
-                      </m:e>
-                    </m:d>
-                  </m:oMath>
-                </a14:m>
-                <a:r>
-                  <a:rPr/>
-                  <a:t> における </a:t>
-                </a:r>
-                <a14:m>
-                  <m:oMath xmlns:m="http://schemas.openxmlformats.org/officeDocument/2006/math">
-                    <m:d>
-                      <m:dPr>
-                        <m:begChr m:val="("/>
-                        <m:endChr m:val=")"/>
-                        <m:sepChr m:val=""/>
-                        <m:grow/>
-                      </m:dPr>
-                      <m:e>
-                        <m:r>
-                          <m:t>u</m:t>
-                        </m:r>
-                        <m:r>
-                          <m:rPr>
-                            <m:sty m:val="p"/>
-                          </m:rPr>
-                          <m:t>=</m:t>
-                        </m:r>
-                        <m:r>
-                          <m:t>0</m:t>
-                        </m:r>
-                      </m:e>
-                    </m:d>
-                  </m:oMath>
-                </a14:m>
-                <a:r>
-                  <a:rPr/>
-                  <a:t> から移動壁面 </a:t>
-                </a:r>
-                <a14:m>
-                  <m:oMath xmlns:m="http://schemas.openxmlformats.org/officeDocument/2006/math">
-                    <m:d>
-                      <m:dPr>
-                        <m:begChr m:val="("/>
-                        <m:endChr m:val=")"/>
-                        <m:sepChr m:val=""/>
-                        <m:grow/>
-                      </m:dPr>
-                      <m:e>
-                        <m:r>
-                          <m:t>y</m:t>
-                        </m:r>
-                        <m:r>
-                          <m:rPr>
-                            <m:sty m:val="p"/>
-                          </m:rPr>
-                          <m:t>=</m:t>
-                        </m:r>
-                        <m:r>
-                          <m:t>0</m:t>
-                        </m:r>
-                      </m:e>
-                    </m:d>
-                  </m:oMath>
-                </a14:m>
-                <a:r>
-                  <a:rPr/>
-                  <a:t> における </a:t>
-                </a:r>
-                <a14:m>
-                  <m:oMath xmlns:m="http://schemas.openxmlformats.org/officeDocument/2006/math">
-                    <m:d>
-                      <m:dPr>
-                        <m:begChr m:val="("/>
-                        <m:endChr m:val=")"/>
-                        <m:sepChr m:val=""/>
-                        <m:grow/>
-                      </m:dPr>
-                      <m:e>
-                        <m:r>
-                          <m:t>u</m:t>
-                        </m:r>
-                        <m:r>
-                          <m:rPr>
-                            <m:sty m:val="p"/>
-                          </m:rPr>
-                          <m:t>=</m:t>
-                        </m:r>
-                        <m:r>
-                          <m:t>U</m:t>
-                        </m:r>
-                      </m:e>
-                    </m:d>
-                  </m:oMath>
-                </a14:m>
-                <a:r>
-                  <a:rPr/>
-                  <a:t> まで直線的に変化する分布となる</a:t>
-                </a:r>
-              </a:p>
-              <a:p>
-                <a:pPr lvl="1"/>
-                <a:r>
-                  <a:rPr/>
-                  <a:t>この時板を動かすのに必要な力 </a:t>
-                </a:r>
-                <a14:m>
-                  <m:oMath xmlns:m="http://schemas.openxmlformats.org/officeDocument/2006/math">
-                    <m:r>
-                      <m:t>F</m:t>
-                    </m:r>
-                  </m:oMath>
-                </a14:m>
-                <a:r>
-                  <a:rPr/>
-                  <a:t> は、板の面積 </a:t>
-                </a:r>
-                <a14:m>
-                  <m:oMath xmlns:m="http://schemas.openxmlformats.org/officeDocument/2006/math">
-                    <m:r>
-                      <m:t>A</m:t>
-                    </m:r>
-                  </m:oMath>
-                </a14:m>
-                <a:r>
-                  <a:rPr/>
-                  <a:t> と速度 </a:t>
-                </a:r>
-                <a14:m>
-                  <m:oMath xmlns:m="http://schemas.openxmlformats.org/officeDocument/2006/math">
-                    <m:r>
-                      <m:t>U</m:t>
-                    </m:r>
-                  </m:oMath>
-                </a14:m>
-                <a:r>
-                  <a:rPr/>
-                  <a:t> に比例し、平板板間の距離 </a:t>
-                </a:r>
-                <a14:m>
-                  <m:oMath xmlns:m="http://schemas.openxmlformats.org/officeDocument/2006/math">
-                    <m:r>
-                      <m:t>h</m:t>
-                    </m:r>
-                  </m:oMath>
-                </a14:m>
-                <a:r>
-                  <a:rPr/>
-                  <a:t> に反比例する</a:t>
-                </a:r>
-              </a:p>
-              <a:p>
-                <a:pPr lvl="1"/>
-                <a14:m>
-                  <m:oMathPara xmlns:m="http://schemas.openxmlformats.org/officeDocument/2006/math">
-                    <m:oMathParaPr>
-                      <m:jc m:val="center"/>
-                    </m:oMathParaPr>
-                    <m:oMath>
-                      <m:r>
-                        <m:t>F</m:t>
-                      </m:r>
-                      <m:r>
-                        <m:rPr>
-                          <m:sty m:val="p"/>
-                        </m:rPr>
-                        <m:t>∝</m:t>
-                      </m:r>
-                      <m:f>
-                        <m:fPr>
-                          <m:type m:val="bar"/>
-                        </m:fPr>
-                        <m:num>
-                          <m:r>
-                            <m:t>A</m:t>
-                          </m:r>
-                          <m:r>
-                            <m:t>U</m:t>
-                          </m:r>
-                        </m:num>
-                        <m:den>
-                          <m:r>
-                            <m:t>h</m:t>
-                          </m:r>
-                        </m:den>
-                      </m:f>
-                    </m:oMath>
-                  </m:oMathPara>
-                </a14:m>
-              </a:p>
-              <a:p>
-                <a:pPr lvl="1"/>
-                <a:r>
-                  <a:rPr/>
-                  <a:t>せん断応力 </a:t>
-                </a:r>
-                <a14:m>
-                  <m:oMath xmlns:m="http://schemas.openxmlformats.org/officeDocument/2006/math">
-                    <m:r>
-                      <m:t>τ</m:t>
-                    </m:r>
-                  </m:oMath>
-                </a14:m>
-                <a:r>
-                  <a:rPr/>
-                  <a:t> : 板の単位面積あたりに作用する摩擦効力</a:t>
-                </a:r>
-              </a:p>
-              <a:p>
-                <a:pPr lvl="1"/>
-                <a14:m>
-                  <m:oMathPara xmlns:m="http://schemas.openxmlformats.org/officeDocument/2006/math">
-                    <m:oMathParaPr>
-                      <m:jc m:val="center"/>
-                    </m:oMathParaPr>
-                    <m:oMath>
-                      <m:r>
-                        <m:t>τ</m:t>
-                      </m:r>
-                      <m:r>
-                        <m:rPr>
-                          <m:sty m:val="p"/>
-                        </m:rPr>
-                        <m:t>=</m:t>
-                      </m:r>
-                      <m:f>
-                        <m:fPr>
-                          <m:type m:val="bar"/>
-                        </m:fPr>
-                        <m:num>
-                          <m:r>
-                            <m:t>F</m:t>
-                          </m:r>
-                        </m:num>
-                        <m:den>
-                          <m:r>
-                            <m:t>A</m:t>
-                          </m:r>
-                        </m:den>
-                      </m:f>
-                      <m:r>
-                        <m:rPr>
-                          <m:sty m:val="p"/>
-                        </m:rPr>
-                        <m:t>∝</m:t>
-                      </m:r>
-                      <m:f>
-                        <m:fPr>
-                          <m:type m:val="bar"/>
-                        </m:fPr>
-                        <m:num>
-                          <m:r>
-                            <m:t>U</m:t>
-                          </m:r>
-                        </m:num>
-                        <m:den>
-                          <m:r>
-                            <m:t>h</m:t>
-                          </m:r>
-                        </m:den>
-                      </m:f>
-                      <m:r>
-                        <m:rPr>
-                          <m:sty m:val="p"/>
-                        </m:rPr>
-                        <m:t>=</m:t>
-                      </m:r>
-                      <m:f>
-                        <m:fPr>
-                          <m:type m:val="bar"/>
-                        </m:fPr>
-                        <m:num>
-                          <m:r>
-                            <m:t>d</m:t>
-                          </m:r>
-                          <m:r>
-                            <m:t>u</m:t>
-                          </m:r>
-                        </m:num>
-                        <m:den>
-                          <m:r>
-                            <m:t>d</m:t>
-                          </m:r>
-                          <m:r>
-                            <m:t>y</m:t>
-                          </m:r>
-                        </m:den>
-                      </m:f>
-                    </m:oMath>
-                  </m:oMathPara>
-                </a14:m>
-              </a:p>
-              <a:p>
-                <a:pPr lvl="1"/>
-                <a:r>
-                  <a:rPr/>
-                  <a:t>ニュートンの粘性法則 : 粘度(流体固有の物性値) </a:t>
-                </a:r>
-                <a14:m>
-                  <m:oMath xmlns:m="http://schemas.openxmlformats.org/officeDocument/2006/math">
-                    <m:r>
-                      <m:t>μ</m:t>
-                    </m:r>
-                    <m:r>
-                      <m:t> </m:t>
-                    </m:r>
-                    <m:d>
-                      <m:dPr>
-                        <m:begChr m:val="["/>
-                        <m:endChr m:val="]"/>
-                        <m:sepChr m:val=""/>
-                        <m:grow/>
-                      </m:dPr>
-                      <m:e>
-                        <m:r>
-                          <m:t>N</m:t>
-                        </m:r>
-                        <m:r>
-                          <m:rPr>
-                            <m:sty m:val="p"/>
-                          </m:rPr>
-                          <m:t>⋅</m:t>
-                        </m:r>
-                        <m:r>
-                          <m:t>s</m:t>
-                        </m:r>
-                        <m:r>
-                          <m:rPr>
-                            <m:sty m:val="p"/>
-                          </m:rPr>
-                          <m:t>/</m:t>
-                        </m:r>
-                        <m:sSup>
-                          <m:e>
-                            <m:r>
-                              <m:t>m</m:t>
-                            </m:r>
-                          </m:e>
-                          <m:sup>
-                            <m:r>
-                              <m:t>2</m:t>
-                            </m:r>
-                          </m:sup>
-                        </m:sSup>
-                        <m:r>
-                          <m:rPr>
-                            <m:sty m:val="p"/>
-                          </m:rPr>
-                          <m:t>=</m:t>
-                        </m:r>
-                        <m:r>
-                          <m:t>P</m:t>
-                        </m:r>
-                        <m:r>
-                          <m:t>a</m:t>
-                        </m:r>
-                        <m:r>
-                          <m:rPr>
-                            <m:sty m:val="p"/>
-                          </m:rPr>
-                          <m:t>⋅</m:t>
-                        </m:r>
-                        <m:r>
-                          <m:t>s</m:t>
-                        </m:r>
-                      </m:e>
-                    </m:d>
-                  </m:oMath>
-                </a14:m>
-              </a:p>
-              <a:p>
-                <a:pPr lvl="1"/>
-                <a14:m>
-                  <m:oMathPara xmlns:m="http://schemas.openxmlformats.org/officeDocument/2006/math">
-                    <m:oMathParaPr>
-                      <m:jc m:val="center"/>
-                    </m:oMathParaPr>
-                    <m:oMath>
-                      <m:r>
-                        <m:t>τ</m:t>
-                      </m:r>
-                      <m:r>
-                        <m:rPr>
-                          <m:sty m:val="p"/>
-                        </m:rPr>
-                        <m:t>=</m:t>
-                      </m:r>
-                      <m:r>
-                        <m:t>μ</m:t>
-                      </m:r>
-                      <m:f>
-                        <m:fPr>
-                          <m:type m:val="bar"/>
-                        </m:fPr>
-                        <m:num>
-                          <m:r>
-                            <m:t>d</m:t>
-                          </m:r>
-                          <m:r>
-                            <m:t>u</m:t>
-                          </m:r>
-                        </m:num>
-                        <m:den>
-                          <m:r>
-                            <m:t>d</m:t>
-                          </m:r>
-                          <m:r>
-                            <m:t>y</m:t>
-                          </m:r>
-                        </m:den>
-                      </m:f>
-                    </m:oMath>
-                  </m:oMathPara>
-                </a14:m>
-              </a:p>
-              <a:p>
-                <a:pPr lvl="1"/>
-                <a:r>
-                  <a:rPr/>
-                  <a:t>ニュートン流体 : ニュートンの粘性法則が成り立つ流体 → 空気・水・グリセリン・油など</a:t>
-                </a:r>
-              </a:p>
-              <a:p>
-                <a:pPr lvl="1"/>
-                <a:r>
-                  <a:rPr/>
-                  <a:t>動粘度 </a:t>
-                </a:r>
-                <a14:m>
-                  <m:oMath xmlns:m="http://schemas.openxmlformats.org/officeDocument/2006/math">
-                    <m:r>
-                      <m:t>ν</m:t>
-                    </m:r>
-                    <m:r>
-                      <m:t> </m:t>
-                    </m:r>
-                    <m:d>
-                      <m:dPr>
-                        <m:begChr m:val="["/>
-                        <m:endChr m:val="]"/>
-                        <m:sepChr m:val=""/>
-                        <m:grow/>
-                      </m:dPr>
-                      <m:e>
-                        <m:sSup>
-                          <m:e>
-                            <m:r>
-                              <m:t>m</m:t>
-                            </m:r>
-                          </m:e>
-                          <m:sup>
-                            <m:r>
-                              <m:t>2</m:t>
-                            </m:r>
-                          </m:sup>
-                        </m:sSup>
-                        <m:r>
-                          <m:rPr>
-                            <m:sty m:val="p"/>
-                          </m:rPr>
-                          <m:t>/</m:t>
-                        </m:r>
-                        <m:r>
-                          <m:t>s</m:t>
-                        </m:r>
-                      </m:e>
-                    </m:d>
-                  </m:oMath>
-                </a14:m>
-                <a:r>
-                  <a:rPr/>
-                  <a:t> : 流体の運動を調べるのにはこちらが使われる</a:t>
-                </a:r>
-              </a:p>
-              <a:p>
-                <a:pPr lvl="1"/>
-                <a14:m>
-                  <m:oMathPara xmlns:m="http://schemas.openxmlformats.org/officeDocument/2006/math">
-                    <m:oMathParaPr>
-                      <m:jc m:val="center"/>
-                    </m:oMathParaPr>
-                    <m:oMath>
-                      <m:r>
-                        <m:t>ν</m:t>
-                      </m:r>
-                      <m:r>
-                        <m:rPr>
-                          <m:sty m:val="p"/>
-                        </m:rPr>
-                        <m:t>=</m:t>
-                      </m:r>
-                      <m:f>
-                        <m:fPr>
-                          <m:type m:val="bar"/>
-                        </m:fPr>
-                        <m:num>
-                          <m:r>
-                            <m:t>u</m:t>
-                          </m:r>
-                        </m:num>
-                        <m:den>
-                          <m:r>
-                            <m:t>ρ</m:t>
-                          </m:r>
-                        </m:den>
-                      </m:f>
-                    </m:oMath>
-                  </m:oMathPara>
-                </a14:m>
-              </a:p>
-            </p:txBody>
-          </p:sp>
-        </mc:Choice>
-      </mc:AlternateContent>
-      <p:pic>
-        <p:nvPicPr>
-          <p:cNvPr descr="Basics_of_Fluid_Mechanics/images/1-1.png" id="0" name="Picture 1"/>
-          <p:cNvPicPr>
-            <a:picLocks noGrp="1" noChangeAspect="1"/>
-          </p:cNvPicPr>
-          <p:nvPr/>
-        </p:nvPicPr>
-        <p:blipFill>
-          <a:blip r:embed="rId2"/>
-          <a:stretch>
-            <a:fillRect/>
-          </a:stretch>
-        </p:blipFill>
-        <p:spPr bwMode="auto">
-          <a:xfrm>
-            <a:off x="5727700" y="1320800"/>
-            <a:ext cx="3263900" cy="2540000"/>
-          </a:xfrm>
-          <a:prstGeom prst="rect">
-            <a:avLst/>
-          </a:prstGeom>
-          <a:noFill/>
-          <a:ln w="9525">
-            <a:noFill/>
-            <a:headEnd/>
-            <a:tailEnd/>
-          </a:ln>
-        </p:spPr>
-      </p:pic>
-      <p:sp>
-        <p:nvSpPr>
-          <p:cNvPr id="1" name="TextBox 3"/>
-          <p:cNvSpPr txBox="1"/>
-          <p:nvPr/>
-        </p:nvSpPr>
-        <p:spPr>
-          <a:xfrm>
-            <a:off x="5727700" y="4267200"/>
-            <a:ext cx="3263900" cy="508000"/>
-          </a:xfrm>
-          <a:prstGeom prst="rect">
-            <a:avLst/>
-          </a:prstGeom>
-          <a:noFill/>
-        </p:spPr>
-        <p:txBody>
-          <a:bodyPr/>
-          <a:lstStyle/>
-          <a:p>
-            <a:pPr lvl="0" indent="0" marL="0" algn="ctr">
-              <a:buNone/>
-            </a:pPr>
-            <a:r>
-              <a:rPr/>
-              <a:t>1-1</a:t>
+              <a:rPr b="1"/>
+              <a:t>ニュートンの粘性法則</a:t>
             </a:r>
           </a:p>
         </p:txBody>
       </p:sp>
       <p:sp>
         <p:nvSpPr>
-          <p:cNvPr id="7" name="スライド番号プレースホルダー 6"/>
+          <p:cNvPr id="6" name="スライド番号プレースホルダー 5"/>
           <p:cNvSpPr>
             <a:spLocks noGrp="1"/>
           </p:cNvSpPr>
